--- a/PPTs/Ziyarat Ashura.pptx
+++ b/PPTs/Ziyarat Ashura.pptx
@@ -329,7 +329,7 @@
           <a:p>
             <a:fld id="{5B83DBF1-9270-40B3-BB2B-D4CFAE2C1E62}" type="datetimeFigureOut">
               <a:rPr lang="en-US" smtClean="0"/>
-              <a:t>7/27/2023</a:t>
+              <a:t>2/2/2024</a:t>
             </a:fld>
             <a:endParaRPr lang="en-US"/>
           </a:p>
@@ -1054,9 +1054,18 @@
   <p:clrMapOvr>
     <a:masterClrMapping/>
   </p:clrMapOvr>
-  <p:transition>
-    <p:fade/>
-  </p:transition>
+  <mc:AlternateContent xmlns:mc="http://schemas.openxmlformats.org/markup-compatibility/2006">
+    <mc:Choice xmlns:p14="http://schemas.microsoft.com/office/powerpoint/2010/main" Requires="p14">
+      <p:transition p14:dur="300">
+        <p:fade/>
+      </p:transition>
+    </mc:Choice>
+    <mc:Fallback>
+      <p:transition>
+        <p:fade/>
+      </p:transition>
+    </mc:Fallback>
+  </mc:AlternateContent>
   <p:extLst>
     <p:ext uri="{DCECCB84-F9BA-43D5-87BE-67443E8EF086}">
       <p15:sldGuideLst xmlns:p15="http://schemas.microsoft.com/office/powerpoint/2012/main">
@@ -1207,9 +1216,18 @@
   <p:clrMapOvr>
     <a:masterClrMapping/>
   </p:clrMapOvr>
-  <p:transition>
-    <p:fade/>
-  </p:transition>
+  <mc:AlternateContent xmlns:mc="http://schemas.openxmlformats.org/markup-compatibility/2006">
+    <mc:Choice xmlns:p14="http://schemas.microsoft.com/office/powerpoint/2010/main" Requires="p14">
+      <p:transition p14:dur="300">
+        <p:fade/>
+      </p:transition>
+    </mc:Choice>
+    <mc:Fallback>
+      <p:transition>
+        <p:fade/>
+      </p:transition>
+    </mc:Fallback>
+  </mc:AlternateContent>
 </p:sldLayout>
 </file>
 
@@ -1524,9 +1542,18 @@
   <p:clrMapOvr>
     <a:masterClrMapping/>
   </p:clrMapOvr>
-  <p:transition>
-    <p:fade/>
-  </p:transition>
+  <mc:AlternateContent xmlns:mc="http://schemas.openxmlformats.org/markup-compatibility/2006">
+    <mc:Choice xmlns:p14="http://schemas.microsoft.com/office/powerpoint/2010/main" Requires="p14">
+      <p:transition p14:dur="300">
+        <p:fade/>
+      </p:transition>
+    </mc:Choice>
+    <mc:Fallback>
+      <p:transition>
+        <p:fade/>
+      </p:transition>
+    </mc:Fallback>
+  </mc:AlternateContent>
 </p:sldLayout>
 </file>
 
@@ -1819,9 +1846,18 @@
   <p:clrMapOvr>
     <a:masterClrMapping/>
   </p:clrMapOvr>
-  <p:transition>
-    <p:fade/>
-  </p:transition>
+  <mc:AlternateContent xmlns:mc="http://schemas.openxmlformats.org/markup-compatibility/2006">
+    <mc:Choice xmlns:p14="http://schemas.microsoft.com/office/powerpoint/2010/main" Requires="p14">
+      <p:transition p14:dur="300">
+        <p:fade/>
+      </p:transition>
+    </mc:Choice>
+    <mc:Fallback>
+      <p:transition>
+        <p:fade/>
+      </p:transition>
+    </mc:Fallback>
+  </mc:AlternateContent>
 </p:sldLayout>
 </file>
 
@@ -2049,9 +2085,18 @@
   <p:clrMapOvr>
     <a:masterClrMapping/>
   </p:clrMapOvr>
-  <p:transition>
-    <p:fade/>
-  </p:transition>
+  <mc:AlternateContent xmlns:mc="http://schemas.openxmlformats.org/markup-compatibility/2006">
+    <mc:Choice xmlns:p14="http://schemas.microsoft.com/office/powerpoint/2010/main" Requires="p14">
+      <p:transition p14:dur="300">
+        <p:fade/>
+      </p:transition>
+    </mc:Choice>
+    <mc:Fallback>
+      <p:transition>
+        <p:fade/>
+      </p:transition>
+    </mc:Fallback>
+  </mc:AlternateContent>
 </p:sldLayout>
 </file>
 
@@ -2289,9 +2334,18 @@
   <p:clrMapOvr>
     <a:masterClrMapping/>
   </p:clrMapOvr>
-  <p:transition>
-    <p:fade/>
-  </p:transition>
+  <mc:AlternateContent xmlns:mc="http://schemas.openxmlformats.org/markup-compatibility/2006">
+    <mc:Choice xmlns:p14="http://schemas.microsoft.com/office/powerpoint/2010/main" Requires="p14">
+      <p:transition p14:dur="300">
+        <p:fade/>
+      </p:transition>
+    </mc:Choice>
+    <mc:Fallback>
+      <p:transition>
+        <p:fade/>
+      </p:transition>
+    </mc:Fallback>
+  </mc:AlternateContent>
 </p:sldLayout>
 </file>
 
@@ -2415,9 +2469,18 @@
   <p:clrMapOvr>
     <a:masterClrMapping/>
   </p:clrMapOvr>
-  <p:transition>
-    <p:fade/>
-  </p:transition>
+  <mc:AlternateContent xmlns:mc="http://schemas.openxmlformats.org/markup-compatibility/2006">
+    <mc:Choice xmlns:p14="http://schemas.microsoft.com/office/powerpoint/2010/main" Requires="p14">
+      <p:transition p14:dur="300">
+        <p:fade/>
+      </p:transition>
+    </mc:Choice>
+    <mc:Fallback>
+      <p:transition>
+        <p:fade/>
+      </p:transition>
+    </mc:Fallback>
+  </mc:AlternateContent>
 </p:sldLayout>
 </file>
 
@@ -2497,9 +2560,18 @@
   <p:clrMapOvr>
     <a:masterClrMapping/>
   </p:clrMapOvr>
-  <p:transition>
-    <p:fade/>
-  </p:transition>
+  <mc:AlternateContent xmlns:mc="http://schemas.openxmlformats.org/markup-compatibility/2006">
+    <mc:Choice xmlns:p14="http://schemas.microsoft.com/office/powerpoint/2010/main" Requires="p14">
+      <p:transition p14:dur="300">
+        <p:fade/>
+      </p:transition>
+    </mc:Choice>
+    <mc:Fallback>
+      <p:transition>
+        <p:fade/>
+      </p:transition>
+    </mc:Fallback>
+  </mc:AlternateContent>
 </p:sldLayout>
 </file>
 
@@ -2666,9 +2738,18 @@
   <p:clrMapOvr>
     <a:masterClrMapping/>
   </p:clrMapOvr>
-  <p:transition>
-    <p:fade/>
-  </p:transition>
+  <mc:AlternateContent xmlns:mc="http://schemas.openxmlformats.org/markup-compatibility/2006">
+    <mc:Choice xmlns:p14="http://schemas.microsoft.com/office/powerpoint/2010/main" Requires="p14">
+      <p:transition p14:dur="300">
+        <p:fade/>
+      </p:transition>
+    </mc:Choice>
+    <mc:Fallback>
+      <p:transition>
+        <p:fade/>
+      </p:transition>
+    </mc:Fallback>
+  </mc:AlternateContent>
 </p:sldLayout>
 </file>
 
@@ -2898,9 +2979,18 @@
   <p:clrMapOvr>
     <a:masterClrMapping/>
   </p:clrMapOvr>
-  <p:transition>
-    <p:fade/>
-  </p:transition>
+  <mc:AlternateContent xmlns:mc="http://schemas.openxmlformats.org/markup-compatibility/2006">
+    <mc:Choice xmlns:p14="http://schemas.microsoft.com/office/powerpoint/2010/main" Requires="p14">
+      <p:transition p14:dur="300">
+        <p:fade/>
+      </p:transition>
+    </mc:Choice>
+    <mc:Fallback>
+      <p:transition>
+        <p:fade/>
+      </p:transition>
+    </mc:Fallback>
+  </mc:AlternateContent>
   <p:extLst>
     <p:ext uri="{DCECCB84-F9BA-43D5-87BE-67443E8EF086}">
       <p15:sldGuideLst xmlns:p15="http://schemas.microsoft.com/office/powerpoint/2012/main">
@@ -3144,9 +3234,18 @@
   <p:clrMapOvr>
     <a:masterClrMapping/>
   </p:clrMapOvr>
-  <p:transition>
-    <p:fade/>
-  </p:transition>
+  <mc:AlternateContent xmlns:mc="http://schemas.openxmlformats.org/markup-compatibility/2006">
+    <mc:Choice xmlns:p14="http://schemas.microsoft.com/office/powerpoint/2010/main" Requires="p14">
+      <p:transition p14:dur="300">
+        <p:fade/>
+      </p:transition>
+    </mc:Choice>
+    <mc:Fallback>
+      <p:transition>
+        <p:fade/>
+      </p:transition>
+    </mc:Fallback>
+  </mc:AlternateContent>
   <p:extLst>
     <p:ext uri="{DCECCB84-F9BA-43D5-87BE-67443E8EF086}">
       <p15:sldGuideLst xmlns:p15="http://schemas.microsoft.com/office/powerpoint/2012/main">
@@ -3393,9 +3492,18 @@
   <p:clrMapOvr>
     <a:masterClrMapping/>
   </p:clrMapOvr>
-  <p:transition>
-    <p:fade/>
-  </p:transition>
+  <mc:AlternateContent xmlns:mc="http://schemas.openxmlformats.org/markup-compatibility/2006">
+    <mc:Choice xmlns:p14="http://schemas.microsoft.com/office/powerpoint/2010/main" Requires="p14">
+      <p:transition p14:dur="300">
+        <p:fade/>
+      </p:transition>
+    </mc:Choice>
+    <mc:Fallback>
+      <p:transition>
+        <p:fade/>
+      </p:transition>
+    </mc:Fallback>
+  </mc:AlternateContent>
 </p:sldLayout>
 </file>
 
@@ -3724,9 +3832,18 @@
   <p:clrMapOvr>
     <a:masterClrMapping/>
   </p:clrMapOvr>
-  <p:transition>
-    <p:fade/>
-  </p:transition>
+  <mc:AlternateContent xmlns:mc="http://schemas.openxmlformats.org/markup-compatibility/2006">
+    <mc:Choice xmlns:p14="http://schemas.microsoft.com/office/powerpoint/2010/main" Requires="p14">
+      <p:transition p14:dur="300">
+        <p:fade/>
+      </p:transition>
+    </mc:Choice>
+    <mc:Fallback>
+      <p:transition>
+        <p:fade/>
+      </p:transition>
+    </mc:Fallback>
+  </mc:AlternateContent>
 </p:sldLayout>
 </file>
 
@@ -4185,9 +4302,18 @@
   <p:clrMapOvr>
     <a:masterClrMapping/>
   </p:clrMapOvr>
-  <p:transition>
-    <p:fade/>
-  </p:transition>
+  <mc:AlternateContent xmlns:mc="http://schemas.openxmlformats.org/markup-compatibility/2006">
+    <mc:Choice xmlns:p14="http://schemas.microsoft.com/office/powerpoint/2010/main" Requires="p14">
+      <p:transition p14:dur="300">
+        <p:fade/>
+      </p:transition>
+    </mc:Choice>
+    <mc:Fallback>
+      <p:transition>
+        <p:fade/>
+      </p:transition>
+    </mc:Fallback>
+  </mc:AlternateContent>
 </p:sldLayout>
 </file>
 
@@ -4348,9 +4474,18 @@
   <p:clrMapOvr>
     <a:masterClrMapping/>
   </p:clrMapOvr>
-  <p:transition>
-    <p:fade/>
-  </p:transition>
+  <mc:AlternateContent xmlns:mc="http://schemas.openxmlformats.org/markup-compatibility/2006">
+    <mc:Choice xmlns:p14="http://schemas.microsoft.com/office/powerpoint/2010/main" Requires="p14">
+      <p:transition p14:dur="300">
+        <p:fade/>
+      </p:transition>
+    </mc:Choice>
+    <mc:Fallback>
+      <p:transition>
+        <p:fade/>
+      </p:transition>
+    </mc:Fallback>
+  </mc:AlternateContent>
 </p:sldLayout>
 </file>
 
@@ -4600,9 +4735,18 @@
     <p:sldLayoutId id="2147483692" r:id="rId2"/>
     <p:sldLayoutId id="2147483693" r:id="rId3"/>
   </p:sldLayoutIdLst>
-  <p:transition>
-    <p:fade/>
-  </p:transition>
+  <mc:AlternateContent xmlns:mc="http://schemas.openxmlformats.org/markup-compatibility/2006">
+    <mc:Choice xmlns:p14="http://schemas.microsoft.com/office/powerpoint/2010/main" Requires="p14">
+      <p:transition p14:dur="300">
+        <p:fade/>
+      </p:transition>
+    </mc:Choice>
+    <mc:Fallback>
+      <p:transition>
+        <p:fade/>
+      </p:transition>
+    </mc:Fallback>
+  </mc:AlternateContent>
   <p:txStyles>
     <p:titleStyle>
       <a:lvl1pPr algn="ctr" rtl="0" eaLnBrk="1" fontAlgn="base" hangingPunct="1">
@@ -5490,9 +5634,18 @@
     <p:sldLayoutId id="2147483705" r:id="rId11"/>
     <p:sldLayoutId id="2147483706" r:id="rId12"/>
   </p:sldLayoutIdLst>
-  <p:transition>
-    <p:fade/>
-  </p:transition>
+  <mc:AlternateContent xmlns:mc="http://schemas.openxmlformats.org/markup-compatibility/2006">
+    <mc:Choice xmlns:p14="http://schemas.microsoft.com/office/powerpoint/2010/main" Requires="p14">
+      <p:transition p14:dur="300">
+        <p:fade/>
+      </p:transition>
+    </mc:Choice>
+    <mc:Fallback>
+      <p:transition>
+        <p:fade/>
+      </p:transition>
+    </mc:Fallback>
+  </mc:AlternateContent>
   <p:hf hdr="0" ftr="0" dt="0"/>
   <p:txStyles>
     <p:titleStyle>
@@ -6419,9 +6572,18 @@
   <p:clrMapOvr>
     <a:masterClrMapping/>
   </p:clrMapOvr>
-  <p:transition>
-    <p:fade/>
-  </p:transition>
+  <mc:AlternateContent xmlns:mc="http://schemas.openxmlformats.org/markup-compatibility/2006">
+    <mc:Choice xmlns:p14="http://schemas.microsoft.com/office/powerpoint/2010/main" Requires="p14">
+      <p:transition p14:dur="300">
+        <p:fade/>
+      </p:transition>
+    </mc:Choice>
+    <mc:Fallback>
+      <p:transition>
+        <p:fade/>
+      </p:transition>
+    </mc:Fallback>
+  </mc:AlternateContent>
 </p:sld>
 </file>
 
@@ -6522,9 +6684,18 @@
   <p:clrMapOvr>
     <a:masterClrMapping/>
   </p:clrMapOvr>
-  <p:transition>
-    <p:fade/>
-  </p:transition>
+  <mc:AlternateContent xmlns:mc="http://schemas.openxmlformats.org/markup-compatibility/2006">
+    <mc:Choice xmlns:p14="http://schemas.microsoft.com/office/powerpoint/2010/main" Requires="p14">
+      <p:transition p14:dur="300">
+        <p:fade/>
+      </p:transition>
+    </mc:Choice>
+    <mc:Fallback>
+      <p:transition>
+        <p:fade/>
+      </p:transition>
+    </mc:Fallback>
+  </mc:AlternateContent>
 </p:sld>
 </file>
 
@@ -6617,9 +6788,18 @@
   <p:clrMapOvr>
     <a:masterClrMapping/>
   </p:clrMapOvr>
-  <p:transition>
-    <p:fade/>
-  </p:transition>
+  <mc:AlternateContent xmlns:mc="http://schemas.openxmlformats.org/markup-compatibility/2006">
+    <mc:Choice xmlns:p14="http://schemas.microsoft.com/office/powerpoint/2010/main" Requires="p14">
+      <p:transition p14:dur="300">
+        <p:fade/>
+      </p:transition>
+    </mc:Choice>
+    <mc:Fallback>
+      <p:transition>
+        <p:fade/>
+      </p:transition>
+    </mc:Fallback>
+  </mc:AlternateContent>
 </p:sld>
 </file>
 
@@ -6704,9 +6884,18 @@
   <p:clrMapOvr>
     <a:masterClrMapping/>
   </p:clrMapOvr>
-  <p:transition>
-    <p:fade/>
-  </p:transition>
+  <mc:AlternateContent xmlns:mc="http://schemas.openxmlformats.org/markup-compatibility/2006">
+    <mc:Choice xmlns:p14="http://schemas.microsoft.com/office/powerpoint/2010/main" Requires="p14">
+      <p:transition p14:dur="300">
+        <p:fade/>
+      </p:transition>
+    </mc:Choice>
+    <mc:Fallback>
+      <p:transition>
+        <p:fade/>
+      </p:transition>
+    </mc:Fallback>
+  </mc:AlternateContent>
 </p:sld>
 </file>
 
@@ -6791,9 +6980,18 @@
   <p:clrMapOvr>
     <a:masterClrMapping/>
   </p:clrMapOvr>
-  <p:transition>
-    <p:fade/>
-  </p:transition>
+  <mc:AlternateContent xmlns:mc="http://schemas.openxmlformats.org/markup-compatibility/2006">
+    <mc:Choice xmlns:p14="http://schemas.microsoft.com/office/powerpoint/2010/main" Requires="p14">
+      <p:transition p14:dur="300">
+        <p:fade/>
+      </p:transition>
+    </mc:Choice>
+    <mc:Fallback>
+      <p:transition>
+        <p:fade/>
+      </p:transition>
+    </mc:Fallback>
+  </mc:AlternateContent>
 </p:sld>
 </file>
 
@@ -6912,9 +7110,18 @@
   <p:clrMapOvr>
     <a:masterClrMapping/>
   </p:clrMapOvr>
-  <p:transition>
-    <p:fade/>
-  </p:transition>
+  <mc:AlternateContent xmlns:mc="http://schemas.openxmlformats.org/markup-compatibility/2006">
+    <mc:Choice xmlns:p14="http://schemas.microsoft.com/office/powerpoint/2010/main" Requires="p14">
+      <p:transition p14:dur="300">
+        <p:fade/>
+      </p:transition>
+    </mc:Choice>
+    <mc:Fallback>
+      <p:transition>
+        <p:fade/>
+      </p:transition>
+    </mc:Fallback>
+  </mc:AlternateContent>
 </p:sld>
 </file>
 
@@ -6999,9 +7206,18 @@
   <p:clrMapOvr>
     <a:masterClrMapping/>
   </p:clrMapOvr>
-  <p:transition>
-    <p:fade/>
-  </p:transition>
+  <mc:AlternateContent xmlns:mc="http://schemas.openxmlformats.org/markup-compatibility/2006">
+    <mc:Choice xmlns:p14="http://schemas.microsoft.com/office/powerpoint/2010/main" Requires="p14">
+      <p:transition p14:dur="300">
+        <p:fade/>
+      </p:transition>
+    </mc:Choice>
+    <mc:Fallback>
+      <p:transition>
+        <p:fade/>
+      </p:transition>
+    </mc:Fallback>
+  </mc:AlternateContent>
 </p:sld>
 </file>
 
@@ -7094,9 +7310,18 @@
   <p:clrMapOvr>
     <a:masterClrMapping/>
   </p:clrMapOvr>
-  <p:transition>
-    <p:fade/>
-  </p:transition>
+  <mc:AlternateContent xmlns:mc="http://schemas.openxmlformats.org/markup-compatibility/2006">
+    <mc:Choice xmlns:p14="http://schemas.microsoft.com/office/powerpoint/2010/main" Requires="p14">
+      <p:transition p14:dur="300">
+        <p:fade/>
+      </p:transition>
+    </mc:Choice>
+    <mc:Fallback>
+      <p:transition>
+        <p:fade/>
+      </p:transition>
+    </mc:Fallback>
+  </mc:AlternateContent>
 </p:sld>
 </file>
 
@@ -7186,9 +7411,18 @@
   <p:clrMapOvr>
     <a:masterClrMapping/>
   </p:clrMapOvr>
-  <p:transition>
-    <p:fade/>
-  </p:transition>
+  <mc:AlternateContent xmlns:mc="http://schemas.openxmlformats.org/markup-compatibility/2006">
+    <mc:Choice xmlns:p14="http://schemas.microsoft.com/office/powerpoint/2010/main" Requires="p14">
+      <p:transition p14:dur="300">
+        <p:fade/>
+      </p:transition>
+    </mc:Choice>
+    <mc:Fallback>
+      <p:transition>
+        <p:fade/>
+      </p:transition>
+    </mc:Fallback>
+  </mc:AlternateContent>
 </p:sld>
 </file>
 
@@ -7289,9 +7523,18 @@
   <p:clrMapOvr>
     <a:masterClrMapping/>
   </p:clrMapOvr>
-  <p:transition>
-    <p:fade/>
-  </p:transition>
+  <mc:AlternateContent xmlns:mc="http://schemas.openxmlformats.org/markup-compatibility/2006">
+    <mc:Choice xmlns:p14="http://schemas.microsoft.com/office/powerpoint/2010/main" Requires="p14">
+      <p:transition p14:dur="300">
+        <p:fade/>
+      </p:transition>
+    </mc:Choice>
+    <mc:Fallback>
+      <p:transition>
+        <p:fade/>
+      </p:transition>
+    </mc:Fallback>
+  </mc:AlternateContent>
 </p:sld>
 </file>
 
@@ -7384,9 +7627,18 @@
   <p:clrMapOvr>
     <a:masterClrMapping/>
   </p:clrMapOvr>
-  <p:transition>
-    <p:fade/>
-  </p:transition>
+  <mc:AlternateContent xmlns:mc="http://schemas.openxmlformats.org/markup-compatibility/2006">
+    <mc:Choice xmlns:p14="http://schemas.microsoft.com/office/powerpoint/2010/main" Requires="p14">
+      <p:transition p14:dur="300">
+        <p:fade/>
+      </p:transition>
+    </mc:Choice>
+    <mc:Fallback>
+      <p:transition>
+        <p:fade/>
+      </p:transition>
+    </mc:Fallback>
+  </mc:AlternateContent>
 </p:sld>
 </file>
 
@@ -7484,9 +7736,18 @@
   <p:clrMapOvr>
     <a:masterClrMapping/>
   </p:clrMapOvr>
-  <p:transition>
-    <p:fade/>
-  </p:transition>
+  <mc:AlternateContent xmlns:mc="http://schemas.openxmlformats.org/markup-compatibility/2006">
+    <mc:Choice xmlns:p14="http://schemas.microsoft.com/office/powerpoint/2010/main" Requires="p14">
+      <p:transition p14:dur="300">
+        <p:fade/>
+      </p:transition>
+    </mc:Choice>
+    <mc:Fallback>
+      <p:transition>
+        <p:fade/>
+      </p:transition>
+    </mc:Fallback>
+  </mc:AlternateContent>
 </p:sld>
 </file>
 
@@ -7584,9 +7845,18 @@
   <p:clrMapOvr>
     <a:masterClrMapping/>
   </p:clrMapOvr>
-  <p:transition>
-    <p:fade/>
-  </p:transition>
+  <mc:AlternateContent xmlns:mc="http://schemas.openxmlformats.org/markup-compatibility/2006">
+    <mc:Choice xmlns:p14="http://schemas.microsoft.com/office/powerpoint/2010/main" Requires="p14">
+      <p:transition p14:dur="300">
+        <p:fade/>
+      </p:transition>
+    </mc:Choice>
+    <mc:Fallback>
+      <p:transition>
+        <p:fade/>
+      </p:transition>
+    </mc:Fallback>
+  </mc:AlternateContent>
 </p:sld>
 </file>
 
@@ -7687,9 +7957,18 @@
   <p:clrMapOvr>
     <a:masterClrMapping/>
   </p:clrMapOvr>
-  <p:transition>
-    <p:fade/>
-  </p:transition>
+  <mc:AlternateContent xmlns:mc="http://schemas.openxmlformats.org/markup-compatibility/2006">
+    <mc:Choice xmlns:p14="http://schemas.microsoft.com/office/powerpoint/2010/main" Requires="p14">
+      <p:transition p14:dur="300">
+        <p:fade/>
+      </p:transition>
+    </mc:Choice>
+    <mc:Fallback>
+      <p:transition>
+        <p:fade/>
+      </p:transition>
+    </mc:Fallback>
+  </mc:AlternateContent>
 </p:sld>
 </file>
 
@@ -7787,9 +8066,18 @@
   <p:clrMapOvr>
     <a:masterClrMapping/>
   </p:clrMapOvr>
-  <p:transition>
-    <p:fade/>
-  </p:transition>
+  <mc:AlternateContent xmlns:mc="http://schemas.openxmlformats.org/markup-compatibility/2006">
+    <mc:Choice xmlns:p14="http://schemas.microsoft.com/office/powerpoint/2010/main" Requires="p14">
+      <p:transition p14:dur="300">
+        <p:fade/>
+      </p:transition>
+    </mc:Choice>
+    <mc:Fallback>
+      <p:transition>
+        <p:fade/>
+      </p:transition>
+    </mc:Fallback>
+  </mc:AlternateContent>
 </p:sld>
 </file>
 
@@ -7887,9 +8175,18 @@
   <p:clrMapOvr>
     <a:masterClrMapping/>
   </p:clrMapOvr>
-  <p:transition>
-    <p:fade/>
-  </p:transition>
+  <mc:AlternateContent xmlns:mc="http://schemas.openxmlformats.org/markup-compatibility/2006">
+    <mc:Choice xmlns:p14="http://schemas.microsoft.com/office/powerpoint/2010/main" Requires="p14">
+      <p:transition p14:dur="300">
+        <p:fade/>
+      </p:transition>
+    </mc:Choice>
+    <mc:Fallback>
+      <p:transition>
+        <p:fade/>
+      </p:transition>
+    </mc:Fallback>
+  </mc:AlternateContent>
 </p:sld>
 </file>
 
@@ -7995,9 +8292,18 @@
   <p:clrMapOvr>
     <a:masterClrMapping/>
   </p:clrMapOvr>
-  <p:transition>
-    <p:fade/>
-  </p:transition>
+  <mc:AlternateContent xmlns:mc="http://schemas.openxmlformats.org/markup-compatibility/2006">
+    <mc:Choice xmlns:p14="http://schemas.microsoft.com/office/powerpoint/2010/main" Requires="p14">
+      <p:transition p14:dur="300">
+        <p:fade/>
+      </p:transition>
+    </mc:Choice>
+    <mc:Fallback>
+      <p:transition>
+        <p:fade/>
+      </p:transition>
+    </mc:Fallback>
+  </mc:AlternateContent>
 </p:sld>
 </file>
 
@@ -8095,9 +8401,18 @@
   <p:clrMapOvr>
     <a:masterClrMapping/>
   </p:clrMapOvr>
-  <p:transition>
-    <p:fade/>
-  </p:transition>
+  <mc:AlternateContent xmlns:mc="http://schemas.openxmlformats.org/markup-compatibility/2006">
+    <mc:Choice xmlns:p14="http://schemas.microsoft.com/office/powerpoint/2010/main" Requires="p14">
+      <p:transition p14:dur="300">
+        <p:fade/>
+      </p:transition>
+    </mc:Choice>
+    <mc:Fallback>
+      <p:transition>
+        <p:fade/>
+      </p:transition>
+    </mc:Fallback>
+  </mc:AlternateContent>
 </p:sld>
 </file>
 
@@ -8190,9 +8505,18 @@
   <p:clrMapOvr>
     <a:masterClrMapping/>
   </p:clrMapOvr>
-  <p:transition>
-    <p:fade/>
-  </p:transition>
+  <mc:AlternateContent xmlns:mc="http://schemas.openxmlformats.org/markup-compatibility/2006">
+    <mc:Choice xmlns:p14="http://schemas.microsoft.com/office/powerpoint/2010/main" Requires="p14">
+      <p:transition p14:dur="300">
+        <p:fade/>
+      </p:transition>
+    </mc:Choice>
+    <mc:Fallback>
+      <p:transition>
+        <p:fade/>
+      </p:transition>
+    </mc:Fallback>
+  </mc:AlternateContent>
 </p:sld>
 </file>
 
@@ -8281,9 +8605,18 @@
   <p:clrMapOvr>
     <a:masterClrMapping/>
   </p:clrMapOvr>
-  <p:transition>
-    <p:fade/>
-  </p:transition>
+  <mc:AlternateContent xmlns:mc="http://schemas.openxmlformats.org/markup-compatibility/2006">
+    <mc:Choice xmlns:p14="http://schemas.microsoft.com/office/powerpoint/2010/main" Requires="p14">
+      <p:transition p14:dur="300">
+        <p:fade/>
+      </p:transition>
+    </mc:Choice>
+    <mc:Fallback>
+      <p:transition>
+        <p:fade/>
+      </p:transition>
+    </mc:Fallback>
+  </mc:AlternateContent>
 </p:sld>
 </file>
 
@@ -8405,9 +8738,18 @@
   <p:clrMapOvr>
     <a:masterClrMapping/>
   </p:clrMapOvr>
-  <p:transition>
-    <p:fade/>
-  </p:transition>
+  <mc:AlternateContent xmlns:mc="http://schemas.openxmlformats.org/markup-compatibility/2006">
+    <mc:Choice xmlns:p14="http://schemas.microsoft.com/office/powerpoint/2010/main" Requires="p14">
+      <p:transition p14:dur="300">
+        <p:fade/>
+      </p:transition>
+    </mc:Choice>
+    <mc:Fallback>
+      <p:transition>
+        <p:fade/>
+      </p:transition>
+    </mc:Fallback>
+  </mc:AlternateContent>
 </p:sld>
 </file>
 
@@ -8500,9 +8842,18 @@
   <p:clrMapOvr>
     <a:masterClrMapping/>
   </p:clrMapOvr>
-  <p:transition>
-    <p:fade/>
-  </p:transition>
+  <mc:AlternateContent xmlns:mc="http://schemas.openxmlformats.org/markup-compatibility/2006">
+    <mc:Choice xmlns:p14="http://schemas.microsoft.com/office/powerpoint/2010/main" Requires="p14">
+      <p:transition p14:dur="300">
+        <p:fade/>
+      </p:transition>
+    </mc:Choice>
+    <mc:Fallback>
+      <p:transition>
+        <p:fade/>
+      </p:transition>
+    </mc:Fallback>
+  </mc:AlternateContent>
 </p:sld>
 </file>
 
@@ -8623,9 +8974,18 @@
   <p:clrMapOvr>
     <a:masterClrMapping/>
   </p:clrMapOvr>
-  <p:transition>
-    <p:fade/>
-  </p:transition>
+  <mc:AlternateContent xmlns:mc="http://schemas.openxmlformats.org/markup-compatibility/2006">
+    <mc:Choice xmlns:p14="http://schemas.microsoft.com/office/powerpoint/2010/main" Requires="p14">
+      <p:transition p14:dur="300">
+        <p:fade/>
+      </p:transition>
+    </mc:Choice>
+    <mc:Fallback>
+      <p:transition>
+        <p:fade/>
+      </p:transition>
+    </mc:Fallback>
+  </mc:AlternateContent>
 </p:sld>
 </file>
 
@@ -8723,9 +9083,18 @@
   <p:clrMapOvr>
     <a:masterClrMapping/>
   </p:clrMapOvr>
-  <p:transition>
-    <p:fade/>
-  </p:transition>
+  <mc:AlternateContent xmlns:mc="http://schemas.openxmlformats.org/markup-compatibility/2006">
+    <mc:Choice xmlns:p14="http://schemas.microsoft.com/office/powerpoint/2010/main" Requires="p14">
+      <p:transition p14:dur="300">
+        <p:fade/>
+      </p:transition>
+    </mc:Choice>
+    <mc:Fallback>
+      <p:transition>
+        <p:fade/>
+      </p:transition>
+    </mc:Fallback>
+  </mc:AlternateContent>
 </p:sld>
 </file>
 
@@ -8818,9 +9187,18 @@
   <p:clrMapOvr>
     <a:masterClrMapping/>
   </p:clrMapOvr>
-  <p:transition>
-    <p:fade/>
-  </p:transition>
+  <mc:AlternateContent xmlns:mc="http://schemas.openxmlformats.org/markup-compatibility/2006">
+    <mc:Choice xmlns:p14="http://schemas.microsoft.com/office/powerpoint/2010/main" Requires="p14">
+      <p:transition p14:dur="300">
+        <p:fade/>
+      </p:transition>
+    </mc:Choice>
+    <mc:Fallback>
+      <p:transition>
+        <p:fade/>
+      </p:transition>
+    </mc:Fallback>
+  </mc:AlternateContent>
 </p:sld>
 </file>
 
@@ -8913,9 +9291,18 @@
   <p:clrMapOvr>
     <a:masterClrMapping/>
   </p:clrMapOvr>
-  <p:transition>
-    <p:fade/>
-  </p:transition>
+  <mc:AlternateContent xmlns:mc="http://schemas.openxmlformats.org/markup-compatibility/2006">
+    <mc:Choice xmlns:p14="http://schemas.microsoft.com/office/powerpoint/2010/main" Requires="p14">
+      <p:transition p14:dur="300">
+        <p:fade/>
+      </p:transition>
+    </mc:Choice>
+    <mc:Fallback>
+      <p:transition>
+        <p:fade/>
+      </p:transition>
+    </mc:Fallback>
+  </mc:AlternateContent>
 </p:sld>
 </file>
 
@@ -9005,9 +9392,18 @@
   <p:clrMapOvr>
     <a:masterClrMapping/>
   </p:clrMapOvr>
-  <p:transition>
-    <p:fade/>
-  </p:transition>
+  <mc:AlternateContent xmlns:mc="http://schemas.openxmlformats.org/markup-compatibility/2006">
+    <mc:Choice xmlns:p14="http://schemas.microsoft.com/office/powerpoint/2010/main" Requires="p14">
+      <p:transition p14:dur="300">
+        <p:fade/>
+      </p:transition>
+    </mc:Choice>
+    <mc:Fallback>
+      <p:transition>
+        <p:fade/>
+      </p:transition>
+    </mc:Fallback>
+  </mc:AlternateContent>
 </p:sld>
 </file>
 
@@ -9097,9 +9493,18 @@
   <p:clrMapOvr>
     <a:masterClrMapping/>
   </p:clrMapOvr>
-  <p:transition>
-    <p:fade/>
-  </p:transition>
+  <mc:AlternateContent xmlns:mc="http://schemas.openxmlformats.org/markup-compatibility/2006">
+    <mc:Choice xmlns:p14="http://schemas.microsoft.com/office/powerpoint/2010/main" Requires="p14">
+      <p:transition p14:dur="300">
+        <p:fade/>
+      </p:transition>
+    </mc:Choice>
+    <mc:Fallback>
+      <p:transition>
+        <p:fade/>
+      </p:transition>
+    </mc:Fallback>
+  </mc:AlternateContent>
 </p:sld>
 </file>
 
@@ -9189,9 +9594,18 @@
   <p:clrMapOvr>
     <a:masterClrMapping/>
   </p:clrMapOvr>
-  <p:transition>
-    <p:fade/>
-  </p:transition>
+  <mc:AlternateContent xmlns:mc="http://schemas.openxmlformats.org/markup-compatibility/2006">
+    <mc:Choice xmlns:p14="http://schemas.microsoft.com/office/powerpoint/2010/main" Requires="p14">
+      <p:transition p14:dur="300">
+        <p:fade/>
+      </p:transition>
+    </mc:Choice>
+    <mc:Fallback>
+      <p:transition>
+        <p:fade/>
+      </p:transition>
+    </mc:Fallback>
+  </mc:AlternateContent>
 </p:sld>
 </file>
 
@@ -9284,9 +9698,18 @@
   <p:clrMapOvr>
     <a:masterClrMapping/>
   </p:clrMapOvr>
-  <p:transition>
-    <p:fade/>
-  </p:transition>
+  <mc:AlternateContent xmlns:mc="http://schemas.openxmlformats.org/markup-compatibility/2006">
+    <mc:Choice xmlns:p14="http://schemas.microsoft.com/office/powerpoint/2010/main" Requires="p14">
+      <p:transition p14:dur="300">
+        <p:fade/>
+      </p:transition>
+    </mc:Choice>
+    <mc:Fallback>
+      <p:transition>
+        <p:fade/>
+      </p:transition>
+    </mc:Fallback>
+  </mc:AlternateContent>
 </p:sld>
 </file>
 
@@ -9371,9 +9794,18 @@
   <p:clrMapOvr>
     <a:masterClrMapping/>
   </p:clrMapOvr>
-  <p:transition>
-    <p:fade/>
-  </p:transition>
+  <mc:AlternateContent xmlns:mc="http://schemas.openxmlformats.org/markup-compatibility/2006">
+    <mc:Choice xmlns:p14="http://schemas.microsoft.com/office/powerpoint/2010/main" Requires="p14">
+      <p:transition p14:dur="300">
+        <p:fade/>
+      </p:transition>
+    </mc:Choice>
+    <mc:Fallback>
+      <p:transition>
+        <p:fade/>
+      </p:transition>
+    </mc:Fallback>
+  </mc:AlternateContent>
 </p:sld>
 </file>
 
@@ -9487,9 +9919,18 @@
   <p:clrMapOvr>
     <a:masterClrMapping/>
   </p:clrMapOvr>
-  <p:transition>
-    <p:fade/>
-  </p:transition>
+  <mc:AlternateContent xmlns:mc="http://schemas.openxmlformats.org/markup-compatibility/2006">
+    <mc:Choice xmlns:p14="http://schemas.microsoft.com/office/powerpoint/2010/main" Requires="p14">
+      <p:transition p14:dur="300">
+        <p:fade/>
+      </p:transition>
+    </mc:Choice>
+    <mc:Fallback>
+      <p:transition>
+        <p:fade/>
+      </p:transition>
+    </mc:Fallback>
+  </mc:AlternateContent>
 </p:sld>
 </file>
 
@@ -9574,9 +10015,18 @@
   <p:clrMapOvr>
     <a:masterClrMapping/>
   </p:clrMapOvr>
-  <p:transition>
-    <p:fade/>
-  </p:transition>
+  <mc:AlternateContent xmlns:mc="http://schemas.openxmlformats.org/markup-compatibility/2006">
+    <mc:Choice xmlns:p14="http://schemas.microsoft.com/office/powerpoint/2010/main" Requires="p14">
+      <p:transition p14:dur="300">
+        <p:fade/>
+      </p:transition>
+    </mc:Choice>
+    <mc:Fallback>
+      <p:transition>
+        <p:fade/>
+      </p:transition>
+    </mc:Fallback>
+  </mc:AlternateContent>
 </p:sld>
 </file>
 
@@ -9687,9 +10137,18 @@
   <p:clrMapOvr>
     <a:masterClrMapping/>
   </p:clrMapOvr>
-  <p:transition>
-    <p:fade/>
-  </p:transition>
+  <mc:AlternateContent xmlns:mc="http://schemas.openxmlformats.org/markup-compatibility/2006">
+    <mc:Choice xmlns:p14="http://schemas.microsoft.com/office/powerpoint/2010/main" Requires="p14">
+      <p:transition p14:dur="300">
+        <p:fade/>
+      </p:transition>
+    </mc:Choice>
+    <mc:Fallback>
+      <p:transition>
+        <p:fade/>
+      </p:transition>
+    </mc:Fallback>
+  </mc:AlternateContent>
 </p:sld>
 </file>
 
@@ -9779,9 +10238,18 @@
   <p:clrMapOvr>
     <a:masterClrMapping/>
   </p:clrMapOvr>
-  <p:transition>
-    <p:fade/>
-  </p:transition>
+  <mc:AlternateContent xmlns:mc="http://schemas.openxmlformats.org/markup-compatibility/2006">
+    <mc:Choice xmlns:p14="http://schemas.microsoft.com/office/powerpoint/2010/main" Requires="p14">
+      <p:transition p14:dur="300">
+        <p:fade/>
+      </p:transition>
+    </mc:Choice>
+    <mc:Fallback>
+      <p:transition>
+        <p:fade/>
+      </p:transition>
+    </mc:Fallback>
+  </mc:AlternateContent>
 </p:sld>
 </file>
 
@@ -9899,9 +10367,18 @@
   <p:clrMapOvr>
     <a:masterClrMapping/>
   </p:clrMapOvr>
-  <p:transition>
-    <p:fade/>
-  </p:transition>
+  <mc:AlternateContent xmlns:mc="http://schemas.openxmlformats.org/markup-compatibility/2006">
+    <mc:Choice xmlns:p14="http://schemas.microsoft.com/office/powerpoint/2010/main" Requires="p14">
+      <p:transition p14:dur="300">
+        <p:fade/>
+      </p:transition>
+    </mc:Choice>
+    <mc:Fallback>
+      <p:transition>
+        <p:fade/>
+      </p:transition>
+    </mc:Fallback>
+  </mc:AlternateContent>
 </p:sld>
 </file>
 
@@ -10013,9 +10490,18 @@
   <p:clrMapOvr>
     <a:masterClrMapping/>
   </p:clrMapOvr>
-  <p:transition>
-    <p:fade/>
-  </p:transition>
+  <mc:AlternateContent xmlns:mc="http://schemas.openxmlformats.org/markup-compatibility/2006">
+    <mc:Choice xmlns:p14="http://schemas.microsoft.com/office/powerpoint/2010/main" Requires="p14">
+      <p:transition p14:dur="300">
+        <p:fade/>
+      </p:transition>
+    </mc:Choice>
+    <mc:Fallback>
+      <p:transition>
+        <p:fade/>
+      </p:transition>
+    </mc:Fallback>
+  </mc:AlternateContent>
 </p:sld>
 </file>
 
@@ -10135,12 +10621,16 @@
   <p:clrMapOvr>
     <a:masterClrMapping/>
   </p:clrMapOvr>
-  <mc:AlternateContent xmlns:mc="http://schemas.openxmlformats.org/markup-compatibility/2006" xmlns:p14="http://schemas.microsoft.com/office/powerpoint/2010/main">
-    <mc:Choice Requires="p14">
-      <p:transition p14:dur="0"/>
+  <mc:AlternateContent xmlns:mc="http://schemas.openxmlformats.org/markup-compatibility/2006">
+    <mc:Choice xmlns:p14="http://schemas.microsoft.com/office/powerpoint/2010/main" Requires="p14">
+      <p:transition p14:dur="300">
+        <p:fade/>
+      </p:transition>
     </mc:Choice>
-    <mc:Fallback xmlns="">
-      <p:transition/>
+    <mc:Fallback>
+      <p:transition>
+        <p:fade/>
+      </p:transition>
     </mc:Fallback>
   </mc:AlternateContent>
 </p:sld>
@@ -10232,9 +10722,18 @@
   <p:clrMapOvr>
     <a:masterClrMapping/>
   </p:clrMapOvr>
-  <p:transition>
-    <p:fade/>
-  </p:transition>
+  <mc:AlternateContent xmlns:mc="http://schemas.openxmlformats.org/markup-compatibility/2006">
+    <mc:Choice xmlns:p14="http://schemas.microsoft.com/office/powerpoint/2010/main" Requires="p14">
+      <p:transition p14:dur="300">
+        <p:fade/>
+      </p:transition>
+    </mc:Choice>
+    <mc:Fallback>
+      <p:transition>
+        <p:fade/>
+      </p:transition>
+    </mc:Fallback>
+  </mc:AlternateContent>
 </p:sld>
 </file>
 
@@ -10327,9 +10826,18 @@
   <p:clrMapOvr>
     <a:masterClrMapping/>
   </p:clrMapOvr>
-  <p:transition>
-    <p:fade/>
-  </p:transition>
+  <mc:AlternateContent xmlns:mc="http://schemas.openxmlformats.org/markup-compatibility/2006">
+    <mc:Choice xmlns:p14="http://schemas.microsoft.com/office/powerpoint/2010/main" Requires="p14">
+      <p:transition p14:dur="300">
+        <p:fade/>
+      </p:transition>
+    </mc:Choice>
+    <mc:Fallback>
+      <p:transition>
+        <p:fade/>
+      </p:transition>
+    </mc:Fallback>
+  </mc:AlternateContent>
 </p:sld>
 </file>
 
@@ -10419,9 +10927,18 @@
   <p:clrMapOvr>
     <a:masterClrMapping/>
   </p:clrMapOvr>
-  <p:transition>
-    <p:fade/>
-  </p:transition>
+  <mc:AlternateContent xmlns:mc="http://schemas.openxmlformats.org/markup-compatibility/2006">
+    <mc:Choice xmlns:p14="http://schemas.microsoft.com/office/powerpoint/2010/main" Requires="p14">
+      <p:transition p14:dur="300">
+        <p:fade/>
+      </p:transition>
+    </mc:Choice>
+    <mc:Fallback>
+      <p:transition>
+        <p:fade/>
+      </p:transition>
+    </mc:Fallback>
+  </mc:AlternateContent>
 </p:sld>
 </file>
 
@@ -10506,9 +11023,18 @@
   <p:clrMapOvr>
     <a:masterClrMapping/>
   </p:clrMapOvr>
-  <p:transition>
-    <p:fade/>
-  </p:transition>
+  <mc:AlternateContent xmlns:mc="http://schemas.openxmlformats.org/markup-compatibility/2006">
+    <mc:Choice xmlns:p14="http://schemas.microsoft.com/office/powerpoint/2010/main" Requires="p14">
+      <p:transition p14:dur="300">
+        <p:fade/>
+      </p:transition>
+    </mc:Choice>
+    <mc:Fallback>
+      <p:transition>
+        <p:fade/>
+      </p:transition>
+    </mc:Fallback>
+  </mc:AlternateContent>
 </p:sld>
 </file>
 
@@ -10606,9 +11132,18 @@
   <p:clrMapOvr>
     <a:masterClrMapping/>
   </p:clrMapOvr>
-  <p:transition>
-    <p:fade/>
-  </p:transition>
+  <mc:AlternateContent xmlns:mc="http://schemas.openxmlformats.org/markup-compatibility/2006">
+    <mc:Choice xmlns:p14="http://schemas.microsoft.com/office/powerpoint/2010/main" Requires="p14">
+      <p:transition p14:dur="300">
+        <p:fade/>
+      </p:transition>
+    </mc:Choice>
+    <mc:Fallback>
+      <p:transition>
+        <p:fade/>
+      </p:transition>
+    </mc:Fallback>
+  </mc:AlternateContent>
 </p:sld>
 </file>
 
@@ -10714,9 +11249,18 @@
   <p:clrMapOvr>
     <a:masterClrMapping/>
   </p:clrMapOvr>
-  <p:transition>
-    <p:fade/>
-  </p:transition>
+  <mc:AlternateContent xmlns:mc="http://schemas.openxmlformats.org/markup-compatibility/2006">
+    <mc:Choice xmlns:p14="http://schemas.microsoft.com/office/powerpoint/2010/main" Requires="p14">
+      <p:transition p14:dur="300">
+        <p:fade/>
+      </p:transition>
+    </mc:Choice>
+    <mc:Fallback>
+      <p:transition>
+        <p:fade/>
+      </p:transition>
+    </mc:Fallback>
+  </mc:AlternateContent>
 </p:sld>
 </file>
 
@@ -10828,9 +11372,18 @@
   <p:clrMapOvr>
     <a:masterClrMapping/>
   </p:clrMapOvr>
-  <p:transition>
-    <p:fade/>
-  </p:transition>
+  <mc:AlternateContent xmlns:mc="http://schemas.openxmlformats.org/markup-compatibility/2006">
+    <mc:Choice xmlns:p14="http://schemas.microsoft.com/office/powerpoint/2010/main" Requires="p14">
+      <p:transition p14:dur="300">
+        <p:fade/>
+      </p:transition>
+    </mc:Choice>
+    <mc:Fallback>
+      <p:transition>
+        <p:fade/>
+      </p:transition>
+    </mc:Fallback>
+  </mc:AlternateContent>
 </p:sld>
 </file>
 
@@ -10920,9 +11473,18 @@
   <p:clrMapOvr>
     <a:masterClrMapping/>
   </p:clrMapOvr>
-  <p:transition>
-    <p:fade/>
-  </p:transition>
+  <mc:AlternateContent xmlns:mc="http://schemas.openxmlformats.org/markup-compatibility/2006">
+    <mc:Choice xmlns:p14="http://schemas.microsoft.com/office/powerpoint/2010/main" Requires="p14">
+      <p:transition p14:dur="300">
+        <p:fade/>
+      </p:transition>
+    </mc:Choice>
+    <mc:Fallback>
+      <p:transition>
+        <p:fade/>
+      </p:transition>
+    </mc:Fallback>
+  </mc:AlternateContent>
 </p:sld>
 </file>
 
@@ -11039,9 +11601,18 @@
   <p:clrMapOvr>
     <a:masterClrMapping/>
   </p:clrMapOvr>
-  <p:transition>
-    <p:fade/>
-  </p:transition>
+  <mc:AlternateContent xmlns:mc="http://schemas.openxmlformats.org/markup-compatibility/2006">
+    <mc:Choice xmlns:p14="http://schemas.microsoft.com/office/powerpoint/2010/main" Requires="p14">
+      <p:transition p14:dur="300">
+        <p:fade/>
+      </p:transition>
+    </mc:Choice>
+    <mc:Fallback>
+      <p:transition>
+        <p:fade/>
+      </p:transition>
+    </mc:Fallback>
+  </mc:AlternateContent>
 </p:sld>
 </file>
 
@@ -11134,9 +11705,18 @@
   <p:clrMapOvr>
     <a:masterClrMapping/>
   </p:clrMapOvr>
-  <p:transition>
-    <p:fade/>
-  </p:transition>
+  <mc:AlternateContent xmlns:mc="http://schemas.openxmlformats.org/markup-compatibility/2006">
+    <mc:Choice xmlns:p14="http://schemas.microsoft.com/office/powerpoint/2010/main" Requires="p14">
+      <p:transition p14:dur="300">
+        <p:fade/>
+      </p:transition>
+    </mc:Choice>
+    <mc:Fallback>
+      <p:transition>
+        <p:fade/>
+      </p:transition>
+    </mc:Fallback>
+  </mc:AlternateContent>
 </p:sld>
 </file>
 
@@ -11237,9 +11817,18 @@
   <p:clrMapOvr>
     <a:masterClrMapping/>
   </p:clrMapOvr>
-  <p:transition>
-    <p:fade/>
-  </p:transition>
+  <mc:AlternateContent xmlns:mc="http://schemas.openxmlformats.org/markup-compatibility/2006">
+    <mc:Choice xmlns:p14="http://schemas.microsoft.com/office/powerpoint/2010/main" Requires="p14">
+      <p:transition p14:dur="300">
+        <p:fade/>
+      </p:transition>
+    </mc:Choice>
+    <mc:Fallback>
+      <p:transition>
+        <p:fade/>
+      </p:transition>
+    </mc:Fallback>
+  </mc:AlternateContent>
 </p:sld>
 </file>
 
@@ -11328,9 +11917,18 @@
   <p:clrMapOvr>
     <a:masterClrMapping/>
   </p:clrMapOvr>
-  <p:transition>
-    <p:fade/>
-  </p:transition>
+  <mc:AlternateContent xmlns:mc="http://schemas.openxmlformats.org/markup-compatibility/2006">
+    <mc:Choice xmlns:p14="http://schemas.microsoft.com/office/powerpoint/2010/main" Requires="p14">
+      <p:transition p14:dur="300">
+        <p:fade/>
+      </p:transition>
+    </mc:Choice>
+    <mc:Fallback>
+      <p:transition>
+        <p:fade/>
+      </p:transition>
+    </mc:Fallback>
+  </mc:AlternateContent>
 </p:sld>
 </file>
 
@@ -11423,9 +12021,18 @@
   <p:clrMapOvr>
     <a:masterClrMapping/>
   </p:clrMapOvr>
-  <p:transition>
-    <p:fade/>
-  </p:transition>
+  <mc:AlternateContent xmlns:mc="http://schemas.openxmlformats.org/markup-compatibility/2006">
+    <mc:Choice xmlns:p14="http://schemas.microsoft.com/office/powerpoint/2010/main" Requires="p14">
+      <p:transition p14:dur="300">
+        <p:fade/>
+      </p:transition>
+    </mc:Choice>
+    <mc:Fallback>
+      <p:transition>
+        <p:fade/>
+      </p:transition>
+    </mc:Fallback>
+  </mc:AlternateContent>
 </p:sld>
 </file>
 
@@ -11539,9 +12146,18 @@
   <p:clrMapOvr>
     <a:masterClrMapping/>
   </p:clrMapOvr>
-  <p:transition>
-    <p:fade/>
-  </p:transition>
+  <mc:AlternateContent xmlns:mc="http://schemas.openxmlformats.org/markup-compatibility/2006">
+    <mc:Choice xmlns:p14="http://schemas.microsoft.com/office/powerpoint/2010/main" Requires="p14">
+      <p:transition p14:dur="300">
+        <p:fade/>
+      </p:transition>
+    </mc:Choice>
+    <mc:Fallback>
+      <p:transition>
+        <p:fade/>
+      </p:transition>
+    </mc:Fallback>
+  </mc:AlternateContent>
 </p:sld>
 </file>
 
@@ -11631,9 +12247,18 @@
   <p:clrMapOvr>
     <a:masterClrMapping/>
   </p:clrMapOvr>
-  <p:transition>
-    <p:fade/>
-  </p:transition>
+  <mc:AlternateContent xmlns:mc="http://schemas.openxmlformats.org/markup-compatibility/2006">
+    <mc:Choice xmlns:p14="http://schemas.microsoft.com/office/powerpoint/2010/main" Requires="p14">
+      <p:transition p14:dur="300">
+        <p:fade/>
+      </p:transition>
+    </mc:Choice>
+    <mc:Fallback>
+      <p:transition>
+        <p:fade/>
+      </p:transition>
+    </mc:Fallback>
+  </mc:AlternateContent>
 </p:sld>
 </file>
 
@@ -11718,9 +12343,18 @@
   <p:clrMapOvr>
     <a:masterClrMapping/>
   </p:clrMapOvr>
-  <p:transition>
-    <p:fade/>
-  </p:transition>
+  <mc:AlternateContent xmlns:mc="http://schemas.openxmlformats.org/markup-compatibility/2006">
+    <mc:Choice xmlns:p14="http://schemas.microsoft.com/office/powerpoint/2010/main" Requires="p14">
+      <p:transition p14:dur="300">
+        <p:fade/>
+      </p:transition>
+    </mc:Choice>
+    <mc:Fallback>
+      <p:transition>
+        <p:fade/>
+      </p:transition>
+    </mc:Fallback>
+  </mc:AlternateContent>
 </p:sld>
 </file>
 
@@ -11810,9 +12444,18 @@
   <p:clrMapOvr>
     <a:masterClrMapping/>
   </p:clrMapOvr>
-  <p:transition>
-    <p:fade/>
-  </p:transition>
+  <mc:AlternateContent xmlns:mc="http://schemas.openxmlformats.org/markup-compatibility/2006">
+    <mc:Choice xmlns:p14="http://schemas.microsoft.com/office/powerpoint/2010/main" Requires="p14">
+      <p:transition p14:dur="300">
+        <p:fade/>
+      </p:transition>
+    </mc:Choice>
+    <mc:Fallback>
+      <p:transition>
+        <p:fade/>
+      </p:transition>
+    </mc:Fallback>
+  </mc:AlternateContent>
 </p:sld>
 </file>
 
@@ -11919,9 +12562,18 @@
   <p:clrMapOvr>
     <a:masterClrMapping/>
   </p:clrMapOvr>
-  <p:transition>
-    <p:fade/>
-  </p:transition>
+  <mc:AlternateContent xmlns:mc="http://schemas.openxmlformats.org/markup-compatibility/2006">
+    <mc:Choice xmlns:p14="http://schemas.microsoft.com/office/powerpoint/2010/main" Requires="p14">
+      <p:transition p14:dur="300">
+        <p:fade/>
+      </p:transition>
+    </mc:Choice>
+    <mc:Fallback>
+      <p:transition>
+        <p:fade/>
+      </p:transition>
+    </mc:Fallback>
+  </mc:AlternateContent>
 </p:sld>
 </file>
 
@@ -12014,9 +12666,18 @@
   <p:clrMapOvr>
     <a:masterClrMapping/>
   </p:clrMapOvr>
-  <p:transition>
-    <p:fade/>
-  </p:transition>
+  <mc:AlternateContent xmlns:mc="http://schemas.openxmlformats.org/markup-compatibility/2006">
+    <mc:Choice xmlns:p14="http://schemas.microsoft.com/office/powerpoint/2010/main" Requires="p14">
+      <p:transition p14:dur="300">
+        <p:fade/>
+      </p:transition>
+    </mc:Choice>
+    <mc:Fallback>
+      <p:transition>
+        <p:fade/>
+      </p:transition>
+    </mc:Fallback>
+  </mc:AlternateContent>
 </p:sld>
 </file>
 
@@ -12117,9 +12778,18 @@
   <p:clrMapOvr>
     <a:masterClrMapping/>
   </p:clrMapOvr>
-  <p:transition>
-    <p:fade/>
-  </p:transition>
+  <mc:AlternateContent xmlns:mc="http://schemas.openxmlformats.org/markup-compatibility/2006">
+    <mc:Choice xmlns:p14="http://schemas.microsoft.com/office/powerpoint/2010/main" Requires="p14">
+      <p:transition p14:dur="300">
+        <p:fade/>
+      </p:transition>
+    </mc:Choice>
+    <mc:Fallback>
+      <p:transition>
+        <p:fade/>
+      </p:transition>
+    </mc:Fallback>
+  </mc:AlternateContent>
 </p:sld>
 </file>
 
@@ -12228,9 +12898,18 @@
   <p:clrMapOvr>
     <a:masterClrMapping/>
   </p:clrMapOvr>
-  <p:transition>
-    <p:fade/>
-  </p:transition>
+  <mc:AlternateContent xmlns:mc="http://schemas.openxmlformats.org/markup-compatibility/2006">
+    <mc:Choice xmlns:p14="http://schemas.microsoft.com/office/powerpoint/2010/main" Requires="p14">
+      <p:transition p14:dur="300">
+        <p:fade/>
+      </p:transition>
+    </mc:Choice>
+    <mc:Fallback>
+      <p:transition>
+        <p:fade/>
+      </p:transition>
+    </mc:Fallback>
+  </mc:AlternateContent>
 </p:sld>
 </file>
 
@@ -12323,9 +13002,18 @@
   <p:clrMapOvr>
     <a:masterClrMapping/>
   </p:clrMapOvr>
-  <p:transition>
-    <p:fade/>
-  </p:transition>
+  <mc:AlternateContent xmlns:mc="http://schemas.openxmlformats.org/markup-compatibility/2006">
+    <mc:Choice xmlns:p14="http://schemas.microsoft.com/office/powerpoint/2010/main" Requires="p14">
+      <p:transition p14:dur="300">
+        <p:fade/>
+      </p:transition>
+    </mc:Choice>
+    <mc:Fallback>
+      <p:transition>
+        <p:fade/>
+      </p:transition>
+    </mc:Fallback>
+  </mc:AlternateContent>
 </p:sld>
 </file>
 
@@ -12426,9 +13114,18 @@
   <p:clrMapOvr>
     <a:masterClrMapping/>
   </p:clrMapOvr>
-  <p:transition>
-    <p:fade/>
-  </p:transition>
+  <mc:AlternateContent xmlns:mc="http://schemas.openxmlformats.org/markup-compatibility/2006">
+    <mc:Choice xmlns:p14="http://schemas.microsoft.com/office/powerpoint/2010/main" Requires="p14">
+      <p:transition p14:dur="300">
+        <p:fade/>
+      </p:transition>
+    </mc:Choice>
+    <mc:Fallback>
+      <p:transition>
+        <p:fade/>
+      </p:transition>
+    </mc:Fallback>
+  </mc:AlternateContent>
 </p:sld>
 </file>
 
@@ -12521,9 +13218,18 @@
   <p:clrMapOvr>
     <a:masterClrMapping/>
   </p:clrMapOvr>
-  <p:transition>
-    <p:fade/>
-  </p:transition>
+  <mc:AlternateContent xmlns:mc="http://schemas.openxmlformats.org/markup-compatibility/2006">
+    <mc:Choice xmlns:p14="http://schemas.microsoft.com/office/powerpoint/2010/main" Requires="p14">
+      <p:transition p14:dur="300">
+        <p:fade/>
+      </p:transition>
+    </mc:Choice>
+    <mc:Fallback>
+      <p:transition>
+        <p:fade/>
+      </p:transition>
+    </mc:Fallback>
+  </mc:AlternateContent>
 </p:sld>
 </file>
 
@@ -12608,9 +13314,18 @@
   <p:clrMapOvr>
     <a:masterClrMapping/>
   </p:clrMapOvr>
-  <p:transition>
-    <p:fade/>
-  </p:transition>
+  <mc:AlternateContent xmlns:mc="http://schemas.openxmlformats.org/markup-compatibility/2006">
+    <mc:Choice xmlns:p14="http://schemas.microsoft.com/office/powerpoint/2010/main" Requires="p14">
+      <p:transition p14:dur="300">
+        <p:fade/>
+      </p:transition>
+    </mc:Choice>
+    <mc:Fallback>
+      <p:transition>
+        <p:fade/>
+      </p:transition>
+    </mc:Fallback>
+  </mc:AlternateContent>
 </p:sld>
 </file>
 
@@ -12695,9 +13410,18 @@
   <p:clrMapOvr>
     <a:masterClrMapping/>
   </p:clrMapOvr>
-  <p:transition>
-    <p:fade/>
-  </p:transition>
+  <mc:AlternateContent xmlns:mc="http://schemas.openxmlformats.org/markup-compatibility/2006">
+    <mc:Choice xmlns:p14="http://schemas.microsoft.com/office/powerpoint/2010/main" Requires="p14">
+      <p:transition p14:dur="300">
+        <p:fade/>
+      </p:transition>
+    </mc:Choice>
+    <mc:Fallback>
+      <p:transition>
+        <p:fade/>
+      </p:transition>
+    </mc:Fallback>
+  </mc:AlternateContent>
 </p:sld>
 </file>
 
@@ -12782,9 +13506,18 @@
   <p:clrMapOvr>
     <a:masterClrMapping/>
   </p:clrMapOvr>
-  <p:transition>
-    <p:fade/>
-  </p:transition>
+  <mc:AlternateContent xmlns:mc="http://schemas.openxmlformats.org/markup-compatibility/2006">
+    <mc:Choice xmlns:p14="http://schemas.microsoft.com/office/powerpoint/2010/main" Requires="p14">
+      <p:transition p14:dur="300">
+        <p:fade/>
+      </p:transition>
+    </mc:Choice>
+    <mc:Fallback>
+      <p:transition>
+        <p:fade/>
+      </p:transition>
+    </mc:Fallback>
+  </mc:AlternateContent>
 </p:sld>
 </file>
 
@@ -12898,9 +13631,18 @@
   <p:clrMapOvr>
     <a:masterClrMapping/>
   </p:clrMapOvr>
-  <p:transition>
-    <p:fade/>
-  </p:transition>
+  <mc:AlternateContent xmlns:mc="http://schemas.openxmlformats.org/markup-compatibility/2006">
+    <mc:Choice xmlns:p14="http://schemas.microsoft.com/office/powerpoint/2010/main" Requires="p14">
+      <p:transition p14:dur="300">
+        <p:fade/>
+      </p:transition>
+    </mc:Choice>
+    <mc:Fallback>
+      <p:transition>
+        <p:fade/>
+      </p:transition>
+    </mc:Fallback>
+  </mc:AlternateContent>
 </p:sld>
 </file>
 
@@ -12990,9 +13732,18 @@
   <p:clrMapOvr>
     <a:masterClrMapping/>
   </p:clrMapOvr>
-  <p:transition>
-    <p:fade/>
-  </p:transition>
+  <mc:AlternateContent xmlns:mc="http://schemas.openxmlformats.org/markup-compatibility/2006">
+    <mc:Choice xmlns:p14="http://schemas.microsoft.com/office/powerpoint/2010/main" Requires="p14">
+      <p:transition p14:dur="300">
+        <p:fade/>
+      </p:transition>
+    </mc:Choice>
+    <mc:Fallback>
+      <p:transition>
+        <p:fade/>
+      </p:transition>
+    </mc:Fallback>
+  </mc:AlternateContent>
 </p:sld>
 </file>
 
@@ -13082,9 +13833,18 @@
   <p:clrMapOvr>
     <a:masterClrMapping/>
   </p:clrMapOvr>
-  <p:transition>
-    <p:fade/>
-  </p:transition>
+  <mc:AlternateContent xmlns:mc="http://schemas.openxmlformats.org/markup-compatibility/2006">
+    <mc:Choice xmlns:p14="http://schemas.microsoft.com/office/powerpoint/2010/main" Requires="p14">
+      <p:transition p14:dur="300">
+        <p:fade/>
+      </p:transition>
+    </mc:Choice>
+    <mc:Fallback>
+      <p:transition>
+        <p:fade/>
+      </p:transition>
+    </mc:Fallback>
+  </mc:AlternateContent>
 </p:sld>
 </file>
 
@@ -13169,9 +13929,18 @@
   <p:clrMapOvr>
     <a:masterClrMapping/>
   </p:clrMapOvr>
-  <p:transition>
-    <p:fade/>
-  </p:transition>
+  <mc:AlternateContent xmlns:mc="http://schemas.openxmlformats.org/markup-compatibility/2006">
+    <mc:Choice xmlns:p14="http://schemas.microsoft.com/office/powerpoint/2010/main" Requires="p14">
+      <p:transition p14:dur="300">
+        <p:fade/>
+      </p:transition>
+    </mc:Choice>
+    <mc:Fallback>
+      <p:transition>
+        <p:fade/>
+      </p:transition>
+    </mc:Fallback>
+  </mc:AlternateContent>
 </p:sld>
 </file>
 
@@ -13269,9 +14038,18 @@
   <p:clrMapOvr>
     <a:masterClrMapping/>
   </p:clrMapOvr>
-  <p:transition>
-    <p:fade/>
-  </p:transition>
+  <mc:AlternateContent xmlns:mc="http://schemas.openxmlformats.org/markup-compatibility/2006">
+    <mc:Choice xmlns:p14="http://schemas.microsoft.com/office/powerpoint/2010/main" Requires="p14">
+      <p:transition p14:dur="300">
+        <p:fade/>
+      </p:transition>
+    </mc:Choice>
+    <mc:Fallback>
+      <p:transition>
+        <p:fade/>
+      </p:transition>
+    </mc:Fallback>
+  </mc:AlternateContent>
 </p:sld>
 </file>
 
@@ -13364,9 +14142,18 @@
   <p:clrMapOvr>
     <a:masterClrMapping/>
   </p:clrMapOvr>
-  <p:transition>
-    <p:fade/>
-  </p:transition>
+  <mc:AlternateContent xmlns:mc="http://schemas.openxmlformats.org/markup-compatibility/2006">
+    <mc:Choice xmlns:p14="http://schemas.microsoft.com/office/powerpoint/2010/main" Requires="p14">
+      <p:transition p14:dur="300">
+        <p:fade/>
+      </p:transition>
+    </mc:Choice>
+    <mc:Fallback>
+      <p:transition>
+        <p:fade/>
+      </p:transition>
+    </mc:Fallback>
+  </mc:AlternateContent>
 </p:sld>
 </file>
 
@@ -13484,9 +14271,18 @@
   <p:clrMapOvr>
     <a:masterClrMapping/>
   </p:clrMapOvr>
-  <p:transition>
-    <p:fade/>
-  </p:transition>
+  <mc:AlternateContent xmlns:mc="http://schemas.openxmlformats.org/markup-compatibility/2006">
+    <mc:Choice xmlns:p14="http://schemas.microsoft.com/office/powerpoint/2010/main" Requires="p14">
+      <p:transition p14:dur="300">
+        <p:fade/>
+      </p:transition>
+    </mc:Choice>
+    <mc:Fallback>
+      <p:transition>
+        <p:fade/>
+      </p:transition>
+    </mc:Fallback>
+  </mc:AlternateContent>
 </p:sld>
 </file>
 
@@ -13576,9 +14372,18 @@
   <p:clrMapOvr>
     <a:masterClrMapping/>
   </p:clrMapOvr>
-  <p:transition>
-    <p:fade/>
-  </p:transition>
+  <mc:AlternateContent xmlns:mc="http://schemas.openxmlformats.org/markup-compatibility/2006">
+    <mc:Choice xmlns:p14="http://schemas.microsoft.com/office/powerpoint/2010/main" Requires="p14">
+      <p:transition p14:dur="300">
+        <p:fade/>
+      </p:transition>
+    </mc:Choice>
+    <mc:Fallback>
+      <p:transition>
+        <p:fade/>
+      </p:transition>
+    </mc:Fallback>
+  </mc:AlternateContent>
 </p:sld>
 </file>
 
@@ -13671,9 +14476,18 @@
   <p:clrMapOvr>
     <a:masterClrMapping/>
   </p:clrMapOvr>
-  <p:transition>
-    <p:fade/>
-  </p:transition>
+  <mc:AlternateContent xmlns:mc="http://schemas.openxmlformats.org/markup-compatibility/2006">
+    <mc:Choice xmlns:p14="http://schemas.microsoft.com/office/powerpoint/2010/main" Requires="p14">
+      <p:transition p14:dur="300">
+        <p:fade/>
+      </p:transition>
+    </mc:Choice>
+    <mc:Fallback>
+      <p:transition>
+        <p:fade/>
+      </p:transition>
+    </mc:Fallback>
+  </mc:AlternateContent>
 </p:sld>
 </file>
 
@@ -13766,9 +14580,18 @@
   <p:clrMapOvr>
     <a:masterClrMapping/>
   </p:clrMapOvr>
-  <p:transition>
-    <p:fade/>
-  </p:transition>
+  <mc:AlternateContent xmlns:mc="http://schemas.openxmlformats.org/markup-compatibility/2006">
+    <mc:Choice xmlns:p14="http://schemas.microsoft.com/office/powerpoint/2010/main" Requires="p14">
+      <p:transition p14:dur="300">
+        <p:fade/>
+      </p:transition>
+    </mc:Choice>
+    <mc:Fallback>
+      <p:transition>
+        <p:fade/>
+      </p:transition>
+    </mc:Fallback>
+  </mc:AlternateContent>
 </p:sld>
 </file>
 
@@ -13861,9 +14684,18 @@
   <p:clrMapOvr>
     <a:masterClrMapping/>
   </p:clrMapOvr>
-  <p:transition>
-    <p:fade/>
-  </p:transition>
+  <mc:AlternateContent xmlns:mc="http://schemas.openxmlformats.org/markup-compatibility/2006">
+    <mc:Choice xmlns:p14="http://schemas.microsoft.com/office/powerpoint/2010/main" Requires="p14">
+      <p:transition p14:dur="300">
+        <p:fade/>
+      </p:transition>
+    </mc:Choice>
+    <mc:Fallback>
+      <p:transition>
+        <p:fade/>
+      </p:transition>
+    </mc:Fallback>
+  </mc:AlternateContent>
 </p:sld>
 </file>
 
@@ -13952,9 +14784,18 @@
   <p:clrMapOvr>
     <a:masterClrMapping/>
   </p:clrMapOvr>
-  <p:transition>
-    <p:fade/>
-  </p:transition>
+  <mc:AlternateContent xmlns:mc="http://schemas.openxmlformats.org/markup-compatibility/2006">
+    <mc:Choice xmlns:p14="http://schemas.microsoft.com/office/powerpoint/2010/main" Requires="p14">
+      <p:transition p14:dur="300">
+        <p:fade/>
+      </p:transition>
+    </mc:Choice>
+    <mc:Fallback>
+      <p:transition>
+        <p:fade/>
+      </p:transition>
+    </mc:Fallback>
+  </mc:AlternateContent>
 </p:sld>
 </file>
 
@@ -14044,9 +14885,18 @@
   <p:clrMapOvr>
     <a:masterClrMapping/>
   </p:clrMapOvr>
-  <p:transition>
-    <p:fade/>
-  </p:transition>
+  <mc:AlternateContent xmlns:mc="http://schemas.openxmlformats.org/markup-compatibility/2006">
+    <mc:Choice xmlns:p14="http://schemas.microsoft.com/office/powerpoint/2010/main" Requires="p14">
+      <p:transition p14:dur="300">
+        <p:fade/>
+      </p:transition>
+    </mc:Choice>
+    <mc:Fallback>
+      <p:transition>
+        <p:fade/>
+      </p:transition>
+    </mc:Fallback>
+  </mc:AlternateContent>
 </p:sld>
 </file>
 
@@ -14131,9 +14981,18 @@
   <p:clrMapOvr>
     <a:masterClrMapping/>
   </p:clrMapOvr>
-  <p:transition>
-    <p:fade/>
-  </p:transition>
+  <mc:AlternateContent xmlns:mc="http://schemas.openxmlformats.org/markup-compatibility/2006">
+    <mc:Choice xmlns:p14="http://schemas.microsoft.com/office/powerpoint/2010/main" Requires="p14">
+      <p:transition p14:dur="300">
+        <p:fade/>
+      </p:transition>
+    </mc:Choice>
+    <mc:Fallback>
+      <p:transition>
+        <p:fade/>
+      </p:transition>
+    </mc:Fallback>
+  </mc:AlternateContent>
 </p:sld>
 </file>
 
@@ -14225,9 +15084,18 @@
   <p:clrMapOvr>
     <a:masterClrMapping/>
   </p:clrMapOvr>
-  <p:transition>
-    <p:fade/>
-  </p:transition>
+  <mc:AlternateContent xmlns:mc="http://schemas.openxmlformats.org/markup-compatibility/2006">
+    <mc:Choice xmlns:p14="http://schemas.microsoft.com/office/powerpoint/2010/main" Requires="p14">
+      <p:transition p14:dur="300">
+        <p:fade/>
+      </p:transition>
+    </mc:Choice>
+    <mc:Fallback>
+      <p:transition>
+        <p:fade/>
+      </p:transition>
+    </mc:Fallback>
+  </mc:AlternateContent>
 </p:sld>
 </file>
 
@@ -14320,9 +15188,18 @@
   <p:clrMapOvr>
     <a:masterClrMapping/>
   </p:clrMapOvr>
-  <p:transition>
-    <p:fade/>
-  </p:transition>
+  <mc:AlternateContent xmlns:mc="http://schemas.openxmlformats.org/markup-compatibility/2006">
+    <mc:Choice xmlns:p14="http://schemas.microsoft.com/office/powerpoint/2010/main" Requires="p14">
+      <p:transition p14:dur="300">
+        <p:fade/>
+      </p:transition>
+    </mc:Choice>
+    <mc:Fallback>
+      <p:transition>
+        <p:fade/>
+      </p:transition>
+    </mc:Fallback>
+  </mc:AlternateContent>
 </p:sld>
 </file>
 
@@ -14415,9 +15292,18 @@
   <p:clrMapOvr>
     <a:masterClrMapping/>
   </p:clrMapOvr>
-  <p:transition>
-    <p:fade/>
-  </p:transition>
+  <mc:AlternateContent xmlns:mc="http://schemas.openxmlformats.org/markup-compatibility/2006">
+    <mc:Choice xmlns:p14="http://schemas.microsoft.com/office/powerpoint/2010/main" Requires="p14">
+      <p:transition p14:dur="300">
+        <p:fade/>
+      </p:transition>
+    </mc:Choice>
+    <mc:Fallback>
+      <p:transition>
+        <p:fade/>
+      </p:transition>
+    </mc:Fallback>
+  </mc:AlternateContent>
 </p:sld>
 </file>
 
@@ -14502,9 +15388,18 @@
   <p:clrMapOvr>
     <a:masterClrMapping/>
   </p:clrMapOvr>
-  <p:transition>
-    <p:fade/>
-  </p:transition>
+  <mc:AlternateContent xmlns:mc="http://schemas.openxmlformats.org/markup-compatibility/2006">
+    <mc:Choice xmlns:p14="http://schemas.microsoft.com/office/powerpoint/2010/main" Requires="p14">
+      <p:transition p14:dur="300">
+        <p:fade/>
+      </p:transition>
+    </mc:Choice>
+    <mc:Fallback>
+      <p:transition>
+        <p:fade/>
+      </p:transition>
+    </mc:Fallback>
+  </mc:AlternateContent>
 </p:sld>
 </file>
 
@@ -14593,9 +15488,18 @@
   <p:clrMapOvr>
     <a:masterClrMapping/>
   </p:clrMapOvr>
-  <p:transition>
-    <p:fade/>
-  </p:transition>
+  <mc:AlternateContent xmlns:mc="http://schemas.openxmlformats.org/markup-compatibility/2006">
+    <mc:Choice xmlns:p14="http://schemas.microsoft.com/office/powerpoint/2010/main" Requires="p14">
+      <p:transition p14:dur="300">
+        <p:fade/>
+      </p:transition>
+    </mc:Choice>
+    <mc:Fallback>
+      <p:transition>
+        <p:fade/>
+      </p:transition>
+    </mc:Fallback>
+  </mc:AlternateContent>
 </p:sld>
 </file>
 
@@ -14689,9 +15593,18 @@
   <p:clrMapOvr>
     <a:masterClrMapping/>
   </p:clrMapOvr>
-  <p:transition>
-    <p:fade/>
-  </p:transition>
+  <mc:AlternateContent xmlns:mc="http://schemas.openxmlformats.org/markup-compatibility/2006">
+    <mc:Choice xmlns:p14="http://schemas.microsoft.com/office/powerpoint/2010/main" Requires="p14">
+      <p:transition p14:dur="300">
+        <p:fade/>
+      </p:transition>
+    </mc:Choice>
+    <mc:Fallback>
+      <p:transition>
+        <p:fade/>
+      </p:transition>
+    </mc:Fallback>
+  </mc:AlternateContent>
 </p:sld>
 </file>
 
@@ -14780,9 +15693,18 @@
   <p:clrMapOvr>
     <a:masterClrMapping/>
   </p:clrMapOvr>
-  <p:transition>
-    <p:fade/>
-  </p:transition>
+  <mc:AlternateContent xmlns:mc="http://schemas.openxmlformats.org/markup-compatibility/2006">
+    <mc:Choice xmlns:p14="http://schemas.microsoft.com/office/powerpoint/2010/main" Requires="p14">
+      <p:transition p14:dur="300">
+        <p:fade/>
+      </p:transition>
+    </mc:Choice>
+    <mc:Fallback>
+      <p:transition>
+        <p:fade/>
+      </p:transition>
+    </mc:Fallback>
+  </mc:AlternateContent>
 </p:sld>
 </file>
 
@@ -14867,9 +15789,18 @@
   <p:clrMapOvr>
     <a:masterClrMapping/>
   </p:clrMapOvr>
-  <p:transition>
-    <p:fade/>
-  </p:transition>
+  <mc:AlternateContent xmlns:mc="http://schemas.openxmlformats.org/markup-compatibility/2006">
+    <mc:Choice xmlns:p14="http://schemas.microsoft.com/office/powerpoint/2010/main" Requires="p14">
+      <p:transition p14:dur="300">
+        <p:fade/>
+      </p:transition>
+    </mc:Choice>
+    <mc:Fallback>
+      <p:transition>
+        <p:fade/>
+      </p:transition>
+    </mc:Fallback>
+  </mc:AlternateContent>
 </p:sld>
 </file>
 
@@ -14954,9 +15885,18 @@
   <p:clrMapOvr>
     <a:masterClrMapping/>
   </p:clrMapOvr>
-  <p:transition>
-    <p:fade/>
-  </p:transition>
+  <mc:AlternateContent xmlns:mc="http://schemas.openxmlformats.org/markup-compatibility/2006">
+    <mc:Choice xmlns:p14="http://schemas.microsoft.com/office/powerpoint/2010/main" Requires="p14">
+      <p:transition p14:dur="300">
+        <p:fade/>
+      </p:transition>
+    </mc:Choice>
+    <mc:Fallback>
+      <p:transition>
+        <p:fade/>
+      </p:transition>
+    </mc:Fallback>
+  </mc:AlternateContent>
 </p:sld>
 </file>
 
@@ -15054,9 +15994,18 @@
   <p:clrMapOvr>
     <a:masterClrMapping/>
   </p:clrMapOvr>
-  <p:transition>
-    <p:fade/>
-  </p:transition>
+  <mc:AlternateContent xmlns:mc="http://schemas.openxmlformats.org/markup-compatibility/2006">
+    <mc:Choice xmlns:p14="http://schemas.microsoft.com/office/powerpoint/2010/main" Requires="p14">
+      <p:transition p14:dur="300">
+        <p:fade/>
+      </p:transition>
+    </mc:Choice>
+    <mc:Fallback>
+      <p:transition>
+        <p:fade/>
+      </p:transition>
+    </mc:Fallback>
+  </mc:AlternateContent>
 </p:sld>
 </file>
 
@@ -15141,9 +16090,18 @@
   <p:clrMapOvr>
     <a:masterClrMapping/>
   </p:clrMapOvr>
-  <p:transition>
-    <p:fade/>
-  </p:transition>
+  <mc:AlternateContent xmlns:mc="http://schemas.openxmlformats.org/markup-compatibility/2006">
+    <mc:Choice xmlns:p14="http://schemas.microsoft.com/office/powerpoint/2010/main" Requires="p14">
+      <p:transition p14:dur="300">
+        <p:fade/>
+      </p:transition>
+    </mc:Choice>
+    <mc:Fallback>
+      <p:transition>
+        <p:fade/>
+      </p:transition>
+    </mc:Fallback>
+  </mc:AlternateContent>
 </p:sld>
 </file>
 
@@ -15228,9 +16186,18 @@
   <p:clrMapOvr>
     <a:masterClrMapping/>
   </p:clrMapOvr>
-  <p:transition>
-    <p:fade/>
-  </p:transition>
+  <mc:AlternateContent xmlns:mc="http://schemas.openxmlformats.org/markup-compatibility/2006">
+    <mc:Choice xmlns:p14="http://schemas.microsoft.com/office/powerpoint/2010/main" Requires="p14">
+      <p:transition p14:dur="300">
+        <p:fade/>
+      </p:transition>
+    </mc:Choice>
+    <mc:Fallback>
+      <p:transition>
+        <p:fade/>
+      </p:transition>
+    </mc:Fallback>
+  </mc:AlternateContent>
 </p:sld>
 </file>
 
@@ -15331,9 +16298,18 @@
   <p:clrMapOvr>
     <a:masterClrMapping/>
   </p:clrMapOvr>
-  <p:transition>
-    <p:fade/>
-  </p:transition>
+  <mc:AlternateContent xmlns:mc="http://schemas.openxmlformats.org/markup-compatibility/2006">
+    <mc:Choice xmlns:p14="http://schemas.microsoft.com/office/powerpoint/2010/main" Requires="p14">
+      <p:transition p14:dur="300">
+        <p:fade/>
+      </p:transition>
+    </mc:Choice>
+    <mc:Fallback>
+      <p:transition>
+        <p:fade/>
+      </p:transition>
+    </mc:Fallback>
+  </mc:AlternateContent>
 </p:sld>
 </file>
 
@@ -15418,9 +16394,18 @@
   <p:clrMapOvr>
     <a:masterClrMapping/>
   </p:clrMapOvr>
-  <p:transition>
-    <p:fade/>
-  </p:transition>
+  <mc:AlternateContent xmlns:mc="http://schemas.openxmlformats.org/markup-compatibility/2006">
+    <mc:Choice xmlns:p14="http://schemas.microsoft.com/office/powerpoint/2010/main" Requires="p14">
+      <p:transition p14:dur="300">
+        <p:fade/>
+      </p:transition>
+    </mc:Choice>
+    <mc:Fallback>
+      <p:transition>
+        <p:fade/>
+      </p:transition>
+    </mc:Fallback>
+  </mc:AlternateContent>
 </p:sld>
 </file>
 
@@ -15513,9 +16498,18 @@
   <p:clrMapOvr>
     <a:masterClrMapping/>
   </p:clrMapOvr>
-  <p:transition>
-    <p:fade/>
-  </p:transition>
+  <mc:AlternateContent xmlns:mc="http://schemas.openxmlformats.org/markup-compatibility/2006">
+    <mc:Choice xmlns:p14="http://schemas.microsoft.com/office/powerpoint/2010/main" Requires="p14">
+      <p:transition p14:dur="300">
+        <p:fade/>
+      </p:transition>
+    </mc:Choice>
+    <mc:Fallback>
+      <p:transition>
+        <p:fade/>
+      </p:transition>
+    </mc:Fallback>
+  </mc:AlternateContent>
 </p:sld>
 </file>
 
@@ -15613,9 +16607,18 @@
   <p:clrMapOvr>
     <a:masterClrMapping/>
   </p:clrMapOvr>
-  <p:transition>
-    <p:fade/>
-  </p:transition>
+  <mc:AlternateContent xmlns:mc="http://schemas.openxmlformats.org/markup-compatibility/2006">
+    <mc:Choice xmlns:p14="http://schemas.microsoft.com/office/powerpoint/2010/main" Requires="p14">
+      <p:transition p14:dur="300">
+        <p:fade/>
+      </p:transition>
+    </mc:Choice>
+    <mc:Fallback>
+      <p:transition>
+        <p:fade/>
+      </p:transition>
+    </mc:Fallback>
+  </mc:AlternateContent>
 </p:sld>
 </file>
 
@@ -15700,9 +16703,18 @@
   <p:clrMapOvr>
     <a:masterClrMapping/>
   </p:clrMapOvr>
-  <p:transition>
-    <p:fade/>
-  </p:transition>
+  <mc:AlternateContent xmlns:mc="http://schemas.openxmlformats.org/markup-compatibility/2006">
+    <mc:Choice xmlns:p14="http://schemas.microsoft.com/office/powerpoint/2010/main" Requires="p14">
+      <p:transition p14:dur="300">
+        <p:fade/>
+      </p:transition>
+    </mc:Choice>
+    <mc:Fallback>
+      <p:transition>
+        <p:fade/>
+      </p:transition>
+    </mc:Fallback>
+  </mc:AlternateContent>
 </p:sld>
 </file>
 
@@ -15800,9 +16812,18 @@
   <p:clrMapOvr>
     <a:masterClrMapping/>
   </p:clrMapOvr>
-  <p:transition>
-    <p:fade/>
-  </p:transition>
+  <mc:AlternateContent xmlns:mc="http://schemas.openxmlformats.org/markup-compatibility/2006">
+    <mc:Choice xmlns:p14="http://schemas.microsoft.com/office/powerpoint/2010/main" Requires="p14">
+      <p:transition p14:dur="300">
+        <p:fade/>
+      </p:transition>
+    </mc:Choice>
+    <mc:Fallback>
+      <p:transition>
+        <p:fade/>
+      </p:transition>
+    </mc:Fallback>
+  </mc:AlternateContent>
 </p:sld>
 </file>
 
@@ -15908,9 +16929,18 @@
   <p:clrMapOvr>
     <a:masterClrMapping/>
   </p:clrMapOvr>
-  <p:transition>
-    <p:fade/>
-  </p:transition>
+  <mc:AlternateContent xmlns:mc="http://schemas.openxmlformats.org/markup-compatibility/2006">
+    <mc:Choice xmlns:p14="http://schemas.microsoft.com/office/powerpoint/2010/main" Requires="p14">
+      <p:transition p14:dur="300">
+        <p:fade/>
+      </p:transition>
+    </mc:Choice>
+    <mc:Fallback>
+      <p:transition>
+        <p:fade/>
+      </p:transition>
+    </mc:Fallback>
+  </mc:AlternateContent>
 </p:sld>
 </file>
 
@@ -16000,9 +17030,18 @@
   <p:clrMapOvr>
     <a:masterClrMapping/>
   </p:clrMapOvr>
-  <p:transition>
-    <p:fade/>
-  </p:transition>
+  <mc:AlternateContent xmlns:mc="http://schemas.openxmlformats.org/markup-compatibility/2006">
+    <mc:Choice xmlns:p14="http://schemas.microsoft.com/office/powerpoint/2010/main" Requires="p14">
+      <p:transition p14:dur="300">
+        <p:fade/>
+      </p:transition>
+    </mc:Choice>
+    <mc:Fallback>
+      <p:transition>
+        <p:fade/>
+      </p:transition>
+    </mc:Fallback>
+  </mc:AlternateContent>
 </p:sld>
 </file>
 
@@ -16096,9 +17135,18 @@
   <p:clrMapOvr>
     <a:masterClrMapping/>
   </p:clrMapOvr>
-  <p:transition>
-    <p:fade/>
-  </p:transition>
+  <mc:AlternateContent xmlns:mc="http://schemas.openxmlformats.org/markup-compatibility/2006">
+    <mc:Choice xmlns:p14="http://schemas.microsoft.com/office/powerpoint/2010/main" Requires="p14">
+      <p:transition p14:dur="300">
+        <p:fade/>
+      </p:transition>
+    </mc:Choice>
+    <mc:Fallback>
+      <p:transition>
+        <p:fade/>
+      </p:transition>
+    </mc:Fallback>
+  </mc:AlternateContent>
 </p:sld>
 </file>
 
@@ -16183,9 +17231,18 @@
   <p:clrMapOvr>
     <a:masterClrMapping/>
   </p:clrMapOvr>
-  <p:transition>
-    <p:fade/>
-  </p:transition>
+  <mc:AlternateContent xmlns:mc="http://schemas.openxmlformats.org/markup-compatibility/2006">
+    <mc:Choice xmlns:p14="http://schemas.microsoft.com/office/powerpoint/2010/main" Requires="p14">
+      <p:transition p14:dur="300">
+        <p:fade/>
+      </p:transition>
+    </mc:Choice>
+    <mc:Fallback>
+      <p:transition>
+        <p:fade/>
+      </p:transition>
+    </mc:Fallback>
+  </mc:AlternateContent>
 </p:sld>
 </file>
 
@@ -16278,9 +17335,18 @@
   <p:clrMapOvr>
     <a:masterClrMapping/>
   </p:clrMapOvr>
-  <p:transition>
-    <p:fade/>
-  </p:transition>
+  <mc:AlternateContent xmlns:mc="http://schemas.openxmlformats.org/markup-compatibility/2006">
+    <mc:Choice xmlns:p14="http://schemas.microsoft.com/office/powerpoint/2010/main" Requires="p14">
+      <p:transition p14:dur="300">
+        <p:fade/>
+      </p:transition>
+    </mc:Choice>
+    <mc:Fallback>
+      <p:transition>
+        <p:fade/>
+      </p:transition>
+    </mc:Fallback>
+  </mc:AlternateContent>
 </p:sld>
 </file>
 
@@ -16373,9 +17439,18 @@
   <p:clrMapOvr>
     <a:masterClrMapping/>
   </p:clrMapOvr>
-  <p:transition>
-    <p:fade/>
-  </p:transition>
+  <mc:AlternateContent xmlns:mc="http://schemas.openxmlformats.org/markup-compatibility/2006">
+    <mc:Choice xmlns:p14="http://schemas.microsoft.com/office/powerpoint/2010/main" Requires="p14">
+      <p:transition p14:dur="300">
+        <p:fade/>
+      </p:transition>
+    </mc:Choice>
+    <mc:Fallback>
+      <p:transition>
+        <p:fade/>
+      </p:transition>
+    </mc:Fallback>
+  </mc:AlternateContent>
 </p:sld>
 </file>
 
@@ -16472,9 +17547,18 @@
   <p:clrMapOvr>
     <a:masterClrMapping/>
   </p:clrMapOvr>
-  <p:transition>
-    <p:fade/>
-  </p:transition>
+  <mc:AlternateContent xmlns:mc="http://schemas.openxmlformats.org/markup-compatibility/2006">
+    <mc:Choice xmlns:p14="http://schemas.microsoft.com/office/powerpoint/2010/main" Requires="p14">
+      <p:transition p14:dur="300">
+        <p:fade/>
+      </p:transition>
+    </mc:Choice>
+    <mc:Fallback>
+      <p:transition>
+        <p:fade/>
+      </p:transition>
+    </mc:Fallback>
+  </mc:AlternateContent>
 </p:sld>
 </file>
 
@@ -16559,9 +17643,18 @@
   <p:clrMapOvr>
     <a:masterClrMapping/>
   </p:clrMapOvr>
-  <p:transition>
-    <p:fade/>
-  </p:transition>
+  <mc:AlternateContent xmlns:mc="http://schemas.openxmlformats.org/markup-compatibility/2006">
+    <mc:Choice xmlns:p14="http://schemas.microsoft.com/office/powerpoint/2010/main" Requires="p14">
+      <p:transition p14:dur="300">
+        <p:fade/>
+      </p:transition>
+    </mc:Choice>
+    <mc:Fallback>
+      <p:transition>
+        <p:fade/>
+      </p:transition>
+    </mc:Fallback>
+  </mc:AlternateContent>
 </p:sld>
 </file>
 
@@ -16646,9 +17739,18 @@
   <p:clrMapOvr>
     <a:masterClrMapping/>
   </p:clrMapOvr>
-  <p:transition>
-    <p:fade/>
-  </p:transition>
+  <mc:AlternateContent xmlns:mc="http://schemas.openxmlformats.org/markup-compatibility/2006">
+    <mc:Choice xmlns:p14="http://schemas.microsoft.com/office/powerpoint/2010/main" Requires="p14">
+      <p:transition p14:dur="300">
+        <p:fade/>
+      </p:transition>
+    </mc:Choice>
+    <mc:Fallback>
+      <p:transition>
+        <p:fade/>
+      </p:transition>
+    </mc:Fallback>
+  </mc:AlternateContent>
 </p:sld>
 </file>
 
@@ -16733,9 +17835,18 @@
   <p:clrMapOvr>
     <a:masterClrMapping/>
   </p:clrMapOvr>
-  <p:transition>
-    <p:fade/>
-  </p:transition>
+  <mc:AlternateContent xmlns:mc="http://schemas.openxmlformats.org/markup-compatibility/2006">
+    <mc:Choice xmlns:p14="http://schemas.microsoft.com/office/powerpoint/2010/main" Requires="p14">
+      <p:transition p14:dur="300">
+        <p:fade/>
+      </p:transition>
+    </mc:Choice>
+    <mc:Fallback>
+      <p:transition>
+        <p:fade/>
+      </p:transition>
+    </mc:Fallback>
+  </mc:AlternateContent>
 </p:sld>
 </file>
 
@@ -16825,9 +17936,18 @@
   <p:clrMapOvr>
     <a:masterClrMapping/>
   </p:clrMapOvr>
-  <p:transition>
-    <p:fade/>
-  </p:transition>
+  <mc:AlternateContent xmlns:mc="http://schemas.openxmlformats.org/markup-compatibility/2006">
+    <mc:Choice xmlns:p14="http://schemas.microsoft.com/office/powerpoint/2010/main" Requires="p14">
+      <p:transition p14:dur="300">
+        <p:fade/>
+      </p:transition>
+    </mc:Choice>
+    <mc:Fallback>
+      <p:transition>
+        <p:fade/>
+      </p:transition>
+    </mc:Fallback>
+  </mc:AlternateContent>
 </p:sld>
 </file>
 
@@ -16925,9 +18045,18 @@
   <p:clrMapOvr>
     <a:masterClrMapping/>
   </p:clrMapOvr>
-  <p:transition>
-    <p:fade/>
-  </p:transition>
+  <mc:AlternateContent xmlns:mc="http://schemas.openxmlformats.org/markup-compatibility/2006">
+    <mc:Choice xmlns:p14="http://schemas.microsoft.com/office/powerpoint/2010/main" Requires="p14">
+      <p:transition p14:dur="300">
+        <p:fade/>
+      </p:transition>
+    </mc:Choice>
+    <mc:Fallback>
+      <p:transition>
+        <p:fade/>
+      </p:transition>
+    </mc:Fallback>
+  </mc:AlternateContent>
 </p:sld>
 </file>
 
@@ -17020,9 +18149,18 @@
   <p:clrMapOvr>
     <a:masterClrMapping/>
   </p:clrMapOvr>
-  <p:transition>
-    <p:fade/>
-  </p:transition>
+  <mc:AlternateContent xmlns:mc="http://schemas.openxmlformats.org/markup-compatibility/2006">
+    <mc:Choice xmlns:p14="http://schemas.microsoft.com/office/powerpoint/2010/main" Requires="p14">
+      <p:transition p14:dur="300">
+        <p:fade/>
+      </p:transition>
+    </mc:Choice>
+    <mc:Fallback>
+      <p:transition>
+        <p:fade/>
+      </p:transition>
+    </mc:Fallback>
+  </mc:AlternateContent>
 </p:sld>
 </file>
 
@@ -17112,9 +18250,18 @@
   <p:clrMapOvr>
     <a:masterClrMapping/>
   </p:clrMapOvr>
-  <p:transition>
-    <p:fade/>
-  </p:transition>
+  <mc:AlternateContent xmlns:mc="http://schemas.openxmlformats.org/markup-compatibility/2006">
+    <mc:Choice xmlns:p14="http://schemas.microsoft.com/office/powerpoint/2010/main" Requires="p14">
+      <p:transition p14:dur="300">
+        <p:fade/>
+      </p:transition>
+    </mc:Choice>
+    <mc:Fallback>
+      <p:transition>
+        <p:fade/>
+      </p:transition>
+    </mc:Fallback>
+  </mc:AlternateContent>
 </p:sld>
 </file>
 
@@ -17199,9 +18346,18 @@
   <p:clrMapOvr>
     <a:masterClrMapping/>
   </p:clrMapOvr>
-  <p:transition>
-    <p:fade/>
-  </p:transition>
+  <mc:AlternateContent xmlns:mc="http://schemas.openxmlformats.org/markup-compatibility/2006">
+    <mc:Choice xmlns:p14="http://schemas.microsoft.com/office/powerpoint/2010/main" Requires="p14">
+      <p:transition p14:dur="300">
+        <p:fade/>
+      </p:transition>
+    </mc:Choice>
+    <mc:Fallback>
+      <p:transition>
+        <p:fade/>
+      </p:transition>
+    </mc:Fallback>
+  </mc:AlternateContent>
 </p:sld>
 </file>
 
@@ -17294,9 +18450,18 @@
   <p:clrMapOvr>
     <a:masterClrMapping/>
   </p:clrMapOvr>
-  <p:transition>
-    <p:fade/>
-  </p:transition>
+  <mc:AlternateContent xmlns:mc="http://schemas.openxmlformats.org/markup-compatibility/2006">
+    <mc:Choice xmlns:p14="http://schemas.microsoft.com/office/powerpoint/2010/main" Requires="p14">
+      <p:transition p14:dur="300">
+        <p:fade/>
+      </p:transition>
+    </mc:Choice>
+    <mc:Fallback>
+      <p:transition>
+        <p:fade/>
+      </p:transition>
+    </mc:Fallback>
+  </mc:AlternateContent>
 </p:sld>
 </file>
 
@@ -17381,9 +18546,18 @@
   <p:clrMapOvr>
     <a:masterClrMapping/>
   </p:clrMapOvr>
-  <p:transition>
-    <p:fade/>
-  </p:transition>
+  <mc:AlternateContent xmlns:mc="http://schemas.openxmlformats.org/markup-compatibility/2006">
+    <mc:Choice xmlns:p14="http://schemas.microsoft.com/office/powerpoint/2010/main" Requires="p14">
+      <p:transition p14:dur="300">
+        <p:fade/>
+      </p:transition>
+    </mc:Choice>
+    <mc:Fallback>
+      <p:transition>
+        <p:fade/>
+      </p:transition>
+    </mc:Fallback>
+  </mc:AlternateContent>
 </p:sld>
 </file>
 
@@ -17481,9 +18655,18 @@
   <p:clrMapOvr>
     <a:masterClrMapping/>
   </p:clrMapOvr>
-  <p:transition>
-    <p:fade/>
-  </p:transition>
+  <mc:AlternateContent xmlns:mc="http://schemas.openxmlformats.org/markup-compatibility/2006">
+    <mc:Choice xmlns:p14="http://schemas.microsoft.com/office/powerpoint/2010/main" Requires="p14">
+      <p:transition p14:dur="300">
+        <p:fade/>
+      </p:transition>
+    </mc:Choice>
+    <mc:Fallback>
+      <p:transition>
+        <p:fade/>
+      </p:transition>
+    </mc:Fallback>
+  </mc:AlternateContent>
 </p:sld>
 </file>
 
@@ -17577,9 +18760,18 @@
   <p:clrMapOvr>
     <a:masterClrMapping/>
   </p:clrMapOvr>
-  <p:transition>
-    <p:fade/>
-  </p:transition>
+  <mc:AlternateContent xmlns:mc="http://schemas.openxmlformats.org/markup-compatibility/2006">
+    <mc:Choice xmlns:p14="http://schemas.microsoft.com/office/powerpoint/2010/main" Requires="p14">
+      <p:transition p14:dur="300">
+        <p:fade/>
+      </p:transition>
+    </mc:Choice>
+    <mc:Fallback>
+      <p:transition>
+        <p:fade/>
+      </p:transition>
+    </mc:Fallback>
+  </mc:AlternateContent>
 </p:sld>
 </file>
 
@@ -17681,9 +18873,18 @@
   <p:clrMapOvr>
     <a:masterClrMapping/>
   </p:clrMapOvr>
-  <p:transition>
-    <p:fade/>
-  </p:transition>
+  <mc:AlternateContent xmlns:mc="http://schemas.openxmlformats.org/markup-compatibility/2006">
+    <mc:Choice xmlns:p14="http://schemas.microsoft.com/office/powerpoint/2010/main" Requires="p14">
+      <p:transition p14:dur="300">
+        <p:fade/>
+      </p:transition>
+    </mc:Choice>
+    <mc:Fallback>
+      <p:transition>
+        <p:fade/>
+      </p:transition>
+    </mc:Fallback>
+  </mc:AlternateContent>
 </p:sld>
 </file>
 
@@ -17809,9 +19010,18 @@
   <p:clrMapOvr>
     <a:masterClrMapping/>
   </p:clrMapOvr>
-  <p:transition>
-    <p:fade/>
-  </p:transition>
+  <mc:AlternateContent xmlns:mc="http://schemas.openxmlformats.org/markup-compatibility/2006">
+    <mc:Choice xmlns:p14="http://schemas.microsoft.com/office/powerpoint/2010/main" Requires="p14">
+      <p:transition p14:dur="300">
+        <p:fade/>
+      </p:transition>
+    </mc:Choice>
+    <mc:Fallback>
+      <p:transition>
+        <p:fade/>
+      </p:transition>
+    </mc:Fallback>
+  </mc:AlternateContent>
 </p:sld>
 </file>
 
@@ -17896,9 +19106,18 @@
   <p:clrMapOvr>
     <a:masterClrMapping/>
   </p:clrMapOvr>
-  <p:transition>
-    <p:fade/>
-  </p:transition>
+  <mc:AlternateContent xmlns:mc="http://schemas.openxmlformats.org/markup-compatibility/2006">
+    <mc:Choice xmlns:p14="http://schemas.microsoft.com/office/powerpoint/2010/main" Requires="p14">
+      <p:transition p14:dur="300">
+        <p:fade/>
+      </p:transition>
+    </mc:Choice>
+    <mc:Fallback>
+      <p:transition>
+        <p:fade/>
+      </p:transition>
+    </mc:Fallback>
+  </mc:AlternateContent>
 </p:sld>
 </file>
 
@@ -18008,9 +19227,18 @@
   <p:clrMapOvr>
     <a:masterClrMapping/>
   </p:clrMapOvr>
-  <p:transition>
-    <p:fade/>
-  </p:transition>
+  <mc:AlternateContent xmlns:mc="http://schemas.openxmlformats.org/markup-compatibility/2006">
+    <mc:Choice xmlns:p14="http://schemas.microsoft.com/office/powerpoint/2010/main" Requires="p14">
+      <p:transition p14:dur="300">
+        <p:fade/>
+      </p:transition>
+    </mc:Choice>
+    <mc:Fallback>
+      <p:transition>
+        <p:fade/>
+      </p:transition>
+    </mc:Fallback>
+  </mc:AlternateContent>
 </p:sld>
 </file>
 
@@ -18103,9 +19331,18 @@
   <p:clrMapOvr>
     <a:masterClrMapping/>
   </p:clrMapOvr>
-  <p:transition>
-    <p:fade/>
-  </p:transition>
+  <mc:AlternateContent xmlns:mc="http://schemas.openxmlformats.org/markup-compatibility/2006">
+    <mc:Choice xmlns:p14="http://schemas.microsoft.com/office/powerpoint/2010/main" Requires="p14">
+      <p:transition p14:dur="300">
+        <p:fade/>
+      </p:transition>
+    </mc:Choice>
+    <mc:Fallback>
+      <p:transition>
+        <p:fade/>
+      </p:transition>
+    </mc:Fallback>
+  </mc:AlternateContent>
 </p:sld>
 </file>
 
@@ -18218,9 +19455,18 @@
   <p:clrMapOvr>
     <a:masterClrMapping/>
   </p:clrMapOvr>
-  <p:transition>
-    <p:fade/>
-  </p:transition>
+  <mc:AlternateContent xmlns:mc="http://schemas.openxmlformats.org/markup-compatibility/2006">
+    <mc:Choice xmlns:p14="http://schemas.microsoft.com/office/powerpoint/2010/main" Requires="p14">
+      <p:transition p14:dur="300">
+        <p:fade/>
+      </p:transition>
+    </mc:Choice>
+    <mc:Fallback>
+      <p:transition>
+        <p:fade/>
+      </p:transition>
+    </mc:Fallback>
+  </mc:AlternateContent>
 </p:sld>
 </file>
 
@@ -18319,9 +19565,18 @@
   <p:clrMapOvr>
     <a:masterClrMapping/>
   </p:clrMapOvr>
-  <p:transition>
-    <p:fade/>
-  </p:transition>
+  <mc:AlternateContent xmlns:mc="http://schemas.openxmlformats.org/markup-compatibility/2006">
+    <mc:Choice xmlns:p14="http://schemas.microsoft.com/office/powerpoint/2010/main" Requires="p14">
+      <p:transition p14:dur="300">
+        <p:fade/>
+      </p:transition>
+    </mc:Choice>
+    <mc:Fallback>
+      <p:transition>
+        <p:fade/>
+      </p:transition>
+    </mc:Fallback>
+  </mc:AlternateContent>
 </p:sld>
 </file>
 
@@ -18410,9 +19665,18 @@
   <p:clrMapOvr>
     <a:masterClrMapping/>
   </p:clrMapOvr>
-  <p:transition>
-    <p:fade/>
-  </p:transition>
+  <mc:AlternateContent xmlns:mc="http://schemas.openxmlformats.org/markup-compatibility/2006">
+    <mc:Choice xmlns:p14="http://schemas.microsoft.com/office/powerpoint/2010/main" Requires="p14">
+      <p:transition p14:dur="300">
+        <p:fade/>
+      </p:transition>
+    </mc:Choice>
+    <mc:Fallback>
+      <p:transition>
+        <p:fade/>
+      </p:transition>
+    </mc:Fallback>
+  </mc:AlternateContent>
 </p:sld>
 </file>
 
@@ -18521,9 +19785,18 @@
   <p:clrMapOvr>
     <a:masterClrMapping/>
   </p:clrMapOvr>
-  <p:transition>
-    <p:fade/>
-  </p:transition>
+  <mc:AlternateContent xmlns:mc="http://schemas.openxmlformats.org/markup-compatibility/2006">
+    <mc:Choice xmlns:p14="http://schemas.microsoft.com/office/powerpoint/2010/main" Requires="p14">
+      <p:transition p14:dur="300">
+        <p:fade/>
+      </p:transition>
+    </mc:Choice>
+    <mc:Fallback>
+      <p:transition>
+        <p:fade/>
+      </p:transition>
+    </mc:Fallback>
+  </mc:AlternateContent>
 </p:sld>
 </file>
 
@@ -18640,9 +19913,18 @@
   <p:clrMapOvr>
     <a:masterClrMapping/>
   </p:clrMapOvr>
-  <p:transition>
-    <p:fade/>
-  </p:transition>
+  <mc:AlternateContent xmlns:mc="http://schemas.openxmlformats.org/markup-compatibility/2006">
+    <mc:Choice xmlns:p14="http://schemas.microsoft.com/office/powerpoint/2010/main" Requires="p14">
+      <p:transition p14:dur="300">
+        <p:fade/>
+      </p:transition>
+    </mc:Choice>
+    <mc:Fallback>
+      <p:transition>
+        <p:fade/>
+      </p:transition>
+    </mc:Fallback>
+  </mc:AlternateContent>
 </p:sld>
 </file>
 
@@ -18732,9 +20014,18 @@
   <p:clrMapOvr>
     <a:masterClrMapping/>
   </p:clrMapOvr>
-  <p:transition>
-    <p:fade/>
-  </p:transition>
+  <mc:AlternateContent xmlns:mc="http://schemas.openxmlformats.org/markup-compatibility/2006">
+    <mc:Choice xmlns:p14="http://schemas.microsoft.com/office/powerpoint/2010/main" Requires="p14">
+      <p:transition p14:dur="300">
+        <p:fade/>
+      </p:transition>
+    </mc:Choice>
+    <mc:Fallback>
+      <p:transition>
+        <p:fade/>
+      </p:transition>
+    </mc:Fallback>
+  </mc:AlternateContent>
 </p:sld>
 </file>
 
@@ -18824,9 +20115,18 @@
   <p:clrMapOvr>
     <a:masterClrMapping/>
   </p:clrMapOvr>
-  <p:transition>
-    <p:fade/>
-  </p:transition>
+  <mc:AlternateContent xmlns:mc="http://schemas.openxmlformats.org/markup-compatibility/2006">
+    <mc:Choice xmlns:p14="http://schemas.microsoft.com/office/powerpoint/2010/main" Requires="p14">
+      <p:transition p14:dur="300">
+        <p:fade/>
+      </p:transition>
+    </mc:Choice>
+    <mc:Fallback>
+      <p:transition>
+        <p:fade/>
+      </p:transition>
+    </mc:Fallback>
+  </mc:AlternateContent>
 </p:sld>
 </file>
 
@@ -18911,9 +20211,18 @@
   <p:clrMapOvr>
     <a:masterClrMapping/>
   </p:clrMapOvr>
-  <p:transition>
-    <p:fade/>
-  </p:transition>
+  <mc:AlternateContent xmlns:mc="http://schemas.openxmlformats.org/markup-compatibility/2006">
+    <mc:Choice xmlns:p14="http://schemas.microsoft.com/office/powerpoint/2010/main" Requires="p14">
+      <p:transition p14:dur="300">
+        <p:fade/>
+      </p:transition>
+    </mc:Choice>
+    <mc:Fallback>
+      <p:transition>
+        <p:fade/>
+      </p:transition>
+    </mc:Fallback>
+  </mc:AlternateContent>
 </p:sld>
 </file>
 
@@ -19010,9 +20319,18 @@
   <p:clrMapOvr>
     <a:masterClrMapping/>
   </p:clrMapOvr>
-  <p:transition>
-    <p:fade/>
-  </p:transition>
+  <mc:AlternateContent xmlns:mc="http://schemas.openxmlformats.org/markup-compatibility/2006">
+    <mc:Choice xmlns:p14="http://schemas.microsoft.com/office/powerpoint/2010/main" Requires="p14">
+      <p:transition p14:dur="300">
+        <p:fade/>
+      </p:transition>
+    </mc:Choice>
+    <mc:Fallback>
+      <p:transition>
+        <p:fade/>
+      </p:transition>
+    </mc:Fallback>
+  </mc:AlternateContent>
 </p:sld>
 </file>
 
@@ -19101,9 +20419,18 @@
   <p:clrMapOvr>
     <a:masterClrMapping/>
   </p:clrMapOvr>
-  <p:transition>
-    <p:fade/>
-  </p:transition>
+  <mc:AlternateContent xmlns:mc="http://schemas.openxmlformats.org/markup-compatibility/2006">
+    <mc:Choice xmlns:p14="http://schemas.microsoft.com/office/powerpoint/2010/main" Requires="p14">
+      <p:transition p14:dur="300">
+        <p:fade/>
+      </p:transition>
+    </mc:Choice>
+    <mc:Fallback>
+      <p:transition>
+        <p:fade/>
+      </p:transition>
+    </mc:Fallback>
+  </mc:AlternateContent>
 </p:sld>
 </file>
 
@@ -19205,9 +20532,18 @@
   <p:clrMapOvr>
     <a:masterClrMapping/>
   </p:clrMapOvr>
-  <p:transition>
-    <p:fade/>
-  </p:transition>
+  <mc:AlternateContent xmlns:mc="http://schemas.openxmlformats.org/markup-compatibility/2006">
+    <mc:Choice xmlns:p14="http://schemas.microsoft.com/office/powerpoint/2010/main" Requires="p14">
+      <p:transition p14:dur="300">
+        <p:fade/>
+      </p:transition>
+    </mc:Choice>
+    <mc:Fallback>
+      <p:transition>
+        <p:fade/>
+      </p:transition>
+    </mc:Fallback>
+  </mc:AlternateContent>
 </p:sld>
 </file>
 

--- a/PPTs/Ziyarat Ashura.pptx
+++ b/PPTs/Ziyarat Ashura.pptx
@@ -329,7 +329,7 @@
           <a:p>
             <a:fld id="{5B83DBF1-9270-40B3-BB2B-D4CFAE2C1E62}" type="datetimeFigureOut">
               <a:rPr lang="en-US" smtClean="0"/>
-              <a:t>2/2/2024</a:t>
+              <a:t>7/9/2024</a:t>
             </a:fld>
             <a:endParaRPr lang="en-US"/>
           </a:p>
@@ -1054,13 +1054,13 @@
   <p:clrMapOvr>
     <a:masterClrMapping/>
   </p:clrMapOvr>
-  <mc:AlternateContent xmlns:mc="http://schemas.openxmlformats.org/markup-compatibility/2006">
-    <mc:Choice xmlns:p14="http://schemas.microsoft.com/office/powerpoint/2010/main" Requires="p14">
+  <mc:AlternateContent xmlns:mc="http://schemas.openxmlformats.org/markup-compatibility/2006" xmlns:p14="http://schemas.microsoft.com/office/powerpoint/2010/main">
+    <mc:Choice Requires="p14">
       <p:transition p14:dur="300">
         <p:fade/>
       </p:transition>
     </mc:Choice>
-    <mc:Fallback>
+    <mc:Fallback xmlns="">
       <p:transition>
         <p:fade/>
       </p:transition>
@@ -1216,13 +1216,13 @@
   <p:clrMapOvr>
     <a:masterClrMapping/>
   </p:clrMapOvr>
-  <mc:AlternateContent xmlns:mc="http://schemas.openxmlformats.org/markup-compatibility/2006">
-    <mc:Choice xmlns:p14="http://schemas.microsoft.com/office/powerpoint/2010/main" Requires="p14">
+  <mc:AlternateContent xmlns:mc="http://schemas.openxmlformats.org/markup-compatibility/2006" xmlns:p14="http://schemas.microsoft.com/office/powerpoint/2010/main">
+    <mc:Choice Requires="p14">
       <p:transition p14:dur="300">
         <p:fade/>
       </p:transition>
     </mc:Choice>
-    <mc:Fallback>
+    <mc:Fallback xmlns="">
       <p:transition>
         <p:fade/>
       </p:transition>
@@ -1542,13 +1542,13 @@
   <p:clrMapOvr>
     <a:masterClrMapping/>
   </p:clrMapOvr>
-  <mc:AlternateContent xmlns:mc="http://schemas.openxmlformats.org/markup-compatibility/2006">
-    <mc:Choice xmlns:p14="http://schemas.microsoft.com/office/powerpoint/2010/main" Requires="p14">
+  <mc:AlternateContent xmlns:mc="http://schemas.openxmlformats.org/markup-compatibility/2006" xmlns:p14="http://schemas.microsoft.com/office/powerpoint/2010/main">
+    <mc:Choice Requires="p14">
       <p:transition p14:dur="300">
         <p:fade/>
       </p:transition>
     </mc:Choice>
-    <mc:Fallback>
+    <mc:Fallback xmlns="">
       <p:transition>
         <p:fade/>
       </p:transition>
@@ -1846,13 +1846,13 @@
   <p:clrMapOvr>
     <a:masterClrMapping/>
   </p:clrMapOvr>
-  <mc:AlternateContent xmlns:mc="http://schemas.openxmlformats.org/markup-compatibility/2006">
-    <mc:Choice xmlns:p14="http://schemas.microsoft.com/office/powerpoint/2010/main" Requires="p14">
+  <mc:AlternateContent xmlns:mc="http://schemas.openxmlformats.org/markup-compatibility/2006" xmlns:p14="http://schemas.microsoft.com/office/powerpoint/2010/main">
+    <mc:Choice Requires="p14">
       <p:transition p14:dur="300">
         <p:fade/>
       </p:transition>
     </mc:Choice>
-    <mc:Fallback>
+    <mc:Fallback xmlns="">
       <p:transition>
         <p:fade/>
       </p:transition>
@@ -2085,13 +2085,13 @@
   <p:clrMapOvr>
     <a:masterClrMapping/>
   </p:clrMapOvr>
-  <mc:AlternateContent xmlns:mc="http://schemas.openxmlformats.org/markup-compatibility/2006">
-    <mc:Choice xmlns:p14="http://schemas.microsoft.com/office/powerpoint/2010/main" Requires="p14">
+  <mc:AlternateContent xmlns:mc="http://schemas.openxmlformats.org/markup-compatibility/2006" xmlns:p14="http://schemas.microsoft.com/office/powerpoint/2010/main">
+    <mc:Choice Requires="p14">
       <p:transition p14:dur="300">
         <p:fade/>
       </p:transition>
     </mc:Choice>
-    <mc:Fallback>
+    <mc:Fallback xmlns="">
       <p:transition>
         <p:fade/>
       </p:transition>
@@ -2334,13 +2334,13 @@
   <p:clrMapOvr>
     <a:masterClrMapping/>
   </p:clrMapOvr>
-  <mc:AlternateContent xmlns:mc="http://schemas.openxmlformats.org/markup-compatibility/2006">
-    <mc:Choice xmlns:p14="http://schemas.microsoft.com/office/powerpoint/2010/main" Requires="p14">
+  <mc:AlternateContent xmlns:mc="http://schemas.openxmlformats.org/markup-compatibility/2006" xmlns:p14="http://schemas.microsoft.com/office/powerpoint/2010/main">
+    <mc:Choice Requires="p14">
       <p:transition p14:dur="300">
         <p:fade/>
       </p:transition>
     </mc:Choice>
-    <mc:Fallback>
+    <mc:Fallback xmlns="">
       <p:transition>
         <p:fade/>
       </p:transition>
@@ -2469,13 +2469,13 @@
   <p:clrMapOvr>
     <a:masterClrMapping/>
   </p:clrMapOvr>
-  <mc:AlternateContent xmlns:mc="http://schemas.openxmlformats.org/markup-compatibility/2006">
-    <mc:Choice xmlns:p14="http://schemas.microsoft.com/office/powerpoint/2010/main" Requires="p14">
+  <mc:AlternateContent xmlns:mc="http://schemas.openxmlformats.org/markup-compatibility/2006" xmlns:p14="http://schemas.microsoft.com/office/powerpoint/2010/main">
+    <mc:Choice Requires="p14">
       <p:transition p14:dur="300">
         <p:fade/>
       </p:transition>
     </mc:Choice>
-    <mc:Fallback>
+    <mc:Fallback xmlns="">
       <p:transition>
         <p:fade/>
       </p:transition>
@@ -2560,13 +2560,13 @@
   <p:clrMapOvr>
     <a:masterClrMapping/>
   </p:clrMapOvr>
-  <mc:AlternateContent xmlns:mc="http://schemas.openxmlformats.org/markup-compatibility/2006">
-    <mc:Choice xmlns:p14="http://schemas.microsoft.com/office/powerpoint/2010/main" Requires="p14">
+  <mc:AlternateContent xmlns:mc="http://schemas.openxmlformats.org/markup-compatibility/2006" xmlns:p14="http://schemas.microsoft.com/office/powerpoint/2010/main">
+    <mc:Choice Requires="p14">
       <p:transition p14:dur="300">
         <p:fade/>
       </p:transition>
     </mc:Choice>
-    <mc:Fallback>
+    <mc:Fallback xmlns="">
       <p:transition>
         <p:fade/>
       </p:transition>
@@ -2738,13 +2738,13 @@
   <p:clrMapOvr>
     <a:masterClrMapping/>
   </p:clrMapOvr>
-  <mc:AlternateContent xmlns:mc="http://schemas.openxmlformats.org/markup-compatibility/2006">
-    <mc:Choice xmlns:p14="http://schemas.microsoft.com/office/powerpoint/2010/main" Requires="p14">
+  <mc:AlternateContent xmlns:mc="http://schemas.openxmlformats.org/markup-compatibility/2006" xmlns:p14="http://schemas.microsoft.com/office/powerpoint/2010/main">
+    <mc:Choice Requires="p14">
       <p:transition p14:dur="300">
         <p:fade/>
       </p:transition>
     </mc:Choice>
-    <mc:Fallback>
+    <mc:Fallback xmlns="">
       <p:transition>
         <p:fade/>
       </p:transition>
@@ -2979,13 +2979,13 @@
   <p:clrMapOvr>
     <a:masterClrMapping/>
   </p:clrMapOvr>
-  <mc:AlternateContent xmlns:mc="http://schemas.openxmlformats.org/markup-compatibility/2006">
-    <mc:Choice xmlns:p14="http://schemas.microsoft.com/office/powerpoint/2010/main" Requires="p14">
+  <mc:AlternateContent xmlns:mc="http://schemas.openxmlformats.org/markup-compatibility/2006" xmlns:p14="http://schemas.microsoft.com/office/powerpoint/2010/main">
+    <mc:Choice Requires="p14">
       <p:transition p14:dur="300">
         <p:fade/>
       </p:transition>
     </mc:Choice>
-    <mc:Fallback>
+    <mc:Fallback xmlns="">
       <p:transition>
         <p:fade/>
       </p:transition>
@@ -3234,13 +3234,13 @@
   <p:clrMapOvr>
     <a:masterClrMapping/>
   </p:clrMapOvr>
-  <mc:AlternateContent xmlns:mc="http://schemas.openxmlformats.org/markup-compatibility/2006">
-    <mc:Choice xmlns:p14="http://schemas.microsoft.com/office/powerpoint/2010/main" Requires="p14">
+  <mc:AlternateContent xmlns:mc="http://schemas.openxmlformats.org/markup-compatibility/2006" xmlns:p14="http://schemas.microsoft.com/office/powerpoint/2010/main">
+    <mc:Choice Requires="p14">
       <p:transition p14:dur="300">
         <p:fade/>
       </p:transition>
     </mc:Choice>
-    <mc:Fallback>
+    <mc:Fallback xmlns="">
       <p:transition>
         <p:fade/>
       </p:transition>
@@ -3492,13 +3492,13 @@
   <p:clrMapOvr>
     <a:masterClrMapping/>
   </p:clrMapOvr>
-  <mc:AlternateContent xmlns:mc="http://schemas.openxmlformats.org/markup-compatibility/2006">
-    <mc:Choice xmlns:p14="http://schemas.microsoft.com/office/powerpoint/2010/main" Requires="p14">
+  <mc:AlternateContent xmlns:mc="http://schemas.openxmlformats.org/markup-compatibility/2006" xmlns:p14="http://schemas.microsoft.com/office/powerpoint/2010/main">
+    <mc:Choice Requires="p14">
       <p:transition p14:dur="300">
         <p:fade/>
       </p:transition>
     </mc:Choice>
-    <mc:Fallback>
+    <mc:Fallback xmlns="">
       <p:transition>
         <p:fade/>
       </p:transition>
@@ -3832,13 +3832,13 @@
   <p:clrMapOvr>
     <a:masterClrMapping/>
   </p:clrMapOvr>
-  <mc:AlternateContent xmlns:mc="http://schemas.openxmlformats.org/markup-compatibility/2006">
-    <mc:Choice xmlns:p14="http://schemas.microsoft.com/office/powerpoint/2010/main" Requires="p14">
+  <mc:AlternateContent xmlns:mc="http://schemas.openxmlformats.org/markup-compatibility/2006" xmlns:p14="http://schemas.microsoft.com/office/powerpoint/2010/main">
+    <mc:Choice Requires="p14">
       <p:transition p14:dur="300">
         <p:fade/>
       </p:transition>
     </mc:Choice>
-    <mc:Fallback>
+    <mc:Fallback xmlns="">
       <p:transition>
         <p:fade/>
       </p:transition>
@@ -4302,13 +4302,13 @@
   <p:clrMapOvr>
     <a:masterClrMapping/>
   </p:clrMapOvr>
-  <mc:AlternateContent xmlns:mc="http://schemas.openxmlformats.org/markup-compatibility/2006">
-    <mc:Choice xmlns:p14="http://schemas.microsoft.com/office/powerpoint/2010/main" Requires="p14">
+  <mc:AlternateContent xmlns:mc="http://schemas.openxmlformats.org/markup-compatibility/2006" xmlns:p14="http://schemas.microsoft.com/office/powerpoint/2010/main">
+    <mc:Choice Requires="p14">
       <p:transition p14:dur="300">
         <p:fade/>
       </p:transition>
     </mc:Choice>
-    <mc:Fallback>
+    <mc:Fallback xmlns="">
       <p:transition>
         <p:fade/>
       </p:transition>
@@ -4474,13 +4474,13 @@
   <p:clrMapOvr>
     <a:masterClrMapping/>
   </p:clrMapOvr>
-  <mc:AlternateContent xmlns:mc="http://schemas.openxmlformats.org/markup-compatibility/2006">
-    <mc:Choice xmlns:p14="http://schemas.microsoft.com/office/powerpoint/2010/main" Requires="p14">
+  <mc:AlternateContent xmlns:mc="http://schemas.openxmlformats.org/markup-compatibility/2006" xmlns:p14="http://schemas.microsoft.com/office/powerpoint/2010/main">
+    <mc:Choice Requires="p14">
       <p:transition p14:dur="300">
         <p:fade/>
       </p:transition>
     </mc:Choice>
-    <mc:Fallback>
+    <mc:Fallback xmlns="">
       <p:transition>
         <p:fade/>
       </p:transition>
@@ -4735,13 +4735,13 @@
     <p:sldLayoutId id="2147483692" r:id="rId2"/>
     <p:sldLayoutId id="2147483693" r:id="rId3"/>
   </p:sldLayoutIdLst>
-  <mc:AlternateContent xmlns:mc="http://schemas.openxmlformats.org/markup-compatibility/2006">
-    <mc:Choice xmlns:p14="http://schemas.microsoft.com/office/powerpoint/2010/main" Requires="p14">
+  <mc:AlternateContent xmlns:mc="http://schemas.openxmlformats.org/markup-compatibility/2006" xmlns:p14="http://schemas.microsoft.com/office/powerpoint/2010/main">
+    <mc:Choice Requires="p14">
       <p:transition p14:dur="300">
         <p:fade/>
       </p:transition>
     </mc:Choice>
-    <mc:Fallback>
+    <mc:Fallback xmlns="">
       <p:transition>
         <p:fade/>
       </p:transition>
@@ -5634,13 +5634,13 @@
     <p:sldLayoutId id="2147483705" r:id="rId11"/>
     <p:sldLayoutId id="2147483706" r:id="rId12"/>
   </p:sldLayoutIdLst>
-  <mc:AlternateContent xmlns:mc="http://schemas.openxmlformats.org/markup-compatibility/2006">
-    <mc:Choice xmlns:p14="http://schemas.microsoft.com/office/powerpoint/2010/main" Requires="p14">
+  <mc:AlternateContent xmlns:mc="http://schemas.openxmlformats.org/markup-compatibility/2006" xmlns:p14="http://schemas.microsoft.com/office/powerpoint/2010/main">
+    <mc:Choice Requires="p14">
       <p:transition p14:dur="300">
         <p:fade/>
       </p:transition>
     </mc:Choice>
-    <mc:Fallback>
+    <mc:Fallback xmlns="">
       <p:transition>
         <p:fade/>
       </p:transition>
@@ -6075,19 +6075,19 @@
             </a:extLst>
           </p:cNvPr>
           <p:cNvPicPr>
-            <a:picLocks noGrp="1" noRot="1" noChangeAspect="1" noMove="1" noResize="1" noEditPoints="1" noAdjustHandles="1" noChangeArrowheads="1" noChangeShapeType="1" noCrop="1"/>
+            <a:picLocks noChangeAspect="1"/>
           </p:cNvPicPr>
           <p:nvPr/>
         </p:nvPicPr>
         <p:blipFill rotWithShape="1">
           <a:blip r:embed="rId2"/>
-          <a:srcRect l="24690" r="27248" b="16665"/>
+          <a:srcRect l="10784" t="12799" r="27248" b="11727"/>
           <a:stretch/>
         </p:blipFill>
         <p:spPr>
           <a:xfrm>
-            <a:off x="7248128" y="-1"/>
-            <a:ext cx="4943872" cy="6858001"/>
+            <a:off x="5162550" y="0"/>
+            <a:ext cx="7029450" cy="6849289"/>
           </a:xfrm>
           <a:prstGeom prst="rect">
             <a:avLst/>
@@ -6430,7 +6430,7 @@
         </p:nvSpPr>
         <p:spPr>
           <a:xfrm>
-            <a:off x="8421468" y="5713181"/>
+            <a:off x="8116059" y="5507547"/>
             <a:ext cx="3328784" cy="781689"/>
           </a:xfrm>
           <a:prstGeom prst="rect">
@@ -6462,6 +6462,23 @@
               <a:defRPr/>
             </a:pPr>
             <a:r>
+              <a:rPr kumimoji="0" lang="ur-PK" sz="2000" b="0" i="0" u="none" strike="noStrike" kern="1200" cap="none" spc="0" normalizeH="0" baseline="0" noProof="0" dirty="0" err="1">
+                <a:ln>
+                  <a:noFill/>
+                </a:ln>
+                <a:solidFill>
+                  <a:srgbClr val="F4E1C4"/>
+                </a:solidFill>
+                <a:effectLst/>
+                <a:uLnTx/>
+                <a:uFillTx/>
+                <a:latin typeface="Abbas" panose="02000000000000000000" pitchFamily="2" charset="-78"/>
+                <a:ea typeface="+mn-ea"/>
+                <a:cs typeface="Abbas" panose="02000000000000000000" pitchFamily="2" charset="-78"/>
+              </a:rPr>
+              <a:t>إِنَّهُمْ</a:t>
+            </a:r>
+            <a:r>
               <a:rPr kumimoji="0" lang="ur-PK" sz="2000" b="0" i="0" u="none" strike="noStrike" kern="1200" cap="none" spc="0" normalizeH="0" baseline="0" noProof="0" dirty="0">
                 <a:ln>
                   <a:noFill/>
@@ -6476,7 +6493,126 @@
                 <a:ea typeface="+mn-ea"/>
                 <a:cs typeface="Abbas" panose="02000000000000000000" pitchFamily="2" charset="-78"/>
               </a:rPr>
-              <a:t>إِنَّهُمْ يَرَوْنَهُ بَعِيداً وَنَرَاهُ قَرِيباً</a:t>
+              <a:t> </a:t>
+            </a:r>
+            <a:r>
+              <a:rPr kumimoji="0" lang="ur-PK" sz="2000" b="0" i="0" u="none" strike="noStrike" kern="1200" cap="none" spc="0" normalizeH="0" baseline="0" noProof="0" dirty="0" err="1">
+                <a:ln>
+                  <a:noFill/>
+                </a:ln>
+                <a:solidFill>
+                  <a:srgbClr val="F4E1C4"/>
+                </a:solidFill>
+                <a:effectLst/>
+                <a:uLnTx/>
+                <a:uFillTx/>
+                <a:latin typeface="Abbas" panose="02000000000000000000" pitchFamily="2" charset="-78"/>
+                <a:ea typeface="+mn-ea"/>
+                <a:cs typeface="Abbas" panose="02000000000000000000" pitchFamily="2" charset="-78"/>
+              </a:rPr>
+              <a:t>يَرَوْنَهُ</a:t>
+            </a:r>
+            <a:r>
+              <a:rPr kumimoji="0" lang="ur-PK" sz="2000" b="0" i="0" u="none" strike="noStrike" kern="1200" cap="none" spc="0" normalizeH="0" baseline="0" noProof="0" dirty="0">
+                <a:ln>
+                  <a:noFill/>
+                </a:ln>
+                <a:solidFill>
+                  <a:srgbClr val="F4E1C4"/>
+                </a:solidFill>
+                <a:effectLst/>
+                <a:uLnTx/>
+                <a:uFillTx/>
+                <a:latin typeface="Abbas" panose="02000000000000000000" pitchFamily="2" charset="-78"/>
+                <a:ea typeface="+mn-ea"/>
+                <a:cs typeface="Abbas" panose="02000000000000000000" pitchFamily="2" charset="-78"/>
+              </a:rPr>
+              <a:t> </a:t>
+            </a:r>
+            <a:r>
+              <a:rPr kumimoji="0" lang="ur-PK" sz="2000" b="0" i="0" u="none" strike="noStrike" kern="1200" cap="none" spc="0" normalizeH="0" baseline="0" noProof="0" dirty="0" err="1">
+                <a:ln>
+                  <a:noFill/>
+                </a:ln>
+                <a:solidFill>
+                  <a:srgbClr val="F4E1C4"/>
+                </a:solidFill>
+                <a:effectLst/>
+                <a:uLnTx/>
+                <a:uFillTx/>
+                <a:latin typeface="Abbas" panose="02000000000000000000" pitchFamily="2" charset="-78"/>
+                <a:ea typeface="+mn-ea"/>
+                <a:cs typeface="Abbas" panose="02000000000000000000" pitchFamily="2" charset="-78"/>
+              </a:rPr>
+              <a:t>بَعِيداً</a:t>
+            </a:r>
+            <a:r>
+              <a:rPr kumimoji="0" lang="ur-PK" sz="2000" b="0" i="0" u="none" strike="noStrike" kern="1200" cap="none" spc="0" normalizeH="0" baseline="0" noProof="0" dirty="0">
+                <a:ln>
+                  <a:noFill/>
+                </a:ln>
+                <a:solidFill>
+                  <a:srgbClr val="F4E1C4"/>
+                </a:solidFill>
+                <a:effectLst/>
+                <a:uLnTx/>
+                <a:uFillTx/>
+                <a:latin typeface="Abbas" panose="02000000000000000000" pitchFamily="2" charset="-78"/>
+                <a:ea typeface="+mn-ea"/>
+                <a:cs typeface="Abbas" panose="02000000000000000000" pitchFamily="2" charset="-78"/>
+              </a:rPr>
+              <a:t> </a:t>
+            </a:r>
+            <a:r>
+              <a:rPr kumimoji="0" lang="ur-PK" sz="2000" b="0" i="0" u="none" strike="noStrike" kern="1200" cap="none" spc="0" normalizeH="0" baseline="0" noProof="0" dirty="0" err="1">
+                <a:ln>
+                  <a:noFill/>
+                </a:ln>
+                <a:solidFill>
+                  <a:srgbClr val="F4E1C4"/>
+                </a:solidFill>
+                <a:effectLst/>
+                <a:uLnTx/>
+                <a:uFillTx/>
+                <a:latin typeface="Abbas" panose="02000000000000000000" pitchFamily="2" charset="-78"/>
+                <a:ea typeface="+mn-ea"/>
+                <a:cs typeface="Abbas" panose="02000000000000000000" pitchFamily="2" charset="-78"/>
+              </a:rPr>
+              <a:t>وَنَرَاهُ</a:t>
+            </a:r>
+            <a:r>
+              <a:rPr kumimoji="0" lang="ur-PK" sz="2000" b="0" i="0" u="none" strike="noStrike" kern="1200" cap="none" spc="0" normalizeH="0" baseline="0" noProof="0" dirty="0">
+                <a:ln>
+                  <a:noFill/>
+                </a:ln>
+                <a:solidFill>
+                  <a:srgbClr val="F4E1C4"/>
+                </a:solidFill>
+                <a:effectLst/>
+                <a:uLnTx/>
+                <a:uFillTx/>
+                <a:latin typeface="Abbas" panose="02000000000000000000" pitchFamily="2" charset="-78"/>
+                <a:ea typeface="+mn-ea"/>
+                <a:cs typeface="Abbas" panose="02000000000000000000" pitchFamily="2" charset="-78"/>
+              </a:rPr>
+              <a:t> </a:t>
+            </a:r>
+            <a:r>
+              <a:rPr kumimoji="0" lang="ur-PK" sz="2000" b="0" i="0" u="none" strike="noStrike" kern="1200" cap="none" spc="0" normalizeH="0" baseline="0" noProof="0" dirty="0" err="1">
+                <a:ln>
+                  <a:noFill/>
+                </a:ln>
+                <a:solidFill>
+                  <a:srgbClr val="F4E1C4"/>
+                </a:solidFill>
+                <a:effectLst/>
+                <a:uLnTx/>
+                <a:uFillTx/>
+                <a:latin typeface="Abbas" panose="02000000000000000000" pitchFamily="2" charset="-78"/>
+                <a:ea typeface="+mn-ea"/>
+                <a:cs typeface="Abbas" panose="02000000000000000000" pitchFamily="2" charset="-78"/>
+              </a:rPr>
+              <a:t>قَرِيباً</a:t>
             </a:r>
             <a:endParaRPr kumimoji="0" lang="en-CA" sz="2000" b="0" i="0" u="none" strike="noStrike" kern="1200" cap="none" spc="0" normalizeH="0" baseline="0" noProof="0" dirty="0">
               <a:ln>
@@ -6572,13 +6708,13 @@
   <p:clrMapOvr>
     <a:masterClrMapping/>
   </p:clrMapOvr>
-  <mc:AlternateContent xmlns:mc="http://schemas.openxmlformats.org/markup-compatibility/2006">
-    <mc:Choice xmlns:p14="http://schemas.microsoft.com/office/powerpoint/2010/main" Requires="p14">
+  <mc:AlternateContent xmlns:mc="http://schemas.openxmlformats.org/markup-compatibility/2006" xmlns:p14="http://schemas.microsoft.com/office/powerpoint/2010/main">
+    <mc:Choice Requires="p14">
       <p:transition p14:dur="300">
         <p:fade/>
       </p:transition>
     </mc:Choice>
-    <mc:Fallback>
+    <mc:Fallback xmlns="">
       <p:transition>
         <p:fade/>
       </p:transition>
@@ -6684,13 +6820,13 @@
   <p:clrMapOvr>
     <a:masterClrMapping/>
   </p:clrMapOvr>
-  <mc:AlternateContent xmlns:mc="http://schemas.openxmlformats.org/markup-compatibility/2006">
-    <mc:Choice xmlns:p14="http://schemas.microsoft.com/office/powerpoint/2010/main" Requires="p14">
+  <mc:AlternateContent xmlns:mc="http://schemas.openxmlformats.org/markup-compatibility/2006" xmlns:p14="http://schemas.microsoft.com/office/powerpoint/2010/main">
+    <mc:Choice Requires="p14">
       <p:transition p14:dur="300">
         <p:fade/>
       </p:transition>
     </mc:Choice>
-    <mc:Fallback>
+    <mc:Fallback xmlns="">
       <p:transition>
         <p:fade/>
       </p:transition>
@@ -6788,13 +6924,13 @@
   <p:clrMapOvr>
     <a:masterClrMapping/>
   </p:clrMapOvr>
-  <mc:AlternateContent xmlns:mc="http://schemas.openxmlformats.org/markup-compatibility/2006">
-    <mc:Choice xmlns:p14="http://schemas.microsoft.com/office/powerpoint/2010/main" Requires="p14">
+  <mc:AlternateContent xmlns:mc="http://schemas.openxmlformats.org/markup-compatibility/2006" xmlns:p14="http://schemas.microsoft.com/office/powerpoint/2010/main">
+    <mc:Choice Requires="p14">
       <p:transition p14:dur="300">
         <p:fade/>
       </p:transition>
     </mc:Choice>
-    <mc:Fallback>
+    <mc:Fallback xmlns="">
       <p:transition>
         <p:fade/>
       </p:transition>
@@ -6884,13 +7020,13 @@
   <p:clrMapOvr>
     <a:masterClrMapping/>
   </p:clrMapOvr>
-  <mc:AlternateContent xmlns:mc="http://schemas.openxmlformats.org/markup-compatibility/2006">
-    <mc:Choice xmlns:p14="http://schemas.microsoft.com/office/powerpoint/2010/main" Requires="p14">
+  <mc:AlternateContent xmlns:mc="http://schemas.openxmlformats.org/markup-compatibility/2006" xmlns:p14="http://schemas.microsoft.com/office/powerpoint/2010/main">
+    <mc:Choice Requires="p14">
       <p:transition p14:dur="300">
         <p:fade/>
       </p:transition>
     </mc:Choice>
-    <mc:Fallback>
+    <mc:Fallback xmlns="">
       <p:transition>
         <p:fade/>
       </p:transition>
@@ -6980,13 +7116,13 @@
   <p:clrMapOvr>
     <a:masterClrMapping/>
   </p:clrMapOvr>
-  <mc:AlternateContent xmlns:mc="http://schemas.openxmlformats.org/markup-compatibility/2006">
-    <mc:Choice xmlns:p14="http://schemas.microsoft.com/office/powerpoint/2010/main" Requires="p14">
+  <mc:AlternateContent xmlns:mc="http://schemas.openxmlformats.org/markup-compatibility/2006" xmlns:p14="http://schemas.microsoft.com/office/powerpoint/2010/main">
+    <mc:Choice Requires="p14">
       <p:transition p14:dur="300">
         <p:fade/>
       </p:transition>
     </mc:Choice>
-    <mc:Fallback>
+    <mc:Fallback xmlns="">
       <p:transition>
         <p:fade/>
       </p:transition>
@@ -7110,13 +7246,13 @@
   <p:clrMapOvr>
     <a:masterClrMapping/>
   </p:clrMapOvr>
-  <mc:AlternateContent xmlns:mc="http://schemas.openxmlformats.org/markup-compatibility/2006">
-    <mc:Choice xmlns:p14="http://schemas.microsoft.com/office/powerpoint/2010/main" Requires="p14">
+  <mc:AlternateContent xmlns:mc="http://schemas.openxmlformats.org/markup-compatibility/2006" xmlns:p14="http://schemas.microsoft.com/office/powerpoint/2010/main">
+    <mc:Choice Requires="p14">
       <p:transition p14:dur="300">
         <p:fade/>
       </p:transition>
     </mc:Choice>
-    <mc:Fallback>
+    <mc:Fallback xmlns="">
       <p:transition>
         <p:fade/>
       </p:transition>
@@ -7206,13 +7342,13 @@
   <p:clrMapOvr>
     <a:masterClrMapping/>
   </p:clrMapOvr>
-  <mc:AlternateContent xmlns:mc="http://schemas.openxmlformats.org/markup-compatibility/2006">
-    <mc:Choice xmlns:p14="http://schemas.microsoft.com/office/powerpoint/2010/main" Requires="p14">
+  <mc:AlternateContent xmlns:mc="http://schemas.openxmlformats.org/markup-compatibility/2006" xmlns:p14="http://schemas.microsoft.com/office/powerpoint/2010/main">
+    <mc:Choice Requires="p14">
       <p:transition p14:dur="300">
         <p:fade/>
       </p:transition>
     </mc:Choice>
-    <mc:Fallback>
+    <mc:Fallback xmlns="">
       <p:transition>
         <p:fade/>
       </p:transition>
@@ -7310,13 +7446,13 @@
   <p:clrMapOvr>
     <a:masterClrMapping/>
   </p:clrMapOvr>
-  <mc:AlternateContent xmlns:mc="http://schemas.openxmlformats.org/markup-compatibility/2006">
-    <mc:Choice xmlns:p14="http://schemas.microsoft.com/office/powerpoint/2010/main" Requires="p14">
+  <mc:AlternateContent xmlns:mc="http://schemas.openxmlformats.org/markup-compatibility/2006" xmlns:p14="http://schemas.microsoft.com/office/powerpoint/2010/main">
+    <mc:Choice Requires="p14">
       <p:transition p14:dur="300">
         <p:fade/>
       </p:transition>
     </mc:Choice>
-    <mc:Fallback>
+    <mc:Fallback xmlns="">
       <p:transition>
         <p:fade/>
       </p:transition>
@@ -7411,13 +7547,13 @@
   <p:clrMapOvr>
     <a:masterClrMapping/>
   </p:clrMapOvr>
-  <mc:AlternateContent xmlns:mc="http://schemas.openxmlformats.org/markup-compatibility/2006">
-    <mc:Choice xmlns:p14="http://schemas.microsoft.com/office/powerpoint/2010/main" Requires="p14">
+  <mc:AlternateContent xmlns:mc="http://schemas.openxmlformats.org/markup-compatibility/2006" xmlns:p14="http://schemas.microsoft.com/office/powerpoint/2010/main">
+    <mc:Choice Requires="p14">
       <p:transition p14:dur="300">
         <p:fade/>
       </p:transition>
     </mc:Choice>
-    <mc:Fallback>
+    <mc:Fallback xmlns="">
       <p:transition>
         <p:fade/>
       </p:transition>
@@ -7523,13 +7659,13 @@
   <p:clrMapOvr>
     <a:masterClrMapping/>
   </p:clrMapOvr>
-  <mc:AlternateContent xmlns:mc="http://schemas.openxmlformats.org/markup-compatibility/2006">
-    <mc:Choice xmlns:p14="http://schemas.microsoft.com/office/powerpoint/2010/main" Requires="p14">
+  <mc:AlternateContent xmlns:mc="http://schemas.openxmlformats.org/markup-compatibility/2006" xmlns:p14="http://schemas.microsoft.com/office/powerpoint/2010/main">
+    <mc:Choice Requires="p14">
       <p:transition p14:dur="300">
         <p:fade/>
       </p:transition>
     </mc:Choice>
-    <mc:Fallback>
+    <mc:Fallback xmlns="">
       <p:transition>
         <p:fade/>
       </p:transition>
@@ -7627,13 +7763,13 @@
   <p:clrMapOvr>
     <a:masterClrMapping/>
   </p:clrMapOvr>
-  <mc:AlternateContent xmlns:mc="http://schemas.openxmlformats.org/markup-compatibility/2006">
-    <mc:Choice xmlns:p14="http://schemas.microsoft.com/office/powerpoint/2010/main" Requires="p14">
+  <mc:AlternateContent xmlns:mc="http://schemas.openxmlformats.org/markup-compatibility/2006" xmlns:p14="http://schemas.microsoft.com/office/powerpoint/2010/main">
+    <mc:Choice Requires="p14">
       <p:transition p14:dur="300">
         <p:fade/>
       </p:transition>
     </mc:Choice>
-    <mc:Fallback>
+    <mc:Fallback xmlns="">
       <p:transition>
         <p:fade/>
       </p:transition>
@@ -7736,13 +7872,13 @@
   <p:clrMapOvr>
     <a:masterClrMapping/>
   </p:clrMapOvr>
-  <mc:AlternateContent xmlns:mc="http://schemas.openxmlformats.org/markup-compatibility/2006">
-    <mc:Choice xmlns:p14="http://schemas.microsoft.com/office/powerpoint/2010/main" Requires="p14">
+  <mc:AlternateContent xmlns:mc="http://schemas.openxmlformats.org/markup-compatibility/2006" xmlns:p14="http://schemas.microsoft.com/office/powerpoint/2010/main">
+    <mc:Choice Requires="p14">
       <p:transition p14:dur="300">
         <p:fade/>
       </p:transition>
     </mc:Choice>
-    <mc:Fallback>
+    <mc:Fallback xmlns="">
       <p:transition>
         <p:fade/>
       </p:transition>
@@ -7845,13 +7981,13 @@
   <p:clrMapOvr>
     <a:masterClrMapping/>
   </p:clrMapOvr>
-  <mc:AlternateContent xmlns:mc="http://schemas.openxmlformats.org/markup-compatibility/2006">
-    <mc:Choice xmlns:p14="http://schemas.microsoft.com/office/powerpoint/2010/main" Requires="p14">
+  <mc:AlternateContent xmlns:mc="http://schemas.openxmlformats.org/markup-compatibility/2006" xmlns:p14="http://schemas.microsoft.com/office/powerpoint/2010/main">
+    <mc:Choice Requires="p14">
       <p:transition p14:dur="300">
         <p:fade/>
       </p:transition>
     </mc:Choice>
-    <mc:Fallback>
+    <mc:Fallback xmlns="">
       <p:transition>
         <p:fade/>
       </p:transition>
@@ -7957,13 +8093,13 @@
   <p:clrMapOvr>
     <a:masterClrMapping/>
   </p:clrMapOvr>
-  <mc:AlternateContent xmlns:mc="http://schemas.openxmlformats.org/markup-compatibility/2006">
-    <mc:Choice xmlns:p14="http://schemas.microsoft.com/office/powerpoint/2010/main" Requires="p14">
+  <mc:AlternateContent xmlns:mc="http://schemas.openxmlformats.org/markup-compatibility/2006" xmlns:p14="http://schemas.microsoft.com/office/powerpoint/2010/main">
+    <mc:Choice Requires="p14">
       <p:transition p14:dur="300">
         <p:fade/>
       </p:transition>
     </mc:Choice>
-    <mc:Fallback>
+    <mc:Fallback xmlns="">
       <p:transition>
         <p:fade/>
       </p:transition>
@@ -8066,13 +8202,13 @@
   <p:clrMapOvr>
     <a:masterClrMapping/>
   </p:clrMapOvr>
-  <mc:AlternateContent xmlns:mc="http://schemas.openxmlformats.org/markup-compatibility/2006">
-    <mc:Choice xmlns:p14="http://schemas.microsoft.com/office/powerpoint/2010/main" Requires="p14">
+  <mc:AlternateContent xmlns:mc="http://schemas.openxmlformats.org/markup-compatibility/2006" xmlns:p14="http://schemas.microsoft.com/office/powerpoint/2010/main">
+    <mc:Choice Requires="p14">
       <p:transition p14:dur="300">
         <p:fade/>
       </p:transition>
     </mc:Choice>
-    <mc:Fallback>
+    <mc:Fallback xmlns="">
       <p:transition>
         <p:fade/>
       </p:transition>
@@ -8175,13 +8311,13 @@
   <p:clrMapOvr>
     <a:masterClrMapping/>
   </p:clrMapOvr>
-  <mc:AlternateContent xmlns:mc="http://schemas.openxmlformats.org/markup-compatibility/2006">
-    <mc:Choice xmlns:p14="http://schemas.microsoft.com/office/powerpoint/2010/main" Requires="p14">
+  <mc:AlternateContent xmlns:mc="http://schemas.openxmlformats.org/markup-compatibility/2006" xmlns:p14="http://schemas.microsoft.com/office/powerpoint/2010/main">
+    <mc:Choice Requires="p14">
       <p:transition p14:dur="300">
         <p:fade/>
       </p:transition>
     </mc:Choice>
-    <mc:Fallback>
+    <mc:Fallback xmlns="">
       <p:transition>
         <p:fade/>
       </p:transition>
@@ -8292,13 +8428,13 @@
   <p:clrMapOvr>
     <a:masterClrMapping/>
   </p:clrMapOvr>
-  <mc:AlternateContent xmlns:mc="http://schemas.openxmlformats.org/markup-compatibility/2006">
-    <mc:Choice xmlns:p14="http://schemas.microsoft.com/office/powerpoint/2010/main" Requires="p14">
+  <mc:AlternateContent xmlns:mc="http://schemas.openxmlformats.org/markup-compatibility/2006" xmlns:p14="http://schemas.microsoft.com/office/powerpoint/2010/main">
+    <mc:Choice Requires="p14">
       <p:transition p14:dur="300">
         <p:fade/>
       </p:transition>
     </mc:Choice>
-    <mc:Fallback>
+    <mc:Fallback xmlns="">
       <p:transition>
         <p:fade/>
       </p:transition>
@@ -8401,13 +8537,13 @@
   <p:clrMapOvr>
     <a:masterClrMapping/>
   </p:clrMapOvr>
-  <mc:AlternateContent xmlns:mc="http://schemas.openxmlformats.org/markup-compatibility/2006">
-    <mc:Choice xmlns:p14="http://schemas.microsoft.com/office/powerpoint/2010/main" Requires="p14">
+  <mc:AlternateContent xmlns:mc="http://schemas.openxmlformats.org/markup-compatibility/2006" xmlns:p14="http://schemas.microsoft.com/office/powerpoint/2010/main">
+    <mc:Choice Requires="p14">
       <p:transition p14:dur="300">
         <p:fade/>
       </p:transition>
     </mc:Choice>
-    <mc:Fallback>
+    <mc:Fallback xmlns="">
       <p:transition>
         <p:fade/>
       </p:transition>
@@ -8505,13 +8641,13 @@
   <p:clrMapOvr>
     <a:masterClrMapping/>
   </p:clrMapOvr>
-  <mc:AlternateContent xmlns:mc="http://schemas.openxmlformats.org/markup-compatibility/2006">
-    <mc:Choice xmlns:p14="http://schemas.microsoft.com/office/powerpoint/2010/main" Requires="p14">
+  <mc:AlternateContent xmlns:mc="http://schemas.openxmlformats.org/markup-compatibility/2006" xmlns:p14="http://schemas.microsoft.com/office/powerpoint/2010/main">
+    <mc:Choice Requires="p14">
       <p:transition p14:dur="300">
         <p:fade/>
       </p:transition>
     </mc:Choice>
-    <mc:Fallback>
+    <mc:Fallback xmlns="">
       <p:transition>
         <p:fade/>
       </p:transition>
@@ -8605,13 +8741,13 @@
   <p:clrMapOvr>
     <a:masterClrMapping/>
   </p:clrMapOvr>
-  <mc:AlternateContent xmlns:mc="http://schemas.openxmlformats.org/markup-compatibility/2006">
-    <mc:Choice xmlns:p14="http://schemas.microsoft.com/office/powerpoint/2010/main" Requires="p14">
+  <mc:AlternateContent xmlns:mc="http://schemas.openxmlformats.org/markup-compatibility/2006" xmlns:p14="http://schemas.microsoft.com/office/powerpoint/2010/main">
+    <mc:Choice Requires="p14">
       <p:transition p14:dur="300">
         <p:fade/>
       </p:transition>
     </mc:Choice>
-    <mc:Fallback>
+    <mc:Fallback xmlns="">
       <p:transition>
         <p:fade/>
       </p:transition>
@@ -8738,13 +8874,13 @@
   <p:clrMapOvr>
     <a:masterClrMapping/>
   </p:clrMapOvr>
-  <mc:AlternateContent xmlns:mc="http://schemas.openxmlformats.org/markup-compatibility/2006">
-    <mc:Choice xmlns:p14="http://schemas.microsoft.com/office/powerpoint/2010/main" Requires="p14">
+  <mc:AlternateContent xmlns:mc="http://schemas.openxmlformats.org/markup-compatibility/2006" xmlns:p14="http://schemas.microsoft.com/office/powerpoint/2010/main">
+    <mc:Choice Requires="p14">
       <p:transition p14:dur="300">
         <p:fade/>
       </p:transition>
     </mc:Choice>
-    <mc:Fallback>
+    <mc:Fallback xmlns="">
       <p:transition>
         <p:fade/>
       </p:transition>
@@ -8842,13 +8978,13 @@
   <p:clrMapOvr>
     <a:masterClrMapping/>
   </p:clrMapOvr>
-  <mc:AlternateContent xmlns:mc="http://schemas.openxmlformats.org/markup-compatibility/2006">
-    <mc:Choice xmlns:p14="http://schemas.microsoft.com/office/powerpoint/2010/main" Requires="p14">
+  <mc:AlternateContent xmlns:mc="http://schemas.openxmlformats.org/markup-compatibility/2006" xmlns:p14="http://schemas.microsoft.com/office/powerpoint/2010/main">
+    <mc:Choice Requires="p14">
       <p:transition p14:dur="300">
         <p:fade/>
       </p:transition>
     </mc:Choice>
-    <mc:Fallback>
+    <mc:Fallback xmlns="">
       <p:transition>
         <p:fade/>
       </p:transition>
@@ -8974,13 +9110,13 @@
   <p:clrMapOvr>
     <a:masterClrMapping/>
   </p:clrMapOvr>
-  <mc:AlternateContent xmlns:mc="http://schemas.openxmlformats.org/markup-compatibility/2006">
-    <mc:Choice xmlns:p14="http://schemas.microsoft.com/office/powerpoint/2010/main" Requires="p14">
+  <mc:AlternateContent xmlns:mc="http://schemas.openxmlformats.org/markup-compatibility/2006" xmlns:p14="http://schemas.microsoft.com/office/powerpoint/2010/main">
+    <mc:Choice Requires="p14">
       <p:transition p14:dur="300">
         <p:fade/>
       </p:transition>
     </mc:Choice>
-    <mc:Fallback>
+    <mc:Fallback xmlns="">
       <p:transition>
         <p:fade/>
       </p:transition>
@@ -9083,13 +9219,13 @@
   <p:clrMapOvr>
     <a:masterClrMapping/>
   </p:clrMapOvr>
-  <mc:AlternateContent xmlns:mc="http://schemas.openxmlformats.org/markup-compatibility/2006">
-    <mc:Choice xmlns:p14="http://schemas.microsoft.com/office/powerpoint/2010/main" Requires="p14">
+  <mc:AlternateContent xmlns:mc="http://schemas.openxmlformats.org/markup-compatibility/2006" xmlns:p14="http://schemas.microsoft.com/office/powerpoint/2010/main">
+    <mc:Choice Requires="p14">
       <p:transition p14:dur="300">
         <p:fade/>
       </p:transition>
     </mc:Choice>
-    <mc:Fallback>
+    <mc:Fallback xmlns="">
       <p:transition>
         <p:fade/>
       </p:transition>
@@ -9187,13 +9323,13 @@
   <p:clrMapOvr>
     <a:masterClrMapping/>
   </p:clrMapOvr>
-  <mc:AlternateContent xmlns:mc="http://schemas.openxmlformats.org/markup-compatibility/2006">
-    <mc:Choice xmlns:p14="http://schemas.microsoft.com/office/powerpoint/2010/main" Requires="p14">
+  <mc:AlternateContent xmlns:mc="http://schemas.openxmlformats.org/markup-compatibility/2006" xmlns:p14="http://schemas.microsoft.com/office/powerpoint/2010/main">
+    <mc:Choice Requires="p14">
       <p:transition p14:dur="300">
         <p:fade/>
       </p:transition>
     </mc:Choice>
-    <mc:Fallback>
+    <mc:Fallback xmlns="">
       <p:transition>
         <p:fade/>
       </p:transition>
@@ -9291,13 +9427,13 @@
   <p:clrMapOvr>
     <a:masterClrMapping/>
   </p:clrMapOvr>
-  <mc:AlternateContent xmlns:mc="http://schemas.openxmlformats.org/markup-compatibility/2006">
-    <mc:Choice xmlns:p14="http://schemas.microsoft.com/office/powerpoint/2010/main" Requires="p14">
+  <mc:AlternateContent xmlns:mc="http://schemas.openxmlformats.org/markup-compatibility/2006" xmlns:p14="http://schemas.microsoft.com/office/powerpoint/2010/main">
+    <mc:Choice Requires="p14">
       <p:transition p14:dur="300">
         <p:fade/>
       </p:transition>
     </mc:Choice>
-    <mc:Fallback>
+    <mc:Fallback xmlns="">
       <p:transition>
         <p:fade/>
       </p:transition>
@@ -9392,13 +9528,13 @@
   <p:clrMapOvr>
     <a:masterClrMapping/>
   </p:clrMapOvr>
-  <mc:AlternateContent xmlns:mc="http://schemas.openxmlformats.org/markup-compatibility/2006">
-    <mc:Choice xmlns:p14="http://schemas.microsoft.com/office/powerpoint/2010/main" Requires="p14">
+  <mc:AlternateContent xmlns:mc="http://schemas.openxmlformats.org/markup-compatibility/2006" xmlns:p14="http://schemas.microsoft.com/office/powerpoint/2010/main">
+    <mc:Choice Requires="p14">
       <p:transition p14:dur="300">
         <p:fade/>
       </p:transition>
     </mc:Choice>
-    <mc:Fallback>
+    <mc:Fallback xmlns="">
       <p:transition>
         <p:fade/>
       </p:transition>
@@ -9493,13 +9629,13 @@
   <p:clrMapOvr>
     <a:masterClrMapping/>
   </p:clrMapOvr>
-  <mc:AlternateContent xmlns:mc="http://schemas.openxmlformats.org/markup-compatibility/2006">
-    <mc:Choice xmlns:p14="http://schemas.microsoft.com/office/powerpoint/2010/main" Requires="p14">
+  <mc:AlternateContent xmlns:mc="http://schemas.openxmlformats.org/markup-compatibility/2006" xmlns:p14="http://schemas.microsoft.com/office/powerpoint/2010/main">
+    <mc:Choice Requires="p14">
       <p:transition p14:dur="300">
         <p:fade/>
       </p:transition>
     </mc:Choice>
-    <mc:Fallback>
+    <mc:Fallback xmlns="">
       <p:transition>
         <p:fade/>
       </p:transition>
@@ -9594,13 +9730,13 @@
   <p:clrMapOvr>
     <a:masterClrMapping/>
   </p:clrMapOvr>
-  <mc:AlternateContent xmlns:mc="http://schemas.openxmlformats.org/markup-compatibility/2006">
-    <mc:Choice xmlns:p14="http://schemas.microsoft.com/office/powerpoint/2010/main" Requires="p14">
+  <mc:AlternateContent xmlns:mc="http://schemas.openxmlformats.org/markup-compatibility/2006" xmlns:p14="http://schemas.microsoft.com/office/powerpoint/2010/main">
+    <mc:Choice Requires="p14">
       <p:transition p14:dur="300">
         <p:fade/>
       </p:transition>
     </mc:Choice>
-    <mc:Fallback>
+    <mc:Fallback xmlns="">
       <p:transition>
         <p:fade/>
       </p:transition>
@@ -9698,13 +9834,13 @@
   <p:clrMapOvr>
     <a:masterClrMapping/>
   </p:clrMapOvr>
-  <mc:AlternateContent xmlns:mc="http://schemas.openxmlformats.org/markup-compatibility/2006">
-    <mc:Choice xmlns:p14="http://schemas.microsoft.com/office/powerpoint/2010/main" Requires="p14">
+  <mc:AlternateContent xmlns:mc="http://schemas.openxmlformats.org/markup-compatibility/2006" xmlns:p14="http://schemas.microsoft.com/office/powerpoint/2010/main">
+    <mc:Choice Requires="p14">
       <p:transition p14:dur="300">
         <p:fade/>
       </p:transition>
     </mc:Choice>
-    <mc:Fallback>
+    <mc:Fallback xmlns="">
       <p:transition>
         <p:fade/>
       </p:transition>
@@ -9794,13 +9930,13 @@
   <p:clrMapOvr>
     <a:masterClrMapping/>
   </p:clrMapOvr>
-  <mc:AlternateContent xmlns:mc="http://schemas.openxmlformats.org/markup-compatibility/2006">
-    <mc:Choice xmlns:p14="http://schemas.microsoft.com/office/powerpoint/2010/main" Requires="p14">
+  <mc:AlternateContent xmlns:mc="http://schemas.openxmlformats.org/markup-compatibility/2006" xmlns:p14="http://schemas.microsoft.com/office/powerpoint/2010/main">
+    <mc:Choice Requires="p14">
       <p:transition p14:dur="300">
         <p:fade/>
       </p:transition>
     </mc:Choice>
-    <mc:Fallback>
+    <mc:Fallback xmlns="">
       <p:transition>
         <p:fade/>
       </p:transition>
@@ -9919,13 +10055,13 @@
   <p:clrMapOvr>
     <a:masterClrMapping/>
   </p:clrMapOvr>
-  <mc:AlternateContent xmlns:mc="http://schemas.openxmlformats.org/markup-compatibility/2006">
-    <mc:Choice xmlns:p14="http://schemas.microsoft.com/office/powerpoint/2010/main" Requires="p14">
+  <mc:AlternateContent xmlns:mc="http://schemas.openxmlformats.org/markup-compatibility/2006" xmlns:p14="http://schemas.microsoft.com/office/powerpoint/2010/main">
+    <mc:Choice Requires="p14">
       <p:transition p14:dur="300">
         <p:fade/>
       </p:transition>
     </mc:Choice>
-    <mc:Fallback>
+    <mc:Fallback xmlns="">
       <p:transition>
         <p:fade/>
       </p:transition>
@@ -10015,13 +10151,13 @@
   <p:clrMapOvr>
     <a:masterClrMapping/>
   </p:clrMapOvr>
-  <mc:AlternateContent xmlns:mc="http://schemas.openxmlformats.org/markup-compatibility/2006">
-    <mc:Choice xmlns:p14="http://schemas.microsoft.com/office/powerpoint/2010/main" Requires="p14">
+  <mc:AlternateContent xmlns:mc="http://schemas.openxmlformats.org/markup-compatibility/2006" xmlns:p14="http://schemas.microsoft.com/office/powerpoint/2010/main">
+    <mc:Choice Requires="p14">
       <p:transition p14:dur="300">
         <p:fade/>
       </p:transition>
     </mc:Choice>
-    <mc:Fallback>
+    <mc:Fallback xmlns="">
       <p:transition>
         <p:fade/>
       </p:transition>
@@ -10137,13 +10273,13 @@
   <p:clrMapOvr>
     <a:masterClrMapping/>
   </p:clrMapOvr>
-  <mc:AlternateContent xmlns:mc="http://schemas.openxmlformats.org/markup-compatibility/2006">
-    <mc:Choice xmlns:p14="http://schemas.microsoft.com/office/powerpoint/2010/main" Requires="p14">
+  <mc:AlternateContent xmlns:mc="http://schemas.openxmlformats.org/markup-compatibility/2006" xmlns:p14="http://schemas.microsoft.com/office/powerpoint/2010/main">
+    <mc:Choice Requires="p14">
       <p:transition p14:dur="300">
         <p:fade/>
       </p:transition>
     </mc:Choice>
-    <mc:Fallback>
+    <mc:Fallback xmlns="">
       <p:transition>
         <p:fade/>
       </p:transition>
@@ -10238,13 +10374,13 @@
   <p:clrMapOvr>
     <a:masterClrMapping/>
   </p:clrMapOvr>
-  <mc:AlternateContent xmlns:mc="http://schemas.openxmlformats.org/markup-compatibility/2006">
-    <mc:Choice xmlns:p14="http://schemas.microsoft.com/office/powerpoint/2010/main" Requires="p14">
+  <mc:AlternateContent xmlns:mc="http://schemas.openxmlformats.org/markup-compatibility/2006" xmlns:p14="http://schemas.microsoft.com/office/powerpoint/2010/main">
+    <mc:Choice Requires="p14">
       <p:transition p14:dur="300">
         <p:fade/>
       </p:transition>
     </mc:Choice>
-    <mc:Fallback>
+    <mc:Fallback xmlns="">
       <p:transition>
         <p:fade/>
       </p:transition>
@@ -10367,13 +10503,13 @@
   <p:clrMapOvr>
     <a:masterClrMapping/>
   </p:clrMapOvr>
-  <mc:AlternateContent xmlns:mc="http://schemas.openxmlformats.org/markup-compatibility/2006">
-    <mc:Choice xmlns:p14="http://schemas.microsoft.com/office/powerpoint/2010/main" Requires="p14">
+  <mc:AlternateContent xmlns:mc="http://schemas.openxmlformats.org/markup-compatibility/2006" xmlns:p14="http://schemas.microsoft.com/office/powerpoint/2010/main">
+    <mc:Choice Requires="p14">
       <p:transition p14:dur="300">
         <p:fade/>
       </p:transition>
     </mc:Choice>
-    <mc:Fallback>
+    <mc:Fallback xmlns="">
       <p:transition>
         <p:fade/>
       </p:transition>
@@ -10490,13 +10626,13 @@
   <p:clrMapOvr>
     <a:masterClrMapping/>
   </p:clrMapOvr>
-  <mc:AlternateContent xmlns:mc="http://schemas.openxmlformats.org/markup-compatibility/2006">
-    <mc:Choice xmlns:p14="http://schemas.microsoft.com/office/powerpoint/2010/main" Requires="p14">
+  <mc:AlternateContent xmlns:mc="http://schemas.openxmlformats.org/markup-compatibility/2006" xmlns:p14="http://schemas.microsoft.com/office/powerpoint/2010/main">
+    <mc:Choice Requires="p14">
       <p:transition p14:dur="300">
         <p:fade/>
       </p:transition>
     </mc:Choice>
-    <mc:Fallback>
+    <mc:Fallback xmlns="">
       <p:transition>
         <p:fade/>
       </p:transition>
@@ -10621,13 +10757,13 @@
   <p:clrMapOvr>
     <a:masterClrMapping/>
   </p:clrMapOvr>
-  <mc:AlternateContent xmlns:mc="http://schemas.openxmlformats.org/markup-compatibility/2006">
-    <mc:Choice xmlns:p14="http://schemas.microsoft.com/office/powerpoint/2010/main" Requires="p14">
+  <mc:AlternateContent xmlns:mc="http://schemas.openxmlformats.org/markup-compatibility/2006" xmlns:p14="http://schemas.microsoft.com/office/powerpoint/2010/main">
+    <mc:Choice Requires="p14">
       <p:transition p14:dur="300">
         <p:fade/>
       </p:transition>
     </mc:Choice>
-    <mc:Fallback>
+    <mc:Fallback xmlns="">
       <p:transition>
         <p:fade/>
       </p:transition>
@@ -10722,13 +10858,13 @@
   <p:clrMapOvr>
     <a:masterClrMapping/>
   </p:clrMapOvr>
-  <mc:AlternateContent xmlns:mc="http://schemas.openxmlformats.org/markup-compatibility/2006">
-    <mc:Choice xmlns:p14="http://schemas.microsoft.com/office/powerpoint/2010/main" Requires="p14">
+  <mc:AlternateContent xmlns:mc="http://schemas.openxmlformats.org/markup-compatibility/2006" xmlns:p14="http://schemas.microsoft.com/office/powerpoint/2010/main">
+    <mc:Choice Requires="p14">
       <p:transition p14:dur="300">
         <p:fade/>
       </p:transition>
     </mc:Choice>
-    <mc:Fallback>
+    <mc:Fallback xmlns="">
       <p:transition>
         <p:fade/>
       </p:transition>
@@ -10826,13 +10962,13 @@
   <p:clrMapOvr>
     <a:masterClrMapping/>
   </p:clrMapOvr>
-  <mc:AlternateContent xmlns:mc="http://schemas.openxmlformats.org/markup-compatibility/2006">
-    <mc:Choice xmlns:p14="http://schemas.microsoft.com/office/powerpoint/2010/main" Requires="p14">
+  <mc:AlternateContent xmlns:mc="http://schemas.openxmlformats.org/markup-compatibility/2006" xmlns:p14="http://schemas.microsoft.com/office/powerpoint/2010/main">
+    <mc:Choice Requires="p14">
       <p:transition p14:dur="300">
         <p:fade/>
       </p:transition>
     </mc:Choice>
-    <mc:Fallback>
+    <mc:Fallback xmlns="">
       <p:transition>
         <p:fade/>
       </p:transition>
@@ -10927,13 +11063,13 @@
   <p:clrMapOvr>
     <a:masterClrMapping/>
   </p:clrMapOvr>
-  <mc:AlternateContent xmlns:mc="http://schemas.openxmlformats.org/markup-compatibility/2006">
-    <mc:Choice xmlns:p14="http://schemas.microsoft.com/office/powerpoint/2010/main" Requires="p14">
+  <mc:AlternateContent xmlns:mc="http://schemas.openxmlformats.org/markup-compatibility/2006" xmlns:p14="http://schemas.microsoft.com/office/powerpoint/2010/main">
+    <mc:Choice Requires="p14">
       <p:transition p14:dur="300">
         <p:fade/>
       </p:transition>
     </mc:Choice>
-    <mc:Fallback>
+    <mc:Fallback xmlns="">
       <p:transition>
         <p:fade/>
       </p:transition>
@@ -11023,13 +11159,13 @@
   <p:clrMapOvr>
     <a:masterClrMapping/>
   </p:clrMapOvr>
-  <mc:AlternateContent xmlns:mc="http://schemas.openxmlformats.org/markup-compatibility/2006">
-    <mc:Choice xmlns:p14="http://schemas.microsoft.com/office/powerpoint/2010/main" Requires="p14">
+  <mc:AlternateContent xmlns:mc="http://schemas.openxmlformats.org/markup-compatibility/2006" xmlns:p14="http://schemas.microsoft.com/office/powerpoint/2010/main">
+    <mc:Choice Requires="p14">
       <p:transition p14:dur="300">
         <p:fade/>
       </p:transition>
     </mc:Choice>
-    <mc:Fallback>
+    <mc:Fallback xmlns="">
       <p:transition>
         <p:fade/>
       </p:transition>
@@ -11132,13 +11268,13 @@
   <p:clrMapOvr>
     <a:masterClrMapping/>
   </p:clrMapOvr>
-  <mc:AlternateContent xmlns:mc="http://schemas.openxmlformats.org/markup-compatibility/2006">
-    <mc:Choice xmlns:p14="http://schemas.microsoft.com/office/powerpoint/2010/main" Requires="p14">
+  <mc:AlternateContent xmlns:mc="http://schemas.openxmlformats.org/markup-compatibility/2006" xmlns:p14="http://schemas.microsoft.com/office/powerpoint/2010/main">
+    <mc:Choice Requires="p14">
       <p:transition p14:dur="300">
         <p:fade/>
       </p:transition>
     </mc:Choice>
-    <mc:Fallback>
+    <mc:Fallback xmlns="">
       <p:transition>
         <p:fade/>
       </p:transition>
@@ -11249,13 +11385,13 @@
   <p:clrMapOvr>
     <a:masterClrMapping/>
   </p:clrMapOvr>
-  <mc:AlternateContent xmlns:mc="http://schemas.openxmlformats.org/markup-compatibility/2006">
-    <mc:Choice xmlns:p14="http://schemas.microsoft.com/office/powerpoint/2010/main" Requires="p14">
+  <mc:AlternateContent xmlns:mc="http://schemas.openxmlformats.org/markup-compatibility/2006" xmlns:p14="http://schemas.microsoft.com/office/powerpoint/2010/main">
+    <mc:Choice Requires="p14">
       <p:transition p14:dur="300">
         <p:fade/>
       </p:transition>
     </mc:Choice>
-    <mc:Fallback>
+    <mc:Fallback xmlns="">
       <p:transition>
         <p:fade/>
       </p:transition>
@@ -11372,13 +11508,13 @@
   <p:clrMapOvr>
     <a:masterClrMapping/>
   </p:clrMapOvr>
-  <mc:AlternateContent xmlns:mc="http://schemas.openxmlformats.org/markup-compatibility/2006">
-    <mc:Choice xmlns:p14="http://schemas.microsoft.com/office/powerpoint/2010/main" Requires="p14">
+  <mc:AlternateContent xmlns:mc="http://schemas.openxmlformats.org/markup-compatibility/2006" xmlns:p14="http://schemas.microsoft.com/office/powerpoint/2010/main">
+    <mc:Choice Requires="p14">
       <p:transition p14:dur="300">
         <p:fade/>
       </p:transition>
     </mc:Choice>
-    <mc:Fallback>
+    <mc:Fallback xmlns="">
       <p:transition>
         <p:fade/>
       </p:transition>
@@ -11473,13 +11609,13 @@
   <p:clrMapOvr>
     <a:masterClrMapping/>
   </p:clrMapOvr>
-  <mc:AlternateContent xmlns:mc="http://schemas.openxmlformats.org/markup-compatibility/2006">
-    <mc:Choice xmlns:p14="http://schemas.microsoft.com/office/powerpoint/2010/main" Requires="p14">
+  <mc:AlternateContent xmlns:mc="http://schemas.openxmlformats.org/markup-compatibility/2006" xmlns:p14="http://schemas.microsoft.com/office/powerpoint/2010/main">
+    <mc:Choice Requires="p14">
       <p:transition p14:dur="300">
         <p:fade/>
       </p:transition>
     </mc:Choice>
-    <mc:Fallback>
+    <mc:Fallback xmlns="">
       <p:transition>
         <p:fade/>
       </p:transition>
@@ -11601,13 +11737,13 @@
   <p:clrMapOvr>
     <a:masterClrMapping/>
   </p:clrMapOvr>
-  <mc:AlternateContent xmlns:mc="http://schemas.openxmlformats.org/markup-compatibility/2006">
-    <mc:Choice xmlns:p14="http://schemas.microsoft.com/office/powerpoint/2010/main" Requires="p14">
+  <mc:AlternateContent xmlns:mc="http://schemas.openxmlformats.org/markup-compatibility/2006" xmlns:p14="http://schemas.microsoft.com/office/powerpoint/2010/main">
+    <mc:Choice Requires="p14">
       <p:transition p14:dur="300">
         <p:fade/>
       </p:transition>
     </mc:Choice>
-    <mc:Fallback>
+    <mc:Fallback xmlns="">
       <p:transition>
         <p:fade/>
       </p:transition>
@@ -11705,13 +11841,13 @@
   <p:clrMapOvr>
     <a:masterClrMapping/>
   </p:clrMapOvr>
-  <mc:AlternateContent xmlns:mc="http://schemas.openxmlformats.org/markup-compatibility/2006">
-    <mc:Choice xmlns:p14="http://schemas.microsoft.com/office/powerpoint/2010/main" Requires="p14">
+  <mc:AlternateContent xmlns:mc="http://schemas.openxmlformats.org/markup-compatibility/2006" xmlns:p14="http://schemas.microsoft.com/office/powerpoint/2010/main">
+    <mc:Choice Requires="p14">
       <p:transition p14:dur="300">
         <p:fade/>
       </p:transition>
     </mc:Choice>
-    <mc:Fallback>
+    <mc:Fallback xmlns="">
       <p:transition>
         <p:fade/>
       </p:transition>
@@ -11817,13 +11953,13 @@
   <p:clrMapOvr>
     <a:masterClrMapping/>
   </p:clrMapOvr>
-  <mc:AlternateContent xmlns:mc="http://schemas.openxmlformats.org/markup-compatibility/2006">
-    <mc:Choice xmlns:p14="http://schemas.microsoft.com/office/powerpoint/2010/main" Requires="p14">
+  <mc:AlternateContent xmlns:mc="http://schemas.openxmlformats.org/markup-compatibility/2006" xmlns:p14="http://schemas.microsoft.com/office/powerpoint/2010/main">
+    <mc:Choice Requires="p14">
       <p:transition p14:dur="300">
         <p:fade/>
       </p:transition>
     </mc:Choice>
-    <mc:Fallback>
+    <mc:Fallback xmlns="">
       <p:transition>
         <p:fade/>
       </p:transition>
@@ -11917,13 +12053,13 @@
   <p:clrMapOvr>
     <a:masterClrMapping/>
   </p:clrMapOvr>
-  <mc:AlternateContent xmlns:mc="http://schemas.openxmlformats.org/markup-compatibility/2006">
-    <mc:Choice xmlns:p14="http://schemas.microsoft.com/office/powerpoint/2010/main" Requires="p14">
+  <mc:AlternateContent xmlns:mc="http://schemas.openxmlformats.org/markup-compatibility/2006" xmlns:p14="http://schemas.microsoft.com/office/powerpoint/2010/main">
+    <mc:Choice Requires="p14">
       <p:transition p14:dur="300">
         <p:fade/>
       </p:transition>
     </mc:Choice>
-    <mc:Fallback>
+    <mc:Fallback xmlns="">
       <p:transition>
         <p:fade/>
       </p:transition>
@@ -12021,13 +12157,13 @@
   <p:clrMapOvr>
     <a:masterClrMapping/>
   </p:clrMapOvr>
-  <mc:AlternateContent xmlns:mc="http://schemas.openxmlformats.org/markup-compatibility/2006">
-    <mc:Choice xmlns:p14="http://schemas.microsoft.com/office/powerpoint/2010/main" Requires="p14">
+  <mc:AlternateContent xmlns:mc="http://schemas.openxmlformats.org/markup-compatibility/2006" xmlns:p14="http://schemas.microsoft.com/office/powerpoint/2010/main">
+    <mc:Choice Requires="p14">
       <p:transition p14:dur="300">
         <p:fade/>
       </p:transition>
     </mc:Choice>
-    <mc:Fallback>
+    <mc:Fallback xmlns="">
       <p:transition>
         <p:fade/>
       </p:transition>
@@ -12146,13 +12282,13 @@
   <p:clrMapOvr>
     <a:masterClrMapping/>
   </p:clrMapOvr>
-  <mc:AlternateContent xmlns:mc="http://schemas.openxmlformats.org/markup-compatibility/2006">
-    <mc:Choice xmlns:p14="http://schemas.microsoft.com/office/powerpoint/2010/main" Requires="p14">
+  <mc:AlternateContent xmlns:mc="http://schemas.openxmlformats.org/markup-compatibility/2006" xmlns:p14="http://schemas.microsoft.com/office/powerpoint/2010/main">
+    <mc:Choice Requires="p14">
       <p:transition p14:dur="300">
         <p:fade/>
       </p:transition>
     </mc:Choice>
-    <mc:Fallback>
+    <mc:Fallback xmlns="">
       <p:transition>
         <p:fade/>
       </p:transition>
@@ -12247,13 +12383,13 @@
   <p:clrMapOvr>
     <a:masterClrMapping/>
   </p:clrMapOvr>
-  <mc:AlternateContent xmlns:mc="http://schemas.openxmlformats.org/markup-compatibility/2006">
-    <mc:Choice xmlns:p14="http://schemas.microsoft.com/office/powerpoint/2010/main" Requires="p14">
+  <mc:AlternateContent xmlns:mc="http://schemas.openxmlformats.org/markup-compatibility/2006" xmlns:p14="http://schemas.microsoft.com/office/powerpoint/2010/main">
+    <mc:Choice Requires="p14">
       <p:transition p14:dur="300">
         <p:fade/>
       </p:transition>
     </mc:Choice>
-    <mc:Fallback>
+    <mc:Fallback xmlns="">
       <p:transition>
         <p:fade/>
       </p:transition>
@@ -12343,13 +12479,13 @@
   <p:clrMapOvr>
     <a:masterClrMapping/>
   </p:clrMapOvr>
-  <mc:AlternateContent xmlns:mc="http://schemas.openxmlformats.org/markup-compatibility/2006">
-    <mc:Choice xmlns:p14="http://schemas.microsoft.com/office/powerpoint/2010/main" Requires="p14">
+  <mc:AlternateContent xmlns:mc="http://schemas.openxmlformats.org/markup-compatibility/2006" xmlns:p14="http://schemas.microsoft.com/office/powerpoint/2010/main">
+    <mc:Choice Requires="p14">
       <p:transition p14:dur="300">
         <p:fade/>
       </p:transition>
     </mc:Choice>
-    <mc:Fallback>
+    <mc:Fallback xmlns="">
       <p:transition>
         <p:fade/>
       </p:transition>
@@ -12444,13 +12580,13 @@
   <p:clrMapOvr>
     <a:masterClrMapping/>
   </p:clrMapOvr>
-  <mc:AlternateContent xmlns:mc="http://schemas.openxmlformats.org/markup-compatibility/2006">
-    <mc:Choice xmlns:p14="http://schemas.microsoft.com/office/powerpoint/2010/main" Requires="p14">
+  <mc:AlternateContent xmlns:mc="http://schemas.openxmlformats.org/markup-compatibility/2006" xmlns:p14="http://schemas.microsoft.com/office/powerpoint/2010/main">
+    <mc:Choice Requires="p14">
       <p:transition p14:dur="300">
         <p:fade/>
       </p:transition>
     </mc:Choice>
-    <mc:Fallback>
+    <mc:Fallback xmlns="">
       <p:transition>
         <p:fade/>
       </p:transition>
@@ -12562,13 +12698,13 @@
   <p:clrMapOvr>
     <a:masterClrMapping/>
   </p:clrMapOvr>
-  <mc:AlternateContent xmlns:mc="http://schemas.openxmlformats.org/markup-compatibility/2006">
-    <mc:Choice xmlns:p14="http://schemas.microsoft.com/office/powerpoint/2010/main" Requires="p14">
+  <mc:AlternateContent xmlns:mc="http://schemas.openxmlformats.org/markup-compatibility/2006" xmlns:p14="http://schemas.microsoft.com/office/powerpoint/2010/main">
+    <mc:Choice Requires="p14">
       <p:transition p14:dur="300">
         <p:fade/>
       </p:transition>
     </mc:Choice>
-    <mc:Fallback>
+    <mc:Fallback xmlns="">
       <p:transition>
         <p:fade/>
       </p:transition>
@@ -12666,13 +12802,13 @@
   <p:clrMapOvr>
     <a:masterClrMapping/>
   </p:clrMapOvr>
-  <mc:AlternateContent xmlns:mc="http://schemas.openxmlformats.org/markup-compatibility/2006">
-    <mc:Choice xmlns:p14="http://schemas.microsoft.com/office/powerpoint/2010/main" Requires="p14">
+  <mc:AlternateContent xmlns:mc="http://schemas.openxmlformats.org/markup-compatibility/2006" xmlns:p14="http://schemas.microsoft.com/office/powerpoint/2010/main">
+    <mc:Choice Requires="p14">
       <p:transition p14:dur="300">
         <p:fade/>
       </p:transition>
     </mc:Choice>
-    <mc:Fallback>
+    <mc:Fallback xmlns="">
       <p:transition>
         <p:fade/>
       </p:transition>
@@ -12778,13 +12914,13 @@
   <p:clrMapOvr>
     <a:masterClrMapping/>
   </p:clrMapOvr>
-  <mc:AlternateContent xmlns:mc="http://schemas.openxmlformats.org/markup-compatibility/2006">
-    <mc:Choice xmlns:p14="http://schemas.microsoft.com/office/powerpoint/2010/main" Requires="p14">
+  <mc:AlternateContent xmlns:mc="http://schemas.openxmlformats.org/markup-compatibility/2006" xmlns:p14="http://schemas.microsoft.com/office/powerpoint/2010/main">
+    <mc:Choice Requires="p14">
       <p:transition p14:dur="300">
         <p:fade/>
       </p:transition>
     </mc:Choice>
-    <mc:Fallback>
+    <mc:Fallback xmlns="">
       <p:transition>
         <p:fade/>
       </p:transition>
@@ -12898,13 +13034,13 @@
   <p:clrMapOvr>
     <a:masterClrMapping/>
   </p:clrMapOvr>
-  <mc:AlternateContent xmlns:mc="http://schemas.openxmlformats.org/markup-compatibility/2006">
-    <mc:Choice xmlns:p14="http://schemas.microsoft.com/office/powerpoint/2010/main" Requires="p14">
+  <mc:AlternateContent xmlns:mc="http://schemas.openxmlformats.org/markup-compatibility/2006" xmlns:p14="http://schemas.microsoft.com/office/powerpoint/2010/main">
+    <mc:Choice Requires="p14">
       <p:transition p14:dur="300">
         <p:fade/>
       </p:transition>
     </mc:Choice>
-    <mc:Fallback>
+    <mc:Fallback xmlns="">
       <p:transition>
         <p:fade/>
       </p:transition>
@@ -13002,13 +13138,13 @@
   <p:clrMapOvr>
     <a:masterClrMapping/>
   </p:clrMapOvr>
-  <mc:AlternateContent xmlns:mc="http://schemas.openxmlformats.org/markup-compatibility/2006">
-    <mc:Choice xmlns:p14="http://schemas.microsoft.com/office/powerpoint/2010/main" Requires="p14">
+  <mc:AlternateContent xmlns:mc="http://schemas.openxmlformats.org/markup-compatibility/2006" xmlns:p14="http://schemas.microsoft.com/office/powerpoint/2010/main">
+    <mc:Choice Requires="p14">
       <p:transition p14:dur="300">
         <p:fade/>
       </p:transition>
     </mc:Choice>
-    <mc:Fallback>
+    <mc:Fallback xmlns="">
       <p:transition>
         <p:fade/>
       </p:transition>
@@ -13114,13 +13250,13 @@
   <p:clrMapOvr>
     <a:masterClrMapping/>
   </p:clrMapOvr>
-  <mc:AlternateContent xmlns:mc="http://schemas.openxmlformats.org/markup-compatibility/2006">
-    <mc:Choice xmlns:p14="http://schemas.microsoft.com/office/powerpoint/2010/main" Requires="p14">
+  <mc:AlternateContent xmlns:mc="http://schemas.openxmlformats.org/markup-compatibility/2006" xmlns:p14="http://schemas.microsoft.com/office/powerpoint/2010/main">
+    <mc:Choice Requires="p14">
       <p:transition p14:dur="300">
         <p:fade/>
       </p:transition>
     </mc:Choice>
-    <mc:Fallback>
+    <mc:Fallback xmlns="">
       <p:transition>
         <p:fade/>
       </p:transition>
@@ -13218,13 +13354,13 @@
   <p:clrMapOvr>
     <a:masterClrMapping/>
   </p:clrMapOvr>
-  <mc:AlternateContent xmlns:mc="http://schemas.openxmlformats.org/markup-compatibility/2006">
-    <mc:Choice xmlns:p14="http://schemas.microsoft.com/office/powerpoint/2010/main" Requires="p14">
+  <mc:AlternateContent xmlns:mc="http://schemas.openxmlformats.org/markup-compatibility/2006" xmlns:p14="http://schemas.microsoft.com/office/powerpoint/2010/main">
+    <mc:Choice Requires="p14">
       <p:transition p14:dur="300">
         <p:fade/>
       </p:transition>
     </mc:Choice>
-    <mc:Fallback>
+    <mc:Fallback xmlns="">
       <p:transition>
         <p:fade/>
       </p:transition>
@@ -13314,13 +13450,13 @@
   <p:clrMapOvr>
     <a:masterClrMapping/>
   </p:clrMapOvr>
-  <mc:AlternateContent xmlns:mc="http://schemas.openxmlformats.org/markup-compatibility/2006">
-    <mc:Choice xmlns:p14="http://schemas.microsoft.com/office/powerpoint/2010/main" Requires="p14">
+  <mc:AlternateContent xmlns:mc="http://schemas.openxmlformats.org/markup-compatibility/2006" xmlns:p14="http://schemas.microsoft.com/office/powerpoint/2010/main">
+    <mc:Choice Requires="p14">
       <p:transition p14:dur="300">
         <p:fade/>
       </p:transition>
     </mc:Choice>
-    <mc:Fallback>
+    <mc:Fallback xmlns="">
       <p:transition>
         <p:fade/>
       </p:transition>
@@ -13410,13 +13546,13 @@
   <p:clrMapOvr>
     <a:masterClrMapping/>
   </p:clrMapOvr>
-  <mc:AlternateContent xmlns:mc="http://schemas.openxmlformats.org/markup-compatibility/2006">
-    <mc:Choice xmlns:p14="http://schemas.microsoft.com/office/powerpoint/2010/main" Requires="p14">
+  <mc:AlternateContent xmlns:mc="http://schemas.openxmlformats.org/markup-compatibility/2006" xmlns:p14="http://schemas.microsoft.com/office/powerpoint/2010/main">
+    <mc:Choice Requires="p14">
       <p:transition p14:dur="300">
         <p:fade/>
       </p:transition>
     </mc:Choice>
-    <mc:Fallback>
+    <mc:Fallback xmlns="">
       <p:transition>
         <p:fade/>
       </p:transition>
@@ -13506,13 +13642,13 @@
   <p:clrMapOvr>
     <a:masterClrMapping/>
   </p:clrMapOvr>
-  <mc:AlternateContent xmlns:mc="http://schemas.openxmlformats.org/markup-compatibility/2006">
-    <mc:Choice xmlns:p14="http://schemas.microsoft.com/office/powerpoint/2010/main" Requires="p14">
+  <mc:AlternateContent xmlns:mc="http://schemas.openxmlformats.org/markup-compatibility/2006" xmlns:p14="http://schemas.microsoft.com/office/powerpoint/2010/main">
+    <mc:Choice Requires="p14">
       <p:transition p14:dur="300">
         <p:fade/>
       </p:transition>
     </mc:Choice>
-    <mc:Fallback>
+    <mc:Fallback xmlns="">
       <p:transition>
         <p:fade/>
       </p:transition>
@@ -13631,13 +13767,13 @@
   <p:clrMapOvr>
     <a:masterClrMapping/>
   </p:clrMapOvr>
-  <mc:AlternateContent xmlns:mc="http://schemas.openxmlformats.org/markup-compatibility/2006">
-    <mc:Choice xmlns:p14="http://schemas.microsoft.com/office/powerpoint/2010/main" Requires="p14">
+  <mc:AlternateContent xmlns:mc="http://schemas.openxmlformats.org/markup-compatibility/2006" xmlns:p14="http://schemas.microsoft.com/office/powerpoint/2010/main">
+    <mc:Choice Requires="p14">
       <p:transition p14:dur="300">
         <p:fade/>
       </p:transition>
     </mc:Choice>
-    <mc:Fallback>
+    <mc:Fallback xmlns="">
       <p:transition>
         <p:fade/>
       </p:transition>
@@ -13732,13 +13868,13 @@
   <p:clrMapOvr>
     <a:masterClrMapping/>
   </p:clrMapOvr>
-  <mc:AlternateContent xmlns:mc="http://schemas.openxmlformats.org/markup-compatibility/2006">
-    <mc:Choice xmlns:p14="http://schemas.microsoft.com/office/powerpoint/2010/main" Requires="p14">
+  <mc:AlternateContent xmlns:mc="http://schemas.openxmlformats.org/markup-compatibility/2006" xmlns:p14="http://schemas.microsoft.com/office/powerpoint/2010/main">
+    <mc:Choice Requires="p14">
       <p:transition p14:dur="300">
         <p:fade/>
       </p:transition>
     </mc:Choice>
-    <mc:Fallback>
+    <mc:Fallback xmlns="">
       <p:transition>
         <p:fade/>
       </p:transition>
@@ -13833,13 +13969,13 @@
   <p:clrMapOvr>
     <a:masterClrMapping/>
   </p:clrMapOvr>
-  <mc:AlternateContent xmlns:mc="http://schemas.openxmlformats.org/markup-compatibility/2006">
-    <mc:Choice xmlns:p14="http://schemas.microsoft.com/office/powerpoint/2010/main" Requires="p14">
+  <mc:AlternateContent xmlns:mc="http://schemas.openxmlformats.org/markup-compatibility/2006" xmlns:p14="http://schemas.microsoft.com/office/powerpoint/2010/main">
+    <mc:Choice Requires="p14">
       <p:transition p14:dur="300">
         <p:fade/>
       </p:transition>
     </mc:Choice>
-    <mc:Fallback>
+    <mc:Fallback xmlns="">
       <p:transition>
         <p:fade/>
       </p:transition>
@@ -13929,13 +14065,13 @@
   <p:clrMapOvr>
     <a:masterClrMapping/>
   </p:clrMapOvr>
-  <mc:AlternateContent xmlns:mc="http://schemas.openxmlformats.org/markup-compatibility/2006">
-    <mc:Choice xmlns:p14="http://schemas.microsoft.com/office/powerpoint/2010/main" Requires="p14">
+  <mc:AlternateContent xmlns:mc="http://schemas.openxmlformats.org/markup-compatibility/2006" xmlns:p14="http://schemas.microsoft.com/office/powerpoint/2010/main">
+    <mc:Choice Requires="p14">
       <p:transition p14:dur="300">
         <p:fade/>
       </p:transition>
     </mc:Choice>
-    <mc:Fallback>
+    <mc:Fallback xmlns="">
       <p:transition>
         <p:fade/>
       </p:transition>
@@ -14038,13 +14174,13 @@
   <p:clrMapOvr>
     <a:masterClrMapping/>
   </p:clrMapOvr>
-  <mc:AlternateContent xmlns:mc="http://schemas.openxmlformats.org/markup-compatibility/2006">
-    <mc:Choice xmlns:p14="http://schemas.microsoft.com/office/powerpoint/2010/main" Requires="p14">
+  <mc:AlternateContent xmlns:mc="http://schemas.openxmlformats.org/markup-compatibility/2006" xmlns:p14="http://schemas.microsoft.com/office/powerpoint/2010/main">
+    <mc:Choice Requires="p14">
       <p:transition p14:dur="300">
         <p:fade/>
       </p:transition>
     </mc:Choice>
-    <mc:Fallback>
+    <mc:Fallback xmlns="">
       <p:transition>
         <p:fade/>
       </p:transition>
@@ -14142,13 +14278,13 @@
   <p:clrMapOvr>
     <a:masterClrMapping/>
   </p:clrMapOvr>
-  <mc:AlternateContent xmlns:mc="http://schemas.openxmlformats.org/markup-compatibility/2006">
-    <mc:Choice xmlns:p14="http://schemas.microsoft.com/office/powerpoint/2010/main" Requires="p14">
+  <mc:AlternateContent xmlns:mc="http://schemas.openxmlformats.org/markup-compatibility/2006" xmlns:p14="http://schemas.microsoft.com/office/powerpoint/2010/main">
+    <mc:Choice Requires="p14">
       <p:transition p14:dur="300">
         <p:fade/>
       </p:transition>
     </mc:Choice>
-    <mc:Fallback>
+    <mc:Fallback xmlns="">
       <p:transition>
         <p:fade/>
       </p:transition>
@@ -14271,13 +14407,13 @@
   <p:clrMapOvr>
     <a:masterClrMapping/>
   </p:clrMapOvr>
-  <mc:AlternateContent xmlns:mc="http://schemas.openxmlformats.org/markup-compatibility/2006">
-    <mc:Choice xmlns:p14="http://schemas.microsoft.com/office/powerpoint/2010/main" Requires="p14">
+  <mc:AlternateContent xmlns:mc="http://schemas.openxmlformats.org/markup-compatibility/2006" xmlns:p14="http://schemas.microsoft.com/office/powerpoint/2010/main">
+    <mc:Choice Requires="p14">
       <p:transition p14:dur="300">
         <p:fade/>
       </p:transition>
     </mc:Choice>
-    <mc:Fallback>
+    <mc:Fallback xmlns="">
       <p:transition>
         <p:fade/>
       </p:transition>
@@ -14372,13 +14508,13 @@
   <p:clrMapOvr>
     <a:masterClrMapping/>
   </p:clrMapOvr>
-  <mc:AlternateContent xmlns:mc="http://schemas.openxmlformats.org/markup-compatibility/2006">
-    <mc:Choice xmlns:p14="http://schemas.microsoft.com/office/powerpoint/2010/main" Requires="p14">
+  <mc:AlternateContent xmlns:mc="http://schemas.openxmlformats.org/markup-compatibility/2006" xmlns:p14="http://schemas.microsoft.com/office/powerpoint/2010/main">
+    <mc:Choice Requires="p14">
       <p:transition p14:dur="300">
         <p:fade/>
       </p:transition>
     </mc:Choice>
-    <mc:Fallback>
+    <mc:Fallback xmlns="">
       <p:transition>
         <p:fade/>
       </p:transition>
@@ -14476,13 +14612,13 @@
   <p:clrMapOvr>
     <a:masterClrMapping/>
   </p:clrMapOvr>
-  <mc:AlternateContent xmlns:mc="http://schemas.openxmlformats.org/markup-compatibility/2006">
-    <mc:Choice xmlns:p14="http://schemas.microsoft.com/office/powerpoint/2010/main" Requires="p14">
+  <mc:AlternateContent xmlns:mc="http://schemas.openxmlformats.org/markup-compatibility/2006" xmlns:p14="http://schemas.microsoft.com/office/powerpoint/2010/main">
+    <mc:Choice Requires="p14">
       <p:transition p14:dur="300">
         <p:fade/>
       </p:transition>
     </mc:Choice>
-    <mc:Fallback>
+    <mc:Fallback xmlns="">
       <p:transition>
         <p:fade/>
       </p:transition>
@@ -14580,13 +14716,13 @@
   <p:clrMapOvr>
     <a:masterClrMapping/>
   </p:clrMapOvr>
-  <mc:AlternateContent xmlns:mc="http://schemas.openxmlformats.org/markup-compatibility/2006">
-    <mc:Choice xmlns:p14="http://schemas.microsoft.com/office/powerpoint/2010/main" Requires="p14">
+  <mc:AlternateContent xmlns:mc="http://schemas.openxmlformats.org/markup-compatibility/2006" xmlns:p14="http://schemas.microsoft.com/office/powerpoint/2010/main">
+    <mc:Choice Requires="p14">
       <p:transition p14:dur="300">
         <p:fade/>
       </p:transition>
     </mc:Choice>
-    <mc:Fallback>
+    <mc:Fallback xmlns="">
       <p:transition>
         <p:fade/>
       </p:transition>
@@ -14684,13 +14820,13 @@
   <p:clrMapOvr>
     <a:masterClrMapping/>
   </p:clrMapOvr>
-  <mc:AlternateContent xmlns:mc="http://schemas.openxmlformats.org/markup-compatibility/2006">
-    <mc:Choice xmlns:p14="http://schemas.microsoft.com/office/powerpoint/2010/main" Requires="p14">
+  <mc:AlternateContent xmlns:mc="http://schemas.openxmlformats.org/markup-compatibility/2006" xmlns:p14="http://schemas.microsoft.com/office/powerpoint/2010/main">
+    <mc:Choice Requires="p14">
       <p:transition p14:dur="300">
         <p:fade/>
       </p:transition>
     </mc:Choice>
-    <mc:Fallback>
+    <mc:Fallback xmlns="">
       <p:transition>
         <p:fade/>
       </p:transition>
@@ -14784,13 +14920,13 @@
   <p:clrMapOvr>
     <a:masterClrMapping/>
   </p:clrMapOvr>
-  <mc:AlternateContent xmlns:mc="http://schemas.openxmlformats.org/markup-compatibility/2006">
-    <mc:Choice xmlns:p14="http://schemas.microsoft.com/office/powerpoint/2010/main" Requires="p14">
+  <mc:AlternateContent xmlns:mc="http://schemas.openxmlformats.org/markup-compatibility/2006" xmlns:p14="http://schemas.microsoft.com/office/powerpoint/2010/main">
+    <mc:Choice Requires="p14">
       <p:transition p14:dur="300">
         <p:fade/>
       </p:transition>
     </mc:Choice>
-    <mc:Fallback>
+    <mc:Fallback xmlns="">
       <p:transition>
         <p:fade/>
       </p:transition>
@@ -14885,13 +15021,13 @@
   <p:clrMapOvr>
     <a:masterClrMapping/>
   </p:clrMapOvr>
-  <mc:AlternateContent xmlns:mc="http://schemas.openxmlformats.org/markup-compatibility/2006">
-    <mc:Choice xmlns:p14="http://schemas.microsoft.com/office/powerpoint/2010/main" Requires="p14">
+  <mc:AlternateContent xmlns:mc="http://schemas.openxmlformats.org/markup-compatibility/2006" xmlns:p14="http://schemas.microsoft.com/office/powerpoint/2010/main">
+    <mc:Choice Requires="p14">
       <p:transition p14:dur="300">
         <p:fade/>
       </p:transition>
     </mc:Choice>
-    <mc:Fallback>
+    <mc:Fallback xmlns="">
       <p:transition>
         <p:fade/>
       </p:transition>
@@ -14981,13 +15117,13 @@
   <p:clrMapOvr>
     <a:masterClrMapping/>
   </p:clrMapOvr>
-  <mc:AlternateContent xmlns:mc="http://schemas.openxmlformats.org/markup-compatibility/2006">
-    <mc:Choice xmlns:p14="http://schemas.microsoft.com/office/powerpoint/2010/main" Requires="p14">
+  <mc:AlternateContent xmlns:mc="http://schemas.openxmlformats.org/markup-compatibility/2006" xmlns:p14="http://schemas.microsoft.com/office/powerpoint/2010/main">
+    <mc:Choice Requires="p14">
       <p:transition p14:dur="300">
         <p:fade/>
       </p:transition>
     </mc:Choice>
-    <mc:Fallback>
+    <mc:Fallback xmlns="">
       <p:transition>
         <p:fade/>
       </p:transition>
@@ -15084,13 +15220,13 @@
   <p:clrMapOvr>
     <a:masterClrMapping/>
   </p:clrMapOvr>
-  <mc:AlternateContent xmlns:mc="http://schemas.openxmlformats.org/markup-compatibility/2006">
-    <mc:Choice xmlns:p14="http://schemas.microsoft.com/office/powerpoint/2010/main" Requires="p14">
+  <mc:AlternateContent xmlns:mc="http://schemas.openxmlformats.org/markup-compatibility/2006" xmlns:p14="http://schemas.microsoft.com/office/powerpoint/2010/main">
+    <mc:Choice Requires="p14">
       <p:transition p14:dur="300">
         <p:fade/>
       </p:transition>
     </mc:Choice>
-    <mc:Fallback>
+    <mc:Fallback xmlns="">
       <p:transition>
         <p:fade/>
       </p:transition>
@@ -15188,13 +15324,13 @@
   <p:clrMapOvr>
     <a:masterClrMapping/>
   </p:clrMapOvr>
-  <mc:AlternateContent xmlns:mc="http://schemas.openxmlformats.org/markup-compatibility/2006">
-    <mc:Choice xmlns:p14="http://schemas.microsoft.com/office/powerpoint/2010/main" Requires="p14">
+  <mc:AlternateContent xmlns:mc="http://schemas.openxmlformats.org/markup-compatibility/2006" xmlns:p14="http://schemas.microsoft.com/office/powerpoint/2010/main">
+    <mc:Choice Requires="p14">
       <p:transition p14:dur="300">
         <p:fade/>
       </p:transition>
     </mc:Choice>
-    <mc:Fallback>
+    <mc:Fallback xmlns="">
       <p:transition>
         <p:fade/>
       </p:transition>
@@ -15292,13 +15428,13 @@
   <p:clrMapOvr>
     <a:masterClrMapping/>
   </p:clrMapOvr>
-  <mc:AlternateContent xmlns:mc="http://schemas.openxmlformats.org/markup-compatibility/2006">
-    <mc:Choice xmlns:p14="http://schemas.microsoft.com/office/powerpoint/2010/main" Requires="p14">
+  <mc:AlternateContent xmlns:mc="http://schemas.openxmlformats.org/markup-compatibility/2006" xmlns:p14="http://schemas.microsoft.com/office/powerpoint/2010/main">
+    <mc:Choice Requires="p14">
       <p:transition p14:dur="300">
         <p:fade/>
       </p:transition>
     </mc:Choice>
-    <mc:Fallback>
+    <mc:Fallback xmlns="">
       <p:transition>
         <p:fade/>
       </p:transition>
@@ -15388,13 +15524,13 @@
   <p:clrMapOvr>
     <a:masterClrMapping/>
   </p:clrMapOvr>
-  <mc:AlternateContent xmlns:mc="http://schemas.openxmlformats.org/markup-compatibility/2006">
-    <mc:Choice xmlns:p14="http://schemas.microsoft.com/office/powerpoint/2010/main" Requires="p14">
+  <mc:AlternateContent xmlns:mc="http://schemas.openxmlformats.org/markup-compatibility/2006" xmlns:p14="http://schemas.microsoft.com/office/powerpoint/2010/main">
+    <mc:Choice Requires="p14">
       <p:transition p14:dur="300">
         <p:fade/>
       </p:transition>
     </mc:Choice>
-    <mc:Fallback>
+    <mc:Fallback xmlns="">
       <p:transition>
         <p:fade/>
       </p:transition>
@@ -15488,13 +15624,13 @@
   <p:clrMapOvr>
     <a:masterClrMapping/>
   </p:clrMapOvr>
-  <mc:AlternateContent xmlns:mc="http://schemas.openxmlformats.org/markup-compatibility/2006">
-    <mc:Choice xmlns:p14="http://schemas.microsoft.com/office/powerpoint/2010/main" Requires="p14">
+  <mc:AlternateContent xmlns:mc="http://schemas.openxmlformats.org/markup-compatibility/2006" xmlns:p14="http://schemas.microsoft.com/office/powerpoint/2010/main">
+    <mc:Choice Requires="p14">
       <p:transition p14:dur="300">
         <p:fade/>
       </p:transition>
     </mc:Choice>
-    <mc:Fallback>
+    <mc:Fallback xmlns="">
       <p:transition>
         <p:fade/>
       </p:transition>
@@ -15593,13 +15729,13 @@
   <p:clrMapOvr>
     <a:masterClrMapping/>
   </p:clrMapOvr>
-  <mc:AlternateContent xmlns:mc="http://schemas.openxmlformats.org/markup-compatibility/2006">
-    <mc:Choice xmlns:p14="http://schemas.microsoft.com/office/powerpoint/2010/main" Requires="p14">
+  <mc:AlternateContent xmlns:mc="http://schemas.openxmlformats.org/markup-compatibility/2006" xmlns:p14="http://schemas.microsoft.com/office/powerpoint/2010/main">
+    <mc:Choice Requires="p14">
       <p:transition p14:dur="300">
         <p:fade/>
       </p:transition>
     </mc:Choice>
-    <mc:Fallback>
+    <mc:Fallback xmlns="">
       <p:transition>
         <p:fade/>
       </p:transition>
@@ -15693,13 +15829,13 @@
   <p:clrMapOvr>
     <a:masterClrMapping/>
   </p:clrMapOvr>
-  <mc:AlternateContent xmlns:mc="http://schemas.openxmlformats.org/markup-compatibility/2006">
-    <mc:Choice xmlns:p14="http://schemas.microsoft.com/office/powerpoint/2010/main" Requires="p14">
+  <mc:AlternateContent xmlns:mc="http://schemas.openxmlformats.org/markup-compatibility/2006" xmlns:p14="http://schemas.microsoft.com/office/powerpoint/2010/main">
+    <mc:Choice Requires="p14">
       <p:transition p14:dur="300">
         <p:fade/>
       </p:transition>
     </mc:Choice>
-    <mc:Fallback>
+    <mc:Fallback xmlns="">
       <p:transition>
         <p:fade/>
       </p:transition>
@@ -15789,13 +15925,13 @@
   <p:clrMapOvr>
     <a:masterClrMapping/>
   </p:clrMapOvr>
-  <mc:AlternateContent xmlns:mc="http://schemas.openxmlformats.org/markup-compatibility/2006">
-    <mc:Choice xmlns:p14="http://schemas.microsoft.com/office/powerpoint/2010/main" Requires="p14">
+  <mc:AlternateContent xmlns:mc="http://schemas.openxmlformats.org/markup-compatibility/2006" xmlns:p14="http://schemas.microsoft.com/office/powerpoint/2010/main">
+    <mc:Choice Requires="p14">
       <p:transition p14:dur="300">
         <p:fade/>
       </p:transition>
     </mc:Choice>
-    <mc:Fallback>
+    <mc:Fallback xmlns="">
       <p:transition>
         <p:fade/>
       </p:transition>
@@ -15885,13 +16021,13 @@
   <p:clrMapOvr>
     <a:masterClrMapping/>
   </p:clrMapOvr>
-  <mc:AlternateContent xmlns:mc="http://schemas.openxmlformats.org/markup-compatibility/2006">
-    <mc:Choice xmlns:p14="http://schemas.microsoft.com/office/powerpoint/2010/main" Requires="p14">
+  <mc:AlternateContent xmlns:mc="http://schemas.openxmlformats.org/markup-compatibility/2006" xmlns:p14="http://schemas.microsoft.com/office/powerpoint/2010/main">
+    <mc:Choice Requires="p14">
       <p:transition p14:dur="300">
         <p:fade/>
       </p:transition>
     </mc:Choice>
-    <mc:Fallback>
+    <mc:Fallback xmlns="">
       <p:transition>
         <p:fade/>
       </p:transition>
@@ -15994,13 +16130,13 @@
   <p:clrMapOvr>
     <a:masterClrMapping/>
   </p:clrMapOvr>
-  <mc:AlternateContent xmlns:mc="http://schemas.openxmlformats.org/markup-compatibility/2006">
-    <mc:Choice xmlns:p14="http://schemas.microsoft.com/office/powerpoint/2010/main" Requires="p14">
+  <mc:AlternateContent xmlns:mc="http://schemas.openxmlformats.org/markup-compatibility/2006" xmlns:p14="http://schemas.microsoft.com/office/powerpoint/2010/main">
+    <mc:Choice Requires="p14">
       <p:transition p14:dur="300">
         <p:fade/>
       </p:transition>
     </mc:Choice>
-    <mc:Fallback>
+    <mc:Fallback xmlns="">
       <p:transition>
         <p:fade/>
       </p:transition>
@@ -16090,13 +16226,13 @@
   <p:clrMapOvr>
     <a:masterClrMapping/>
   </p:clrMapOvr>
-  <mc:AlternateContent xmlns:mc="http://schemas.openxmlformats.org/markup-compatibility/2006">
-    <mc:Choice xmlns:p14="http://schemas.microsoft.com/office/powerpoint/2010/main" Requires="p14">
+  <mc:AlternateContent xmlns:mc="http://schemas.openxmlformats.org/markup-compatibility/2006" xmlns:p14="http://schemas.microsoft.com/office/powerpoint/2010/main">
+    <mc:Choice Requires="p14">
       <p:transition p14:dur="300">
         <p:fade/>
       </p:transition>
     </mc:Choice>
-    <mc:Fallback>
+    <mc:Fallback xmlns="">
       <p:transition>
         <p:fade/>
       </p:transition>
@@ -16186,13 +16322,13 @@
   <p:clrMapOvr>
     <a:masterClrMapping/>
   </p:clrMapOvr>
-  <mc:AlternateContent xmlns:mc="http://schemas.openxmlformats.org/markup-compatibility/2006">
-    <mc:Choice xmlns:p14="http://schemas.microsoft.com/office/powerpoint/2010/main" Requires="p14">
+  <mc:AlternateContent xmlns:mc="http://schemas.openxmlformats.org/markup-compatibility/2006" xmlns:p14="http://schemas.microsoft.com/office/powerpoint/2010/main">
+    <mc:Choice Requires="p14">
       <p:transition p14:dur="300">
         <p:fade/>
       </p:transition>
     </mc:Choice>
-    <mc:Fallback>
+    <mc:Fallback xmlns="">
       <p:transition>
         <p:fade/>
       </p:transition>
@@ -16298,13 +16434,13 @@
   <p:clrMapOvr>
     <a:masterClrMapping/>
   </p:clrMapOvr>
-  <mc:AlternateContent xmlns:mc="http://schemas.openxmlformats.org/markup-compatibility/2006">
-    <mc:Choice xmlns:p14="http://schemas.microsoft.com/office/powerpoint/2010/main" Requires="p14">
+  <mc:AlternateContent xmlns:mc="http://schemas.openxmlformats.org/markup-compatibility/2006" xmlns:p14="http://schemas.microsoft.com/office/powerpoint/2010/main">
+    <mc:Choice Requires="p14">
       <p:transition p14:dur="300">
         <p:fade/>
       </p:transition>
     </mc:Choice>
-    <mc:Fallback>
+    <mc:Fallback xmlns="">
       <p:transition>
         <p:fade/>
       </p:transition>
@@ -16394,13 +16530,13 @@
   <p:clrMapOvr>
     <a:masterClrMapping/>
   </p:clrMapOvr>
-  <mc:AlternateContent xmlns:mc="http://schemas.openxmlformats.org/markup-compatibility/2006">
-    <mc:Choice xmlns:p14="http://schemas.microsoft.com/office/powerpoint/2010/main" Requires="p14">
+  <mc:AlternateContent xmlns:mc="http://schemas.openxmlformats.org/markup-compatibility/2006" xmlns:p14="http://schemas.microsoft.com/office/powerpoint/2010/main">
+    <mc:Choice Requires="p14">
       <p:transition p14:dur="300">
         <p:fade/>
       </p:transition>
     </mc:Choice>
-    <mc:Fallback>
+    <mc:Fallback xmlns="">
       <p:transition>
         <p:fade/>
       </p:transition>
@@ -16498,13 +16634,13 @@
   <p:clrMapOvr>
     <a:masterClrMapping/>
   </p:clrMapOvr>
-  <mc:AlternateContent xmlns:mc="http://schemas.openxmlformats.org/markup-compatibility/2006">
-    <mc:Choice xmlns:p14="http://schemas.microsoft.com/office/powerpoint/2010/main" Requires="p14">
+  <mc:AlternateContent xmlns:mc="http://schemas.openxmlformats.org/markup-compatibility/2006" xmlns:p14="http://schemas.microsoft.com/office/powerpoint/2010/main">
+    <mc:Choice Requires="p14">
       <p:transition p14:dur="300">
         <p:fade/>
       </p:transition>
     </mc:Choice>
-    <mc:Fallback>
+    <mc:Fallback xmlns="">
       <p:transition>
         <p:fade/>
       </p:transition>
@@ -16607,13 +16743,13 @@
   <p:clrMapOvr>
     <a:masterClrMapping/>
   </p:clrMapOvr>
-  <mc:AlternateContent xmlns:mc="http://schemas.openxmlformats.org/markup-compatibility/2006">
-    <mc:Choice xmlns:p14="http://schemas.microsoft.com/office/powerpoint/2010/main" Requires="p14">
+  <mc:AlternateContent xmlns:mc="http://schemas.openxmlformats.org/markup-compatibility/2006" xmlns:p14="http://schemas.microsoft.com/office/powerpoint/2010/main">
+    <mc:Choice Requires="p14">
       <p:transition p14:dur="300">
         <p:fade/>
       </p:transition>
     </mc:Choice>
-    <mc:Fallback>
+    <mc:Fallback xmlns="">
       <p:transition>
         <p:fade/>
       </p:transition>
@@ -16703,13 +16839,13 @@
   <p:clrMapOvr>
     <a:masterClrMapping/>
   </p:clrMapOvr>
-  <mc:AlternateContent xmlns:mc="http://schemas.openxmlformats.org/markup-compatibility/2006">
-    <mc:Choice xmlns:p14="http://schemas.microsoft.com/office/powerpoint/2010/main" Requires="p14">
+  <mc:AlternateContent xmlns:mc="http://schemas.openxmlformats.org/markup-compatibility/2006" xmlns:p14="http://schemas.microsoft.com/office/powerpoint/2010/main">
+    <mc:Choice Requires="p14">
       <p:transition p14:dur="300">
         <p:fade/>
       </p:transition>
     </mc:Choice>
-    <mc:Fallback>
+    <mc:Fallback xmlns="">
       <p:transition>
         <p:fade/>
       </p:transition>
@@ -16812,13 +16948,13 @@
   <p:clrMapOvr>
     <a:masterClrMapping/>
   </p:clrMapOvr>
-  <mc:AlternateContent xmlns:mc="http://schemas.openxmlformats.org/markup-compatibility/2006">
-    <mc:Choice xmlns:p14="http://schemas.microsoft.com/office/powerpoint/2010/main" Requires="p14">
+  <mc:AlternateContent xmlns:mc="http://schemas.openxmlformats.org/markup-compatibility/2006" xmlns:p14="http://schemas.microsoft.com/office/powerpoint/2010/main">
+    <mc:Choice Requires="p14">
       <p:transition p14:dur="300">
         <p:fade/>
       </p:transition>
     </mc:Choice>
-    <mc:Fallback>
+    <mc:Fallback xmlns="">
       <p:transition>
         <p:fade/>
       </p:transition>
@@ -16929,13 +17065,13 @@
   <p:clrMapOvr>
     <a:masterClrMapping/>
   </p:clrMapOvr>
-  <mc:AlternateContent xmlns:mc="http://schemas.openxmlformats.org/markup-compatibility/2006">
-    <mc:Choice xmlns:p14="http://schemas.microsoft.com/office/powerpoint/2010/main" Requires="p14">
+  <mc:AlternateContent xmlns:mc="http://schemas.openxmlformats.org/markup-compatibility/2006" xmlns:p14="http://schemas.microsoft.com/office/powerpoint/2010/main">
+    <mc:Choice Requires="p14">
       <p:transition p14:dur="300">
         <p:fade/>
       </p:transition>
     </mc:Choice>
-    <mc:Fallback>
+    <mc:Fallback xmlns="">
       <p:transition>
         <p:fade/>
       </p:transition>
@@ -17030,13 +17166,13 @@
   <p:clrMapOvr>
     <a:masterClrMapping/>
   </p:clrMapOvr>
-  <mc:AlternateContent xmlns:mc="http://schemas.openxmlformats.org/markup-compatibility/2006">
-    <mc:Choice xmlns:p14="http://schemas.microsoft.com/office/powerpoint/2010/main" Requires="p14">
+  <mc:AlternateContent xmlns:mc="http://schemas.openxmlformats.org/markup-compatibility/2006" xmlns:p14="http://schemas.microsoft.com/office/powerpoint/2010/main">
+    <mc:Choice Requires="p14">
       <p:transition p14:dur="300">
         <p:fade/>
       </p:transition>
     </mc:Choice>
-    <mc:Fallback>
+    <mc:Fallback xmlns="">
       <p:transition>
         <p:fade/>
       </p:transition>
@@ -17135,13 +17271,13 @@
   <p:clrMapOvr>
     <a:masterClrMapping/>
   </p:clrMapOvr>
-  <mc:AlternateContent xmlns:mc="http://schemas.openxmlformats.org/markup-compatibility/2006">
-    <mc:Choice xmlns:p14="http://schemas.microsoft.com/office/powerpoint/2010/main" Requires="p14">
+  <mc:AlternateContent xmlns:mc="http://schemas.openxmlformats.org/markup-compatibility/2006" xmlns:p14="http://schemas.microsoft.com/office/powerpoint/2010/main">
+    <mc:Choice Requires="p14">
       <p:transition p14:dur="300">
         <p:fade/>
       </p:transition>
     </mc:Choice>
-    <mc:Fallback>
+    <mc:Fallback xmlns="">
       <p:transition>
         <p:fade/>
       </p:transition>
@@ -17231,13 +17367,13 @@
   <p:clrMapOvr>
     <a:masterClrMapping/>
   </p:clrMapOvr>
-  <mc:AlternateContent xmlns:mc="http://schemas.openxmlformats.org/markup-compatibility/2006">
-    <mc:Choice xmlns:p14="http://schemas.microsoft.com/office/powerpoint/2010/main" Requires="p14">
+  <mc:AlternateContent xmlns:mc="http://schemas.openxmlformats.org/markup-compatibility/2006" xmlns:p14="http://schemas.microsoft.com/office/powerpoint/2010/main">
+    <mc:Choice Requires="p14">
       <p:transition p14:dur="300">
         <p:fade/>
       </p:transition>
     </mc:Choice>
-    <mc:Fallback>
+    <mc:Fallback xmlns="">
       <p:transition>
         <p:fade/>
       </p:transition>
@@ -17335,13 +17471,13 @@
   <p:clrMapOvr>
     <a:masterClrMapping/>
   </p:clrMapOvr>
-  <mc:AlternateContent xmlns:mc="http://schemas.openxmlformats.org/markup-compatibility/2006">
-    <mc:Choice xmlns:p14="http://schemas.microsoft.com/office/powerpoint/2010/main" Requires="p14">
+  <mc:AlternateContent xmlns:mc="http://schemas.openxmlformats.org/markup-compatibility/2006" xmlns:p14="http://schemas.microsoft.com/office/powerpoint/2010/main">
+    <mc:Choice Requires="p14">
       <p:transition p14:dur="300">
         <p:fade/>
       </p:transition>
     </mc:Choice>
-    <mc:Fallback>
+    <mc:Fallback xmlns="">
       <p:transition>
         <p:fade/>
       </p:transition>
@@ -17439,13 +17575,13 @@
   <p:clrMapOvr>
     <a:masterClrMapping/>
   </p:clrMapOvr>
-  <mc:AlternateContent xmlns:mc="http://schemas.openxmlformats.org/markup-compatibility/2006">
-    <mc:Choice xmlns:p14="http://schemas.microsoft.com/office/powerpoint/2010/main" Requires="p14">
+  <mc:AlternateContent xmlns:mc="http://schemas.openxmlformats.org/markup-compatibility/2006" xmlns:p14="http://schemas.microsoft.com/office/powerpoint/2010/main">
+    <mc:Choice Requires="p14">
       <p:transition p14:dur="300">
         <p:fade/>
       </p:transition>
     </mc:Choice>
-    <mc:Fallback>
+    <mc:Fallback xmlns="">
       <p:transition>
         <p:fade/>
       </p:transition>
@@ -17547,13 +17683,13 @@
   <p:clrMapOvr>
     <a:masterClrMapping/>
   </p:clrMapOvr>
-  <mc:AlternateContent xmlns:mc="http://schemas.openxmlformats.org/markup-compatibility/2006">
-    <mc:Choice xmlns:p14="http://schemas.microsoft.com/office/powerpoint/2010/main" Requires="p14">
+  <mc:AlternateContent xmlns:mc="http://schemas.openxmlformats.org/markup-compatibility/2006" xmlns:p14="http://schemas.microsoft.com/office/powerpoint/2010/main">
+    <mc:Choice Requires="p14">
       <p:transition p14:dur="300">
         <p:fade/>
       </p:transition>
     </mc:Choice>
-    <mc:Fallback>
+    <mc:Fallback xmlns="">
       <p:transition>
         <p:fade/>
       </p:transition>
@@ -17643,13 +17779,13 @@
   <p:clrMapOvr>
     <a:masterClrMapping/>
   </p:clrMapOvr>
-  <mc:AlternateContent xmlns:mc="http://schemas.openxmlformats.org/markup-compatibility/2006">
-    <mc:Choice xmlns:p14="http://schemas.microsoft.com/office/powerpoint/2010/main" Requires="p14">
+  <mc:AlternateContent xmlns:mc="http://schemas.openxmlformats.org/markup-compatibility/2006" xmlns:p14="http://schemas.microsoft.com/office/powerpoint/2010/main">
+    <mc:Choice Requires="p14">
       <p:transition p14:dur="300">
         <p:fade/>
       </p:transition>
     </mc:Choice>
-    <mc:Fallback>
+    <mc:Fallback xmlns="">
       <p:transition>
         <p:fade/>
       </p:transition>
@@ -17739,13 +17875,13 @@
   <p:clrMapOvr>
     <a:masterClrMapping/>
   </p:clrMapOvr>
-  <mc:AlternateContent xmlns:mc="http://schemas.openxmlformats.org/markup-compatibility/2006">
-    <mc:Choice xmlns:p14="http://schemas.microsoft.com/office/powerpoint/2010/main" Requires="p14">
+  <mc:AlternateContent xmlns:mc="http://schemas.openxmlformats.org/markup-compatibility/2006" xmlns:p14="http://schemas.microsoft.com/office/powerpoint/2010/main">
+    <mc:Choice Requires="p14">
       <p:transition p14:dur="300">
         <p:fade/>
       </p:transition>
     </mc:Choice>
-    <mc:Fallback>
+    <mc:Fallback xmlns="">
       <p:transition>
         <p:fade/>
       </p:transition>
@@ -17835,13 +17971,13 @@
   <p:clrMapOvr>
     <a:masterClrMapping/>
   </p:clrMapOvr>
-  <mc:AlternateContent xmlns:mc="http://schemas.openxmlformats.org/markup-compatibility/2006">
-    <mc:Choice xmlns:p14="http://schemas.microsoft.com/office/powerpoint/2010/main" Requires="p14">
+  <mc:AlternateContent xmlns:mc="http://schemas.openxmlformats.org/markup-compatibility/2006" xmlns:p14="http://schemas.microsoft.com/office/powerpoint/2010/main">
+    <mc:Choice Requires="p14">
       <p:transition p14:dur="300">
         <p:fade/>
       </p:transition>
     </mc:Choice>
-    <mc:Fallback>
+    <mc:Fallback xmlns="">
       <p:transition>
         <p:fade/>
       </p:transition>
@@ -17936,13 +18072,13 @@
   <p:clrMapOvr>
     <a:masterClrMapping/>
   </p:clrMapOvr>
-  <mc:AlternateContent xmlns:mc="http://schemas.openxmlformats.org/markup-compatibility/2006">
-    <mc:Choice xmlns:p14="http://schemas.microsoft.com/office/powerpoint/2010/main" Requires="p14">
+  <mc:AlternateContent xmlns:mc="http://schemas.openxmlformats.org/markup-compatibility/2006" xmlns:p14="http://schemas.microsoft.com/office/powerpoint/2010/main">
+    <mc:Choice Requires="p14">
       <p:transition p14:dur="300">
         <p:fade/>
       </p:transition>
     </mc:Choice>
-    <mc:Fallback>
+    <mc:Fallback xmlns="">
       <p:transition>
         <p:fade/>
       </p:transition>
@@ -18045,13 +18181,13 @@
   <p:clrMapOvr>
     <a:masterClrMapping/>
   </p:clrMapOvr>
-  <mc:AlternateContent xmlns:mc="http://schemas.openxmlformats.org/markup-compatibility/2006">
-    <mc:Choice xmlns:p14="http://schemas.microsoft.com/office/powerpoint/2010/main" Requires="p14">
+  <mc:AlternateContent xmlns:mc="http://schemas.openxmlformats.org/markup-compatibility/2006" xmlns:p14="http://schemas.microsoft.com/office/powerpoint/2010/main">
+    <mc:Choice Requires="p14">
       <p:transition p14:dur="300">
         <p:fade/>
       </p:transition>
     </mc:Choice>
-    <mc:Fallback>
+    <mc:Fallback xmlns="">
       <p:transition>
         <p:fade/>
       </p:transition>
@@ -18149,13 +18285,13 @@
   <p:clrMapOvr>
     <a:masterClrMapping/>
   </p:clrMapOvr>
-  <mc:AlternateContent xmlns:mc="http://schemas.openxmlformats.org/markup-compatibility/2006">
-    <mc:Choice xmlns:p14="http://schemas.microsoft.com/office/powerpoint/2010/main" Requires="p14">
+  <mc:AlternateContent xmlns:mc="http://schemas.openxmlformats.org/markup-compatibility/2006" xmlns:p14="http://schemas.microsoft.com/office/powerpoint/2010/main">
+    <mc:Choice Requires="p14">
       <p:transition p14:dur="300">
         <p:fade/>
       </p:transition>
     </mc:Choice>
-    <mc:Fallback>
+    <mc:Fallback xmlns="">
       <p:transition>
         <p:fade/>
       </p:transition>
@@ -18250,13 +18386,13 @@
   <p:clrMapOvr>
     <a:masterClrMapping/>
   </p:clrMapOvr>
-  <mc:AlternateContent xmlns:mc="http://schemas.openxmlformats.org/markup-compatibility/2006">
-    <mc:Choice xmlns:p14="http://schemas.microsoft.com/office/powerpoint/2010/main" Requires="p14">
+  <mc:AlternateContent xmlns:mc="http://schemas.openxmlformats.org/markup-compatibility/2006" xmlns:p14="http://schemas.microsoft.com/office/powerpoint/2010/main">
+    <mc:Choice Requires="p14">
       <p:transition p14:dur="300">
         <p:fade/>
       </p:transition>
     </mc:Choice>
-    <mc:Fallback>
+    <mc:Fallback xmlns="">
       <p:transition>
         <p:fade/>
       </p:transition>
@@ -18346,13 +18482,13 @@
   <p:clrMapOvr>
     <a:masterClrMapping/>
   </p:clrMapOvr>
-  <mc:AlternateContent xmlns:mc="http://schemas.openxmlformats.org/markup-compatibility/2006">
-    <mc:Choice xmlns:p14="http://schemas.microsoft.com/office/powerpoint/2010/main" Requires="p14">
+  <mc:AlternateContent xmlns:mc="http://schemas.openxmlformats.org/markup-compatibility/2006" xmlns:p14="http://schemas.microsoft.com/office/powerpoint/2010/main">
+    <mc:Choice Requires="p14">
       <p:transition p14:dur="300">
         <p:fade/>
       </p:transition>
     </mc:Choice>
-    <mc:Fallback>
+    <mc:Fallback xmlns="">
       <p:transition>
         <p:fade/>
       </p:transition>
@@ -18450,13 +18586,13 @@
   <p:clrMapOvr>
     <a:masterClrMapping/>
   </p:clrMapOvr>
-  <mc:AlternateContent xmlns:mc="http://schemas.openxmlformats.org/markup-compatibility/2006">
-    <mc:Choice xmlns:p14="http://schemas.microsoft.com/office/powerpoint/2010/main" Requires="p14">
+  <mc:AlternateContent xmlns:mc="http://schemas.openxmlformats.org/markup-compatibility/2006" xmlns:p14="http://schemas.microsoft.com/office/powerpoint/2010/main">
+    <mc:Choice Requires="p14">
       <p:transition p14:dur="300">
         <p:fade/>
       </p:transition>
     </mc:Choice>
-    <mc:Fallback>
+    <mc:Fallback xmlns="">
       <p:transition>
         <p:fade/>
       </p:transition>
@@ -18546,13 +18682,13 @@
   <p:clrMapOvr>
     <a:masterClrMapping/>
   </p:clrMapOvr>
-  <mc:AlternateContent xmlns:mc="http://schemas.openxmlformats.org/markup-compatibility/2006">
-    <mc:Choice xmlns:p14="http://schemas.microsoft.com/office/powerpoint/2010/main" Requires="p14">
+  <mc:AlternateContent xmlns:mc="http://schemas.openxmlformats.org/markup-compatibility/2006" xmlns:p14="http://schemas.microsoft.com/office/powerpoint/2010/main">
+    <mc:Choice Requires="p14">
       <p:transition p14:dur="300">
         <p:fade/>
       </p:transition>
     </mc:Choice>
-    <mc:Fallback>
+    <mc:Fallback xmlns="">
       <p:transition>
         <p:fade/>
       </p:transition>
@@ -18655,13 +18791,13 @@
   <p:clrMapOvr>
     <a:masterClrMapping/>
   </p:clrMapOvr>
-  <mc:AlternateContent xmlns:mc="http://schemas.openxmlformats.org/markup-compatibility/2006">
-    <mc:Choice xmlns:p14="http://schemas.microsoft.com/office/powerpoint/2010/main" Requires="p14">
+  <mc:AlternateContent xmlns:mc="http://schemas.openxmlformats.org/markup-compatibility/2006" xmlns:p14="http://schemas.microsoft.com/office/powerpoint/2010/main">
+    <mc:Choice Requires="p14">
       <p:transition p14:dur="300">
         <p:fade/>
       </p:transition>
     </mc:Choice>
-    <mc:Fallback>
+    <mc:Fallback xmlns="">
       <p:transition>
         <p:fade/>
       </p:transition>
@@ -18760,13 +18896,13 @@
   <p:clrMapOvr>
     <a:masterClrMapping/>
   </p:clrMapOvr>
-  <mc:AlternateContent xmlns:mc="http://schemas.openxmlformats.org/markup-compatibility/2006">
-    <mc:Choice xmlns:p14="http://schemas.microsoft.com/office/powerpoint/2010/main" Requires="p14">
+  <mc:AlternateContent xmlns:mc="http://schemas.openxmlformats.org/markup-compatibility/2006" xmlns:p14="http://schemas.microsoft.com/office/powerpoint/2010/main">
+    <mc:Choice Requires="p14">
       <p:transition p14:dur="300">
         <p:fade/>
       </p:transition>
     </mc:Choice>
-    <mc:Fallback>
+    <mc:Fallback xmlns="">
       <p:transition>
         <p:fade/>
       </p:transition>
@@ -18873,13 +19009,13 @@
   <p:clrMapOvr>
     <a:masterClrMapping/>
   </p:clrMapOvr>
-  <mc:AlternateContent xmlns:mc="http://schemas.openxmlformats.org/markup-compatibility/2006">
-    <mc:Choice xmlns:p14="http://schemas.microsoft.com/office/powerpoint/2010/main" Requires="p14">
+  <mc:AlternateContent xmlns:mc="http://schemas.openxmlformats.org/markup-compatibility/2006" xmlns:p14="http://schemas.microsoft.com/office/powerpoint/2010/main">
+    <mc:Choice Requires="p14">
       <p:transition p14:dur="300">
         <p:fade/>
       </p:transition>
     </mc:Choice>
-    <mc:Fallback>
+    <mc:Fallback xmlns="">
       <p:transition>
         <p:fade/>
       </p:transition>
@@ -19010,13 +19146,13 @@
   <p:clrMapOvr>
     <a:masterClrMapping/>
   </p:clrMapOvr>
-  <mc:AlternateContent xmlns:mc="http://schemas.openxmlformats.org/markup-compatibility/2006">
-    <mc:Choice xmlns:p14="http://schemas.microsoft.com/office/powerpoint/2010/main" Requires="p14">
+  <mc:AlternateContent xmlns:mc="http://schemas.openxmlformats.org/markup-compatibility/2006" xmlns:p14="http://schemas.microsoft.com/office/powerpoint/2010/main">
+    <mc:Choice Requires="p14">
       <p:transition p14:dur="300">
         <p:fade/>
       </p:transition>
     </mc:Choice>
-    <mc:Fallback>
+    <mc:Fallback xmlns="">
       <p:transition>
         <p:fade/>
       </p:transition>
@@ -19106,13 +19242,13 @@
   <p:clrMapOvr>
     <a:masterClrMapping/>
   </p:clrMapOvr>
-  <mc:AlternateContent xmlns:mc="http://schemas.openxmlformats.org/markup-compatibility/2006">
-    <mc:Choice xmlns:p14="http://schemas.microsoft.com/office/powerpoint/2010/main" Requires="p14">
+  <mc:AlternateContent xmlns:mc="http://schemas.openxmlformats.org/markup-compatibility/2006" xmlns:p14="http://schemas.microsoft.com/office/powerpoint/2010/main">
+    <mc:Choice Requires="p14">
       <p:transition p14:dur="300">
         <p:fade/>
       </p:transition>
     </mc:Choice>
-    <mc:Fallback>
+    <mc:Fallback xmlns="">
       <p:transition>
         <p:fade/>
       </p:transition>
@@ -19227,13 +19363,13 @@
   <p:clrMapOvr>
     <a:masterClrMapping/>
   </p:clrMapOvr>
-  <mc:AlternateContent xmlns:mc="http://schemas.openxmlformats.org/markup-compatibility/2006">
-    <mc:Choice xmlns:p14="http://schemas.microsoft.com/office/powerpoint/2010/main" Requires="p14">
+  <mc:AlternateContent xmlns:mc="http://schemas.openxmlformats.org/markup-compatibility/2006" xmlns:p14="http://schemas.microsoft.com/office/powerpoint/2010/main">
+    <mc:Choice Requires="p14">
       <p:transition p14:dur="300">
         <p:fade/>
       </p:transition>
     </mc:Choice>
-    <mc:Fallback>
+    <mc:Fallback xmlns="">
       <p:transition>
         <p:fade/>
       </p:transition>
@@ -19331,13 +19467,13 @@
   <p:clrMapOvr>
     <a:masterClrMapping/>
   </p:clrMapOvr>
-  <mc:AlternateContent xmlns:mc="http://schemas.openxmlformats.org/markup-compatibility/2006">
-    <mc:Choice xmlns:p14="http://schemas.microsoft.com/office/powerpoint/2010/main" Requires="p14">
+  <mc:AlternateContent xmlns:mc="http://schemas.openxmlformats.org/markup-compatibility/2006" xmlns:p14="http://schemas.microsoft.com/office/powerpoint/2010/main">
+    <mc:Choice Requires="p14">
       <p:transition p14:dur="300">
         <p:fade/>
       </p:transition>
     </mc:Choice>
-    <mc:Fallback>
+    <mc:Fallback xmlns="">
       <p:transition>
         <p:fade/>
       </p:transition>
@@ -19455,13 +19591,13 @@
   <p:clrMapOvr>
     <a:masterClrMapping/>
   </p:clrMapOvr>
-  <mc:AlternateContent xmlns:mc="http://schemas.openxmlformats.org/markup-compatibility/2006">
-    <mc:Choice xmlns:p14="http://schemas.microsoft.com/office/powerpoint/2010/main" Requires="p14">
+  <mc:AlternateContent xmlns:mc="http://schemas.openxmlformats.org/markup-compatibility/2006" xmlns:p14="http://schemas.microsoft.com/office/powerpoint/2010/main">
+    <mc:Choice Requires="p14">
       <p:transition p14:dur="300">
         <p:fade/>
       </p:transition>
     </mc:Choice>
-    <mc:Fallback>
+    <mc:Fallback xmlns="">
       <p:transition>
         <p:fade/>
       </p:transition>
@@ -19565,13 +19701,13 @@
   <p:clrMapOvr>
     <a:masterClrMapping/>
   </p:clrMapOvr>
-  <mc:AlternateContent xmlns:mc="http://schemas.openxmlformats.org/markup-compatibility/2006">
-    <mc:Choice xmlns:p14="http://schemas.microsoft.com/office/powerpoint/2010/main" Requires="p14">
+  <mc:AlternateContent xmlns:mc="http://schemas.openxmlformats.org/markup-compatibility/2006" xmlns:p14="http://schemas.microsoft.com/office/powerpoint/2010/main">
+    <mc:Choice Requires="p14">
       <p:transition p14:dur="300">
         <p:fade/>
       </p:transition>
     </mc:Choice>
-    <mc:Fallback>
+    <mc:Fallback xmlns="">
       <p:transition>
         <p:fade/>
       </p:transition>
@@ -19665,13 +19801,13 @@
   <p:clrMapOvr>
     <a:masterClrMapping/>
   </p:clrMapOvr>
-  <mc:AlternateContent xmlns:mc="http://schemas.openxmlformats.org/markup-compatibility/2006">
-    <mc:Choice xmlns:p14="http://schemas.microsoft.com/office/powerpoint/2010/main" Requires="p14">
+  <mc:AlternateContent xmlns:mc="http://schemas.openxmlformats.org/markup-compatibility/2006" xmlns:p14="http://schemas.microsoft.com/office/powerpoint/2010/main">
+    <mc:Choice Requires="p14">
       <p:transition p14:dur="300">
         <p:fade/>
       </p:transition>
     </mc:Choice>
-    <mc:Fallback>
+    <mc:Fallback xmlns="">
       <p:transition>
         <p:fade/>
       </p:transition>
@@ -19785,13 +19921,13 @@
   <p:clrMapOvr>
     <a:masterClrMapping/>
   </p:clrMapOvr>
-  <mc:AlternateContent xmlns:mc="http://schemas.openxmlformats.org/markup-compatibility/2006">
-    <mc:Choice xmlns:p14="http://schemas.microsoft.com/office/powerpoint/2010/main" Requires="p14">
+  <mc:AlternateContent xmlns:mc="http://schemas.openxmlformats.org/markup-compatibility/2006" xmlns:p14="http://schemas.microsoft.com/office/powerpoint/2010/main">
+    <mc:Choice Requires="p14">
       <p:transition p14:dur="300">
         <p:fade/>
       </p:transition>
     </mc:Choice>
-    <mc:Fallback>
+    <mc:Fallback xmlns="">
       <p:transition>
         <p:fade/>
       </p:transition>
@@ -19913,13 +20049,13 @@
   <p:clrMapOvr>
     <a:masterClrMapping/>
   </p:clrMapOvr>
-  <mc:AlternateContent xmlns:mc="http://schemas.openxmlformats.org/markup-compatibility/2006">
-    <mc:Choice xmlns:p14="http://schemas.microsoft.com/office/powerpoint/2010/main" Requires="p14">
+  <mc:AlternateContent xmlns:mc="http://schemas.openxmlformats.org/markup-compatibility/2006" xmlns:p14="http://schemas.microsoft.com/office/powerpoint/2010/main">
+    <mc:Choice Requires="p14">
       <p:transition p14:dur="300">
         <p:fade/>
       </p:transition>
     </mc:Choice>
-    <mc:Fallback>
+    <mc:Fallback xmlns="">
       <p:transition>
         <p:fade/>
       </p:transition>
@@ -20014,13 +20150,13 @@
   <p:clrMapOvr>
     <a:masterClrMapping/>
   </p:clrMapOvr>
-  <mc:AlternateContent xmlns:mc="http://schemas.openxmlformats.org/markup-compatibility/2006">
-    <mc:Choice xmlns:p14="http://schemas.microsoft.com/office/powerpoint/2010/main" Requires="p14">
+  <mc:AlternateContent xmlns:mc="http://schemas.openxmlformats.org/markup-compatibility/2006" xmlns:p14="http://schemas.microsoft.com/office/powerpoint/2010/main">
+    <mc:Choice Requires="p14">
       <p:transition p14:dur="300">
         <p:fade/>
       </p:transition>
     </mc:Choice>
-    <mc:Fallback>
+    <mc:Fallback xmlns="">
       <p:transition>
         <p:fade/>
       </p:transition>
@@ -20115,13 +20251,13 @@
   <p:clrMapOvr>
     <a:masterClrMapping/>
   </p:clrMapOvr>
-  <mc:AlternateContent xmlns:mc="http://schemas.openxmlformats.org/markup-compatibility/2006">
-    <mc:Choice xmlns:p14="http://schemas.microsoft.com/office/powerpoint/2010/main" Requires="p14">
+  <mc:AlternateContent xmlns:mc="http://schemas.openxmlformats.org/markup-compatibility/2006" xmlns:p14="http://schemas.microsoft.com/office/powerpoint/2010/main">
+    <mc:Choice Requires="p14">
       <p:transition p14:dur="300">
         <p:fade/>
       </p:transition>
     </mc:Choice>
-    <mc:Fallback>
+    <mc:Fallback xmlns="">
       <p:transition>
         <p:fade/>
       </p:transition>
@@ -20211,13 +20347,13 @@
   <p:clrMapOvr>
     <a:masterClrMapping/>
   </p:clrMapOvr>
-  <mc:AlternateContent xmlns:mc="http://schemas.openxmlformats.org/markup-compatibility/2006">
-    <mc:Choice xmlns:p14="http://schemas.microsoft.com/office/powerpoint/2010/main" Requires="p14">
+  <mc:AlternateContent xmlns:mc="http://schemas.openxmlformats.org/markup-compatibility/2006" xmlns:p14="http://schemas.microsoft.com/office/powerpoint/2010/main">
+    <mc:Choice Requires="p14">
       <p:transition p14:dur="300">
         <p:fade/>
       </p:transition>
     </mc:Choice>
-    <mc:Fallback>
+    <mc:Fallback xmlns="">
       <p:transition>
         <p:fade/>
       </p:transition>
@@ -20319,13 +20455,13 @@
   <p:clrMapOvr>
     <a:masterClrMapping/>
   </p:clrMapOvr>
-  <mc:AlternateContent xmlns:mc="http://schemas.openxmlformats.org/markup-compatibility/2006">
-    <mc:Choice xmlns:p14="http://schemas.microsoft.com/office/powerpoint/2010/main" Requires="p14">
+  <mc:AlternateContent xmlns:mc="http://schemas.openxmlformats.org/markup-compatibility/2006" xmlns:p14="http://schemas.microsoft.com/office/powerpoint/2010/main">
+    <mc:Choice Requires="p14">
       <p:transition p14:dur="300">
         <p:fade/>
       </p:transition>
     </mc:Choice>
-    <mc:Fallback>
+    <mc:Fallback xmlns="">
       <p:transition>
         <p:fade/>
       </p:transition>
@@ -20419,13 +20555,13 @@
   <p:clrMapOvr>
     <a:masterClrMapping/>
   </p:clrMapOvr>
-  <mc:AlternateContent xmlns:mc="http://schemas.openxmlformats.org/markup-compatibility/2006">
-    <mc:Choice xmlns:p14="http://schemas.microsoft.com/office/powerpoint/2010/main" Requires="p14">
+  <mc:AlternateContent xmlns:mc="http://schemas.openxmlformats.org/markup-compatibility/2006" xmlns:p14="http://schemas.microsoft.com/office/powerpoint/2010/main">
+    <mc:Choice Requires="p14">
       <p:transition p14:dur="300">
         <p:fade/>
       </p:transition>
     </mc:Choice>
-    <mc:Fallback>
+    <mc:Fallback xmlns="">
       <p:transition>
         <p:fade/>
       </p:transition>
@@ -20532,13 +20668,13 @@
   <p:clrMapOvr>
     <a:masterClrMapping/>
   </p:clrMapOvr>
-  <mc:AlternateContent xmlns:mc="http://schemas.openxmlformats.org/markup-compatibility/2006">
-    <mc:Choice xmlns:p14="http://schemas.microsoft.com/office/powerpoint/2010/main" Requires="p14">
+  <mc:AlternateContent xmlns:mc="http://schemas.openxmlformats.org/markup-compatibility/2006" xmlns:p14="http://schemas.microsoft.com/office/powerpoint/2010/main">
+    <mc:Choice Requires="p14">
       <p:transition p14:dur="300">
         <p:fade/>
       </p:transition>
     </mc:Choice>
-    <mc:Fallback>
+    <mc:Fallback xmlns="">
       <p:transition>
         <p:fade/>
       </p:transition>
